--- a/Final Pitch/FinalPitch_Happy Mortgage_V1.0.pptx
+++ b/Final Pitch/FinalPitch_Happy Mortgage_V1.0.pptx
@@ -1944,10 +1944,9 @@
         <a:lstStyle/>
         <a:p>
           <a:r>
-            <a:rPr lang="en-US" sz="2000" dirty="0" smtClean="0"/>
+            <a:rPr lang="en-US" sz="2000" dirty="0"/>
             <a:t>Sprint 1</a:t>
           </a:r>
-          <a:endParaRPr lang="en-US" sz="2000" dirty="0"/>
         </a:p>
       </dgm:t>
     </dgm:pt>
@@ -2055,35 +2054,14 @@
         </dgm:presLayoutVars>
       </dgm:prSet>
       <dgm:spPr/>
-      <dgm:t>
-        <a:bodyPr/>
-        <a:lstStyle/>
-        <a:p>
-          <a:endParaRPr lang="de-DE"/>
-        </a:p>
-      </dgm:t>
     </dgm:pt>
     <dgm:pt modelId="{B47F6F72-6D47-E44A-AC44-00DD246D0849}" type="pres">
       <dgm:prSet presAssocID="{CFECD34D-D1A6-4247-948F-D435D4753309}" presName="Accent1" presStyleCnt="0"/>
       <dgm:spPr/>
-      <dgm:t>
-        <a:bodyPr/>
-        <a:lstStyle/>
-        <a:p>
-          <a:endParaRPr lang="de-DE"/>
-        </a:p>
-      </dgm:t>
     </dgm:pt>
     <dgm:pt modelId="{5707B7FD-5742-EF42-BAA2-80AFD0A567D8}" type="pres">
       <dgm:prSet presAssocID="{CFECD34D-D1A6-4247-948F-D435D4753309}" presName="Accent" presStyleLbl="node1" presStyleIdx="0" presStyleCnt="3"/>
       <dgm:spPr/>
-      <dgm:t>
-        <a:bodyPr/>
-        <a:lstStyle/>
-        <a:p>
-          <a:endParaRPr lang="de-DE"/>
-        </a:p>
-      </dgm:t>
     </dgm:pt>
     <dgm:pt modelId="{EEF06095-DA50-5442-9BC0-4BF8C45025AA}" type="pres">
       <dgm:prSet presAssocID="{CFECD34D-D1A6-4247-948F-D435D4753309}" presName="Parent1" presStyleLbl="revTx" presStyleIdx="0" presStyleCnt="3">
@@ -2094,35 +2072,14 @@
         </dgm:presLayoutVars>
       </dgm:prSet>
       <dgm:spPr/>
-      <dgm:t>
-        <a:bodyPr/>
-        <a:lstStyle/>
-        <a:p>
-          <a:endParaRPr lang="de-DE"/>
-        </a:p>
-      </dgm:t>
     </dgm:pt>
     <dgm:pt modelId="{5162520B-4A9A-4045-BD61-324654655BB5}" type="pres">
       <dgm:prSet presAssocID="{98E51076-DCF6-464D-8018-9E4B7FF80277}" presName="Accent2" presStyleCnt="0"/>
       <dgm:spPr/>
-      <dgm:t>
-        <a:bodyPr/>
-        <a:lstStyle/>
-        <a:p>
-          <a:endParaRPr lang="de-DE"/>
-        </a:p>
-      </dgm:t>
     </dgm:pt>
     <dgm:pt modelId="{D9B2F24B-64AE-1D4E-AA55-D2762D59C3F9}" type="pres">
       <dgm:prSet presAssocID="{98E51076-DCF6-464D-8018-9E4B7FF80277}" presName="Accent" presStyleLbl="node1" presStyleIdx="1" presStyleCnt="3"/>
       <dgm:spPr/>
-      <dgm:t>
-        <a:bodyPr/>
-        <a:lstStyle/>
-        <a:p>
-          <a:endParaRPr lang="de-DE"/>
-        </a:p>
-      </dgm:t>
     </dgm:pt>
     <dgm:pt modelId="{5C9596F4-408D-EA4D-8D78-9C6A63AC6F27}" type="pres">
       <dgm:prSet presAssocID="{98E51076-DCF6-464D-8018-9E4B7FF80277}" presName="Parent2" presStyleLbl="revTx" presStyleIdx="1" presStyleCnt="3">
@@ -2133,35 +2090,14 @@
         </dgm:presLayoutVars>
       </dgm:prSet>
       <dgm:spPr/>
-      <dgm:t>
-        <a:bodyPr/>
-        <a:lstStyle/>
-        <a:p>
-          <a:endParaRPr lang="de-DE"/>
-        </a:p>
-      </dgm:t>
     </dgm:pt>
     <dgm:pt modelId="{0CE4A29A-AFA7-404E-974C-FD4B3901C917}" type="pres">
       <dgm:prSet presAssocID="{9727B775-F645-C046-84E7-28A0A328D67B}" presName="Accent3" presStyleCnt="0"/>
       <dgm:spPr/>
-      <dgm:t>
-        <a:bodyPr/>
-        <a:lstStyle/>
-        <a:p>
-          <a:endParaRPr lang="de-DE"/>
-        </a:p>
-      </dgm:t>
     </dgm:pt>
     <dgm:pt modelId="{1DB82F2D-F46F-0F46-8A37-1084DC7192CE}" type="pres">
       <dgm:prSet presAssocID="{9727B775-F645-C046-84E7-28A0A328D67B}" presName="Accent" presStyleLbl="node1" presStyleIdx="2" presStyleCnt="3"/>
       <dgm:spPr/>
-      <dgm:t>
-        <a:bodyPr/>
-        <a:lstStyle/>
-        <a:p>
-          <a:endParaRPr lang="de-DE"/>
-        </a:p>
-      </dgm:t>
     </dgm:pt>
     <dgm:pt modelId="{315C4F7C-8C55-AA45-9634-285347327A98}" type="pres">
       <dgm:prSet presAssocID="{9727B775-F645-C046-84E7-28A0A328D67B}" presName="Parent3" presStyleLbl="revTx" presStyleIdx="2" presStyleCnt="3">
@@ -2172,21 +2108,14 @@
         </dgm:presLayoutVars>
       </dgm:prSet>
       <dgm:spPr/>
-      <dgm:t>
-        <a:bodyPr/>
-        <a:lstStyle/>
-        <a:p>
-          <a:endParaRPr lang="de-DE"/>
-        </a:p>
-      </dgm:t>
     </dgm:pt>
   </dgm:ptLst>
   <dgm:cxnLst>
+    <dgm:cxn modelId="{C8045E3B-4405-294A-B7D6-D2548B4BD0A7}" type="presOf" srcId="{CFECD34D-D1A6-4247-948F-D435D4753309}" destId="{EEF06095-DA50-5442-9BC0-4BF8C45025AA}" srcOrd="0" destOrd="0" presId="urn:microsoft.com/office/officeart/2009/layout/CircleArrowProcess"/>
+    <dgm:cxn modelId="{7098C24A-62A6-1C49-A12E-9F1C64FEB7EF}" srcId="{6E996309-1EB8-B44C-BB2A-34C68B8FFF3D}" destId="{98E51076-DCF6-464D-8018-9E4B7FF80277}" srcOrd="1" destOrd="0" parTransId="{08509175-581B-464B-A0C1-FCAE6F1EA347}" sibTransId="{D72E3CAB-75EA-6C4C-A6A2-1A1FB6A0E4C1}"/>
     <dgm:cxn modelId="{206E644E-DECA-ED41-B266-F2817F45BC96}" type="presOf" srcId="{9727B775-F645-C046-84E7-28A0A328D67B}" destId="{315C4F7C-8C55-AA45-9634-285347327A98}" srcOrd="0" destOrd="0" presId="urn:microsoft.com/office/officeart/2009/layout/CircleArrowProcess"/>
-    <dgm:cxn modelId="{C8045E3B-4405-294A-B7D6-D2548B4BD0A7}" type="presOf" srcId="{CFECD34D-D1A6-4247-948F-D435D4753309}" destId="{EEF06095-DA50-5442-9BC0-4BF8C45025AA}" srcOrd="0" destOrd="0" presId="urn:microsoft.com/office/officeart/2009/layout/CircleArrowProcess"/>
+    <dgm:cxn modelId="{D81EDB53-B24F-3240-8345-86614E6CB949}" srcId="{6E996309-1EB8-B44C-BB2A-34C68B8FFF3D}" destId="{CFECD34D-D1A6-4247-948F-D435D4753309}" srcOrd="0" destOrd="0" parTransId="{1BC34F63-B40D-0D45-AB95-13CDC13FEE24}" sibTransId="{640DE79F-EF49-F04E-BA37-6D6BAACDD814}"/>
     <dgm:cxn modelId="{9C49BBA9-C37D-CB4C-9086-6A8179CBAF99}" type="presOf" srcId="{98E51076-DCF6-464D-8018-9E4B7FF80277}" destId="{5C9596F4-408D-EA4D-8D78-9C6A63AC6F27}" srcOrd="0" destOrd="0" presId="urn:microsoft.com/office/officeart/2009/layout/CircleArrowProcess"/>
-    <dgm:cxn modelId="{7098C24A-62A6-1C49-A12E-9F1C64FEB7EF}" srcId="{6E996309-1EB8-B44C-BB2A-34C68B8FFF3D}" destId="{98E51076-DCF6-464D-8018-9E4B7FF80277}" srcOrd="1" destOrd="0" parTransId="{08509175-581B-464B-A0C1-FCAE6F1EA347}" sibTransId="{D72E3CAB-75EA-6C4C-A6A2-1A1FB6A0E4C1}"/>
-    <dgm:cxn modelId="{D81EDB53-B24F-3240-8345-86614E6CB949}" srcId="{6E996309-1EB8-B44C-BB2A-34C68B8FFF3D}" destId="{CFECD34D-D1A6-4247-948F-D435D4753309}" srcOrd="0" destOrd="0" parTransId="{1BC34F63-B40D-0D45-AB95-13CDC13FEE24}" sibTransId="{640DE79F-EF49-F04E-BA37-6D6BAACDD814}"/>
     <dgm:cxn modelId="{CDCD47DC-87FB-B549-B69C-A59C2624E487}" srcId="{6E996309-1EB8-B44C-BB2A-34C68B8FFF3D}" destId="{9727B775-F645-C046-84E7-28A0A328D67B}" srcOrd="2" destOrd="0" parTransId="{1D58DC89-4CFF-1C47-821F-F53E52DE5897}" sibTransId="{6616CC10-571F-ED4C-AE42-FE0FA925798B}"/>
     <dgm:cxn modelId="{5B1103FF-F6FF-D644-951F-F38540A230EE}" type="presOf" srcId="{6E996309-1EB8-B44C-BB2A-34C68B8FFF3D}" destId="{7B215635-E17A-4049-9B35-0AD63588D255}" srcOrd="0" destOrd="0" presId="urn:microsoft.com/office/officeart/2009/layout/CircleArrowProcess"/>
     <dgm:cxn modelId="{3EFC1AF6-77D8-9446-A715-13D21C0515A0}" type="presParOf" srcId="{7B215635-E17A-4049-9B35-0AD63588D255}" destId="{B47F6F72-6D47-E44A-AC44-00DD246D0849}" srcOrd="0" destOrd="0" presId="urn:microsoft.com/office/officeart/2009/layout/CircleArrowProcess"/>
@@ -2270,13 +2199,6 @@
         </dgm:presLayoutVars>
       </dgm:prSet>
       <dgm:spPr/>
-      <dgm:t>
-        <a:bodyPr/>
-        <a:lstStyle/>
-        <a:p>
-          <a:endParaRPr lang="de-DE"/>
-        </a:p>
-      </dgm:t>
     </dgm:pt>
     <dgm:pt modelId="{AC722BBC-E4AD-874F-BE9D-F724D16DCB44}" type="pres">
       <dgm:prSet presAssocID="{B3216A8D-143E-4AF1-8CC9-D3744DBEA0C3}" presName="thickLine" presStyleLbl="alignNode1" presStyleIdx="0" presStyleCnt="1"/>
@@ -2289,13 +2211,6 @@
     <dgm:pt modelId="{C54630DA-CB6A-7B4E-AAAC-8CDD04742768}" type="pres">
       <dgm:prSet presAssocID="{B3216A8D-143E-4AF1-8CC9-D3744DBEA0C3}" presName="tx1" presStyleLbl="revTx" presStyleIdx="0" presStyleCnt="1" custLinFactY="-100000" custLinFactNeighborX="0" custLinFactNeighborY="-111892"/>
       <dgm:spPr/>
-      <dgm:t>
-        <a:bodyPr/>
-        <a:lstStyle/>
-        <a:p>
-          <a:endParaRPr lang="de-DE"/>
-        </a:p>
-      </dgm:t>
     </dgm:pt>
     <dgm:pt modelId="{B2CA3FBE-D855-554F-A68A-3B59A0ACCAB3}" type="pres">
       <dgm:prSet presAssocID="{B3216A8D-143E-4AF1-8CC9-D3744DBEA0C3}" presName="vert1" presStyleCnt="0"/>
@@ -2304,8 +2219,8 @@
   </dgm:ptLst>
   <dgm:cxnLst>
     <dgm:cxn modelId="{DF1BD101-A858-AD4A-90EE-40A5DF753E9A}" type="presOf" srcId="{345A87A9-65CB-4317-A11E-AD493D1A427B}" destId="{0D395D01-427A-874D-9112-4364DB863FFA}" srcOrd="0" destOrd="0" presId="urn:microsoft.com/office/officeart/2008/layout/LinedList"/>
+    <dgm:cxn modelId="{5B776413-CC15-4C51-A6F8-7F9E55809F66}" srcId="{345A87A9-65CB-4317-A11E-AD493D1A427B}" destId="{B3216A8D-143E-4AF1-8CC9-D3744DBEA0C3}" srcOrd="0" destOrd="0" parTransId="{8AA7F85A-4C36-4092-8B50-DAFDEF7060A4}" sibTransId="{DE522B55-39AE-4758-80ED-CBE6E525727C}"/>
     <dgm:cxn modelId="{EAD068DF-2B6A-C042-9CF1-A02A3A44DB9B}" type="presOf" srcId="{B3216A8D-143E-4AF1-8CC9-D3744DBEA0C3}" destId="{C54630DA-CB6A-7B4E-AAAC-8CDD04742768}" srcOrd="0" destOrd="0" presId="urn:microsoft.com/office/officeart/2008/layout/LinedList"/>
-    <dgm:cxn modelId="{5B776413-CC15-4C51-A6F8-7F9E55809F66}" srcId="{345A87A9-65CB-4317-A11E-AD493D1A427B}" destId="{B3216A8D-143E-4AF1-8CC9-D3744DBEA0C3}" srcOrd="0" destOrd="0" parTransId="{8AA7F85A-4C36-4092-8B50-DAFDEF7060A4}" sibTransId="{DE522B55-39AE-4758-80ED-CBE6E525727C}"/>
     <dgm:cxn modelId="{55F2A8D0-0C11-9040-88D8-81A2E03C67A0}" type="presParOf" srcId="{0D395D01-427A-874D-9112-4364DB863FFA}" destId="{AC722BBC-E4AD-874F-BE9D-F724D16DCB44}" srcOrd="0" destOrd="0" presId="urn:microsoft.com/office/officeart/2008/layout/LinedList"/>
     <dgm:cxn modelId="{92C43748-97BB-7149-AD72-3E185CD77D8D}" type="presParOf" srcId="{0D395D01-427A-874D-9112-4364DB863FFA}" destId="{52D1B1D7-BA27-014E-83AC-40ECE5AAF200}" srcOrd="1" destOrd="0" presId="urn:microsoft.com/office/officeart/2008/layout/LinedList"/>
     <dgm:cxn modelId="{D8B205A1-1E8C-1F4D-B523-04349BC1D224}" type="presParOf" srcId="{52D1B1D7-BA27-014E-83AC-40ECE5AAF200}" destId="{C54630DA-CB6A-7B4E-AAAC-8CDD04742768}" srcOrd="0" destOrd="0" presId="urn:microsoft.com/office/officeart/2008/layout/LinedList"/>
@@ -2423,7 +2338,7 @@
         </a:bodyPr>
         <a:lstStyle/>
         <a:p>
-          <a:pPr lvl="0" algn="ctr" defTabSz="889000">
+          <a:pPr marL="0" lvl="0" indent="0" algn="ctr" defTabSz="889000">
             <a:lnSpc>
               <a:spcPct val="90000"/>
             </a:lnSpc>
@@ -2433,12 +2348,12 @@
             <a:spcAft>
               <a:spcPct val="35000"/>
             </a:spcAft>
+            <a:buNone/>
           </a:pPr>
           <a:r>
-            <a:rPr lang="en-US" sz="2000" kern="1200" dirty="0" smtClean="0"/>
+            <a:rPr lang="en-US" sz="2000" kern="1200" dirty="0"/>
             <a:t>Sprint 1</a:t>
           </a:r>
-          <a:endParaRPr lang="en-US" sz="2000" kern="1200" dirty="0"/>
         </a:p>
       </dsp:txBody>
       <dsp:txXfrm>
@@ -2540,7 +2455,7 @@
         </a:bodyPr>
         <a:lstStyle/>
         <a:p>
-          <a:pPr lvl="0" algn="ctr" defTabSz="889000">
+          <a:pPr marL="0" lvl="0" indent="0" algn="ctr" defTabSz="889000">
             <a:lnSpc>
               <a:spcPct val="90000"/>
             </a:lnSpc>
@@ -2550,6 +2465,7 @@
             <a:spcAft>
               <a:spcPct val="35000"/>
             </a:spcAft>
+            <a:buNone/>
           </a:pPr>
           <a:r>
             <a:rPr lang="en-US" sz="2000" kern="1200" dirty="0"/>
@@ -2654,7 +2570,7 @@
         </a:bodyPr>
         <a:lstStyle/>
         <a:p>
-          <a:pPr lvl="0" algn="ctr" defTabSz="889000">
+          <a:pPr marL="0" lvl="0" indent="0" algn="ctr" defTabSz="889000">
             <a:lnSpc>
               <a:spcPct val="90000"/>
             </a:lnSpc>
@@ -2664,6 +2580,7 @@
             <a:spcAft>
               <a:spcPct val="35000"/>
             </a:spcAft>
+            <a:buNone/>
           </a:pPr>
           <a:r>
             <a:rPr lang="en-US" sz="2000" kern="1200" dirty="0"/>
@@ -2775,7 +2692,7 @@
         </a:bodyPr>
         <a:lstStyle/>
         <a:p>
-          <a:pPr lvl="0" algn="ctr" defTabSz="2622550">
+          <a:pPr marL="0" lvl="0" indent="0" algn="ctr" defTabSz="2622550">
             <a:lnSpc>
               <a:spcPct val="90000"/>
             </a:lnSpc>
@@ -2785,6 +2702,7 @@
             <a:spcAft>
               <a:spcPct val="35000"/>
             </a:spcAft>
+            <a:buNone/>
           </a:pPr>
           <a:r>
             <a:rPr lang="en-GB" sz="5900" kern="1200" dirty="0"/>
@@ -7494,7 +7412,7 @@
           <a:p>
             <a:fld id="{BD2FB369-47D0-9242-BF62-9CB3085F2C80}" type="datetimeFigureOut">
               <a:rPr lang="en-US" smtClean="0"/>
-              <a:t>12/19/2019</a:t>
+              <a:t>12/20/2019</a:t>
             </a:fld>
             <a:endParaRPr lang="en-US"/>
           </a:p>
@@ -7652,7 +7570,7 @@
           <a:p>
             <a:fld id="{53BAFCDE-2CE7-C742-AC70-198143ED7831}" type="slidenum">
               <a:rPr lang="en-US" smtClean="0"/>
-              <a:t>‹Nr.›</a:t>
+              <a:t>‹#›</a:t>
             </a:fld>
             <a:endParaRPr lang="en-US"/>
           </a:p>
@@ -8451,7 +8369,7 @@
             <a:fld id="{B61BEF0D-F0BB-DE4B-95CE-6DB70DBA9567}" type="datetimeFigureOut">
               <a:rPr lang="en-US" smtClean="0"/>
               <a:pPr/>
-              <a:t>12/19/2019</a:t>
+              <a:t>12/20/2019</a:t>
             </a:fld>
             <a:endParaRPr lang="en-US" dirty="0"/>
           </a:p>
@@ -8506,7 +8424,7 @@
             <a:fld id="{D57F1E4F-1CFF-5643-939E-217C01CDF565}" type="slidenum">
               <a:rPr lang="en-US" smtClean="0"/>
               <a:pPr/>
-              <a:t>‹Nr.›</a:t>
+              <a:t>‹#›</a:t>
             </a:fld>
             <a:endParaRPr lang="en-US" dirty="0"/>
           </a:p>
@@ -8651,7 +8569,7 @@
             <a:fld id="{B61BEF0D-F0BB-DE4B-95CE-6DB70DBA9567}" type="datetimeFigureOut">
               <a:rPr lang="en-US" smtClean="0"/>
               <a:pPr/>
-              <a:t>12/19/2019</a:t>
+              <a:t>12/20/2019</a:t>
             </a:fld>
             <a:endParaRPr lang="en-US" dirty="0"/>
           </a:p>
@@ -8706,7 +8624,7 @@
             <a:fld id="{D57F1E4F-1CFF-5643-939E-217C01CDF565}" type="slidenum">
               <a:rPr lang="en-US" smtClean="0"/>
               <a:pPr/>
-              <a:t>‹Nr.›</a:t>
+              <a:t>‹#›</a:t>
             </a:fld>
             <a:endParaRPr lang="en-US" dirty="0"/>
           </a:p>
@@ -8861,7 +8779,7 @@
             <a:fld id="{B61BEF0D-F0BB-DE4B-95CE-6DB70DBA9567}" type="datetimeFigureOut">
               <a:rPr lang="en-US" smtClean="0"/>
               <a:pPr/>
-              <a:t>12/19/2019</a:t>
+              <a:t>12/20/2019</a:t>
             </a:fld>
             <a:endParaRPr lang="en-US" dirty="0"/>
           </a:p>
@@ -8916,7 +8834,7 @@
             <a:fld id="{D57F1E4F-1CFF-5643-939E-217C01CDF565}" type="slidenum">
               <a:rPr lang="en-US" smtClean="0"/>
               <a:pPr/>
-              <a:t>‹Nr.›</a:t>
+              <a:t>‹#›</a:t>
             </a:fld>
             <a:endParaRPr lang="en-US" dirty="0"/>
           </a:p>
@@ -9061,7 +8979,7 @@
             <a:fld id="{B61BEF0D-F0BB-DE4B-95CE-6DB70DBA9567}" type="datetimeFigureOut">
               <a:rPr lang="en-US" smtClean="0"/>
               <a:pPr/>
-              <a:t>12/19/2019</a:t>
+              <a:t>12/20/2019</a:t>
             </a:fld>
             <a:endParaRPr lang="en-US" dirty="0"/>
           </a:p>
@@ -9116,7 +9034,7 @@
             <a:fld id="{D57F1E4F-1CFF-5643-939E-217C01CDF565}" type="slidenum">
               <a:rPr lang="en-US" smtClean="0"/>
               <a:pPr/>
-              <a:t>‹Nr.›</a:t>
+              <a:t>‹#›</a:t>
             </a:fld>
             <a:endParaRPr lang="en-US" dirty="0"/>
           </a:p>
@@ -9338,7 +9256,7 @@
             <a:fld id="{B61BEF0D-F0BB-DE4B-95CE-6DB70DBA9567}" type="datetimeFigureOut">
               <a:rPr lang="en-US" smtClean="0"/>
               <a:pPr/>
-              <a:t>12/19/2019</a:t>
+              <a:t>12/20/2019</a:t>
             </a:fld>
             <a:endParaRPr lang="en-US" dirty="0"/>
           </a:p>
@@ -9393,7 +9311,7 @@
             <a:fld id="{D57F1E4F-1CFF-5643-939E-217C01CDF565}" type="slidenum">
               <a:rPr lang="en-US" smtClean="0"/>
               <a:pPr/>
-              <a:t>‹Nr.›</a:t>
+              <a:t>‹#›</a:t>
             </a:fld>
             <a:endParaRPr lang="en-US" dirty="0"/>
           </a:p>
@@ -9605,7 +9523,7 @@
             <a:fld id="{B61BEF0D-F0BB-DE4B-95CE-6DB70DBA9567}" type="datetimeFigureOut">
               <a:rPr lang="en-US" smtClean="0"/>
               <a:pPr/>
-              <a:t>12/19/2019</a:t>
+              <a:t>12/20/2019</a:t>
             </a:fld>
             <a:endParaRPr lang="en-US" dirty="0"/>
           </a:p>
@@ -9660,7 +9578,7 @@
             <a:fld id="{D57F1E4F-1CFF-5643-939E-217C01CDF565}" type="slidenum">
               <a:rPr lang="en-US" smtClean="0"/>
               <a:pPr/>
-              <a:t>‹Nr.›</a:t>
+              <a:t>‹#›</a:t>
             </a:fld>
             <a:endParaRPr lang="en-US" dirty="0"/>
           </a:p>
@@ -10019,7 +9937,7 @@
             <a:fld id="{B61BEF0D-F0BB-DE4B-95CE-6DB70DBA9567}" type="datetimeFigureOut">
               <a:rPr lang="en-US" smtClean="0"/>
               <a:pPr/>
-              <a:t>12/19/2019</a:t>
+              <a:t>12/20/2019</a:t>
             </a:fld>
             <a:endParaRPr lang="en-US" dirty="0"/>
           </a:p>
@@ -10074,7 +9992,7 @@
             <a:fld id="{D57F1E4F-1CFF-5643-939E-217C01CDF565}" type="slidenum">
               <a:rPr lang="en-US" smtClean="0"/>
               <a:pPr/>
-              <a:t>‹Nr.›</a:t>
+              <a:t>‹#›</a:t>
             </a:fld>
             <a:endParaRPr lang="en-US" dirty="0"/>
           </a:p>
@@ -10162,7 +10080,7 @@
             <a:fld id="{B61BEF0D-F0BB-DE4B-95CE-6DB70DBA9567}" type="datetimeFigureOut">
               <a:rPr lang="en-US" smtClean="0"/>
               <a:pPr/>
-              <a:t>12/19/2019</a:t>
+              <a:t>12/20/2019</a:t>
             </a:fld>
             <a:endParaRPr lang="en-US" dirty="0"/>
           </a:p>
@@ -10217,7 +10135,7 @@
             <a:fld id="{D57F1E4F-1CFF-5643-939E-217C01CDF565}" type="slidenum">
               <a:rPr lang="en-US" smtClean="0"/>
               <a:pPr/>
-              <a:t>‹Nr.›</a:t>
+              <a:t>‹#›</a:t>
             </a:fld>
             <a:endParaRPr lang="en-US" dirty="0"/>
           </a:p>
@@ -10277,7 +10195,7 @@
             <a:fld id="{B61BEF0D-F0BB-DE4B-95CE-6DB70DBA9567}" type="datetimeFigureOut">
               <a:rPr lang="en-US" smtClean="0"/>
               <a:pPr/>
-              <a:t>12/19/2019</a:t>
+              <a:t>12/20/2019</a:t>
             </a:fld>
             <a:endParaRPr lang="en-US" dirty="0"/>
           </a:p>
@@ -10332,7 +10250,7 @@
             <a:fld id="{D57F1E4F-1CFF-5643-939E-217C01CDF565}" type="slidenum">
               <a:rPr lang="en-US" smtClean="0"/>
               <a:pPr/>
-              <a:t>‹Nr.›</a:t>
+              <a:t>‹#›</a:t>
             </a:fld>
             <a:endParaRPr lang="en-US" dirty="0"/>
           </a:p>
@@ -10590,7 +10508,7 @@
             <a:fld id="{B61BEF0D-F0BB-DE4B-95CE-6DB70DBA9567}" type="datetimeFigureOut">
               <a:rPr lang="en-US" smtClean="0"/>
               <a:pPr/>
-              <a:t>12/19/2019</a:t>
+              <a:t>12/20/2019</a:t>
             </a:fld>
             <a:endParaRPr lang="en-US" dirty="0"/>
           </a:p>
@@ -10645,7 +10563,7 @@
             <a:fld id="{D57F1E4F-1CFF-5643-939E-217C01CDF565}" type="slidenum">
               <a:rPr lang="en-US" smtClean="0"/>
               <a:pPr/>
-              <a:t>‹Nr.›</a:t>
+              <a:t>‹#›</a:t>
             </a:fld>
             <a:endParaRPr lang="en-US" dirty="0"/>
           </a:p>
@@ -10880,7 +10798,7 @@
             <a:fld id="{B61BEF0D-F0BB-DE4B-95CE-6DB70DBA9567}" type="datetimeFigureOut">
               <a:rPr lang="en-US" smtClean="0"/>
               <a:pPr/>
-              <a:t>12/19/2019</a:t>
+              <a:t>12/20/2019</a:t>
             </a:fld>
             <a:endParaRPr lang="en-US" dirty="0"/>
           </a:p>
@@ -10935,7 +10853,7 @@
             <a:fld id="{D57F1E4F-1CFF-5643-939E-217C01CDF565}" type="slidenum">
               <a:rPr lang="en-US" smtClean="0"/>
               <a:pPr/>
-              <a:t>‹Nr.›</a:t>
+              <a:t>‹#›</a:t>
             </a:fld>
             <a:endParaRPr lang="en-US" dirty="0"/>
           </a:p>
@@ -11123,7 +11041,7 @@
             <a:fld id="{B61BEF0D-F0BB-DE4B-95CE-6DB70DBA9567}" type="datetimeFigureOut">
               <a:rPr lang="en-US" smtClean="0"/>
               <a:pPr/>
-              <a:t>12/19/2019</a:t>
+              <a:t>12/20/2019</a:t>
             </a:fld>
             <a:endParaRPr lang="en-US" dirty="0"/>
           </a:p>
@@ -11214,7 +11132,7 @@
             <a:fld id="{D57F1E4F-1CFF-5643-939E-217C01CDF565}" type="slidenum">
               <a:rPr lang="en-US" smtClean="0"/>
               <a:pPr/>
-              <a:t>‹Nr.›</a:t>
+              <a:t>‹#›</a:t>
             </a:fld>
             <a:endParaRPr lang="en-US" dirty="0"/>
           </a:p>
@@ -11716,12 +11634,8 @@
           </a:p>
           <a:p>
             <a:r>
-              <a:rPr lang="en-US" sz="1800" dirty="0" smtClean="0"/>
-              <a:t>20th </a:t>
-            </a:r>
-            <a:r>
               <a:rPr lang="en-US" sz="1800" dirty="0"/>
-              <a:t>December 2019</a:t>
+              <a:t>20th December 2019</a:t>
             </a:r>
             <a:endParaRPr lang="fr-CH" sz="1800" dirty="0"/>
           </a:p>
@@ -11832,13 +11746,6 @@
   <p:clrMapOvr>
     <a:masterClrMapping/>
   </p:clrMapOvr>
-  <p:timing>
-    <p:tnLst>
-      <p:par>
-        <p:cTn id="1" dur="indefinite" restart="never" nodeType="tmRoot"/>
-      </p:par>
-    </p:tnLst>
-  </p:timing>
 </p:sld>
 </file>
 
@@ -11875,7 +11782,7 @@
                 <a16:creationId xmlns:a16="http://schemas.microsoft.com/office/drawing/2014/main" id="{46C2E80F-49A6-4372-B103-219D417A55ED}"/>
               </a:ext>
               <a:ext uri="{C183D7F6-B498-43B3-948B-1728B52AA6E4}">
-                <adec:decorative xmlns:adec="http://schemas.microsoft.com/office/drawing/2017/decorative" xmlns="" val="1"/>
+                <adec:decorative xmlns:adec="http://schemas.microsoft.com/office/drawing/2017/decorative" val="1"/>
               </a:ext>
             </a:extLst>
           </p:cNvPr>
@@ -12377,7 +12284,7 @@
           <a:lstStyle/>
           <a:p>
             <a:r>
-              <a:rPr lang="en-GB" sz="4100" dirty="0" smtClean="0">
+              <a:rPr lang="en-GB" sz="4100" dirty="0">
                 <a:solidFill>
                   <a:srgbClr val="FFFFFF"/>
                 </a:solidFill>
@@ -12410,7 +12317,7 @@
           <a:blip r:embed="rId3">
             <a:extLst>
               <a:ext uri="{837473B0-CC2E-450A-ABE3-18F120FF3D39}">
-                <a1611:picAttrSrcUrl xmlns:a1611="http://schemas.microsoft.com/office/drawing/2016/11/main" xmlns="" r:id="rId4"/>
+                <a1611:picAttrSrcUrl xmlns:a1611="http://schemas.microsoft.com/office/drawing/2016/11/main" r:id="rId4"/>
               </a:ext>
             </a:extLst>
           </a:blip>
@@ -12494,24 +12401,16 @@
               <a:buNone/>
             </a:pPr>
             <a:r>
-              <a:rPr lang="en-US" b="1" dirty="0" smtClean="0"/>
+              <a:rPr lang="en-US" b="1" dirty="0"/>
               <a:t>You want to understand the mortgage system? </a:t>
             </a:r>
             <a:r>
-              <a:rPr lang="en-US" b="1" dirty="0" smtClean="0">
+              <a:rPr lang="en-US" b="1" dirty="0">
                 <a:solidFill>
                   <a:schemeClr val="accent6"/>
                 </a:solidFill>
               </a:rPr>
               <a:t>Good luck!</a:t>
-            </a:r>
-            <a:r>
-              <a:rPr lang="en-US" b="1" dirty="0">
-                <a:solidFill>
-                  <a:schemeClr val="accent6"/>
-                </a:solidFill>
-              </a:rPr>
-              <a:t/>
             </a:r>
             <a:br>
               <a:rPr lang="en-US" b="1" dirty="0">
@@ -12529,22 +12428,21 @@
           <a:p>
             <a:pPr lvl="1"/>
             <a:r>
-              <a:rPr lang="en-US" dirty="0" smtClean="0"/>
+              <a:rPr lang="en-US" dirty="0"/>
               <a:t>Take your chance: Google search</a:t>
             </a:r>
           </a:p>
           <a:p>
             <a:pPr lvl="2"/>
             <a:r>
-              <a:rPr lang="en-US" dirty="0" smtClean="0"/>
+              <a:rPr lang="en-US" dirty="0"/>
               <a:t>Who else than Google is reliable?</a:t>
             </a:r>
-            <a:endParaRPr lang="en-US" dirty="0" smtClean="0"/>
           </a:p>
           <a:p>
             <a:pPr lvl="1"/>
             <a:r>
-              <a:rPr lang="en-US" dirty="0" smtClean="0"/>
+              <a:rPr lang="en-US" dirty="0"/>
               <a:t>Who should you trust? </a:t>
             </a:r>
           </a:p>
@@ -12552,18 +12450,13 @@
             <a:pPr lvl="2"/>
             <a:r>
               <a:rPr lang="en-US" dirty="0"/>
-              <a:t>Ask friends, family members, </a:t>
-            </a:r>
-            <a:r>
-              <a:rPr lang="en-US" dirty="0" smtClean="0"/>
-              <a:t>colleagues and get twice as many opinions as asked persons</a:t>
-            </a:r>
-            <a:endParaRPr lang="en-US" dirty="0" smtClean="0"/>
+              <a:t>Ask friends, family members, colleagues and get twice as many opinions as asked persons</a:t>
+            </a:r>
           </a:p>
           <a:p>
             <a:pPr lvl="1"/>
             <a:r>
-              <a:rPr lang="en-US" dirty="0" smtClean="0"/>
+              <a:rPr lang="en-US" dirty="0"/>
               <a:t>Do you have time?</a:t>
             </a:r>
           </a:p>
@@ -12571,37 +12464,22 @@
             <a:pPr lvl="2"/>
             <a:r>
               <a:rPr lang="en-US" dirty="0"/>
-              <a:t>Find and analyze more than 100! financial institution’s </a:t>
-            </a:r>
-            <a:r>
-              <a:rPr lang="en-US" dirty="0" smtClean="0"/>
-              <a:t>offers</a:t>
-            </a:r>
-            <a:endParaRPr lang="en-US" dirty="0"/>
+              <a:t>Find and analyze more than 100! financial institution’s offers</a:t>
+            </a:r>
           </a:p>
           <a:p>
             <a:pPr lvl="1"/>
             <a:r>
-              <a:rPr lang="en-US" dirty="0" smtClean="0"/>
-              <a:t>Contact </a:t>
-            </a:r>
-            <a:r>
               <a:rPr lang="en-US" dirty="0"/>
-              <a:t>real estate </a:t>
-            </a:r>
-            <a:r>
-              <a:rPr lang="en-US" dirty="0" smtClean="0"/>
-              <a:t>agents, lawyers, notary</a:t>
-            </a:r>
-            <a:endParaRPr lang="en-US" dirty="0"/>
+              <a:t>Contact real estate agents, lawyers, notary</a:t>
+            </a:r>
           </a:p>
           <a:p>
             <a:pPr lvl="2"/>
             <a:r>
-              <a:rPr lang="en-US" dirty="0" smtClean="0"/>
+              <a:rPr lang="en-US" dirty="0"/>
               <a:t>And find out later you lost 2hours of your life for random, complicated and hazardous information</a:t>
             </a:r>
-            <a:endParaRPr lang="en-US" dirty="0"/>
           </a:p>
           <a:p>
             <a:pPr lvl="1"/>
@@ -13207,7 +13085,7 @@
                 <a16:creationId xmlns:a16="http://schemas.microsoft.com/office/drawing/2014/main" id="{46C2E80F-49A6-4372-B103-219D417A55ED}"/>
               </a:ext>
               <a:ext uri="{C183D7F6-B498-43B3-948B-1728B52AA6E4}">
-                <adec:decorative xmlns:adec="http://schemas.microsoft.com/office/drawing/2017/decorative" xmlns="" val="1"/>
+                <adec:decorative xmlns:adec="http://schemas.microsoft.com/office/drawing/2017/decorative" val="1"/>
               </a:ext>
             </a:extLst>
           </p:cNvPr>
@@ -13709,7 +13587,7 @@
           <a:lstStyle/>
           <a:p>
             <a:r>
-              <a:rPr lang="en-GB" sz="4100" dirty="0" smtClean="0">
+              <a:rPr lang="en-GB" sz="4100" dirty="0">
                 <a:solidFill>
                   <a:srgbClr val="FFFFFF"/>
                 </a:solidFill>
@@ -13789,7 +13667,7 @@
           <a:p>
             <a:pPr algn="ctr"/>
             <a:r>
-              <a:rPr lang="de-CH" sz="2000" dirty="0" err="1" smtClean="0"/>
+              <a:rPr lang="de-CH" sz="2000" dirty="0" err="1"/>
               <a:t>Deliverables</a:t>
             </a:r>
             <a:endParaRPr lang="de-CH" sz="1400" dirty="0"/>
@@ -13833,26 +13711,26 @@
           <a:p>
             <a:pPr algn="ctr"/>
             <a:r>
-              <a:rPr lang="de-CH" dirty="0" err="1" smtClean="0"/>
+              <a:rPr lang="de-CH" dirty="0" err="1"/>
               <a:t>What</a:t>
             </a:r>
             <a:r>
-              <a:rPr lang="de-CH" dirty="0" smtClean="0"/>
+              <a:rPr lang="de-CH" dirty="0"/>
               <a:t> Information </a:t>
             </a:r>
           </a:p>
           <a:p>
             <a:pPr algn="ctr"/>
             <a:r>
-              <a:rPr lang="de-CH" dirty="0" err="1" smtClean="0"/>
+              <a:rPr lang="de-CH" dirty="0" err="1"/>
               <a:t>is</a:t>
             </a:r>
             <a:r>
-              <a:rPr lang="de-CH" dirty="0" smtClean="0"/>
+              <a:rPr lang="de-CH" dirty="0"/>
               <a:t> </a:t>
             </a:r>
             <a:r>
-              <a:rPr lang="de-CH" dirty="0" err="1" smtClean="0"/>
+              <a:rPr lang="de-CH" dirty="0" err="1"/>
               <a:t>missing</a:t>
             </a:r>
             <a:endParaRPr lang="de-CH" dirty="0"/>
@@ -13896,39 +13774,39 @@
           <a:p>
             <a:pPr algn="ctr"/>
             <a:r>
-              <a:rPr lang="de-CH" dirty="0" err="1" smtClean="0"/>
+              <a:rPr lang="de-CH" dirty="0" err="1"/>
               <a:t>Preferred</a:t>
             </a:r>
             <a:r>
-              <a:rPr lang="de-CH" dirty="0" smtClean="0"/>
+              <a:rPr lang="de-CH" dirty="0"/>
               <a:t> </a:t>
             </a:r>
             <a:r>
-              <a:rPr lang="de-CH" dirty="0" err="1" smtClean="0"/>
+              <a:rPr lang="de-CH" dirty="0" err="1"/>
               <a:t>channel</a:t>
             </a:r>
             <a:r>
-              <a:rPr lang="de-CH" dirty="0" smtClean="0"/>
+              <a:rPr lang="de-CH" dirty="0"/>
               <a:t>: </a:t>
             </a:r>
             <a:r>
-              <a:rPr lang="de-CH" dirty="0" err="1" smtClean="0"/>
+              <a:rPr lang="de-CH" dirty="0" err="1"/>
               <a:t>website</a:t>
             </a:r>
             <a:r>
-              <a:rPr lang="de-CH" dirty="0" smtClean="0"/>
+              <a:rPr lang="de-CH" dirty="0"/>
               <a:t> </a:t>
             </a:r>
             <a:r>
-              <a:rPr lang="de-CH" dirty="0" err="1" smtClean="0"/>
+              <a:rPr lang="de-CH" dirty="0" err="1"/>
               <a:t>and</a:t>
             </a:r>
             <a:r>
-              <a:rPr lang="de-CH" dirty="0" smtClean="0"/>
+              <a:rPr lang="de-CH" dirty="0"/>
               <a:t> </a:t>
             </a:r>
             <a:r>
-              <a:rPr lang="de-CH" dirty="0" err="1" smtClean="0"/>
+              <a:rPr lang="de-CH" dirty="0" err="1"/>
               <a:t>chatbot</a:t>
             </a:r>
             <a:endParaRPr lang="de-CH" dirty="0"/>
@@ -14001,7 +13879,7 @@
           <a:lstStyle/>
           <a:p>
             <a:r>
-              <a:rPr lang="de-CH" sz="2000" dirty="0" smtClean="0"/>
+              <a:rPr lang="de-CH" sz="2000" dirty="0"/>
               <a:t>Interview 1</a:t>
             </a:r>
           </a:p>
@@ -14011,14 +13889,14 @@
               <a:buChar char="•"/>
             </a:pPr>
             <a:r>
-              <a:rPr lang="de-CH" sz="1600" dirty="0" smtClean="0"/>
+              <a:rPr lang="de-CH" sz="1600" dirty="0"/>
               <a:t>6 </a:t>
             </a:r>
             <a:r>
-              <a:rPr lang="de-CH" sz="1600" dirty="0" err="1" smtClean="0"/>
+              <a:rPr lang="de-CH" sz="1600" dirty="0" err="1"/>
               <a:t>Interviewees</a:t>
             </a:r>
-            <a:endParaRPr lang="de-CH" sz="1600" dirty="0" smtClean="0"/>
+            <a:endParaRPr lang="de-CH" sz="1600" dirty="0"/>
           </a:p>
           <a:p>
             <a:pPr marL="285750" indent="-285750">
@@ -14027,11 +13905,7 @@
             </a:pPr>
             <a:r>
               <a:rPr lang="en-US" sz="1600" dirty="0"/>
-              <a:t>Why not satisfied</a:t>
-            </a:r>
-            <a:r>
-              <a:rPr lang="en-US" sz="1600" dirty="0" smtClean="0"/>
-              <a:t>?</a:t>
+              <a:t>Why not satisfied?</a:t>
             </a:r>
           </a:p>
           <a:p>
@@ -14070,7 +13944,7 @@
           <a:lstStyle/>
           <a:p>
             <a:r>
-              <a:rPr lang="de-CH" sz="2000" dirty="0" smtClean="0"/>
+              <a:rPr lang="de-CH" sz="2000" dirty="0"/>
               <a:t>Interview 2</a:t>
             </a:r>
           </a:p>
@@ -14128,14 +14002,14 @@
           <a:lstStyle/>
           <a:p>
             <a:r>
-              <a:rPr lang="de-CH" sz="2000" dirty="0" smtClean="0"/>
+              <a:rPr lang="de-CH" sz="2000" dirty="0"/>
               <a:t>Interview 3 &amp; </a:t>
             </a:r>
             <a:r>
-              <a:rPr lang="de-CH" sz="2000" dirty="0" err="1" smtClean="0"/>
+              <a:rPr lang="de-CH" sz="2000" dirty="0" err="1"/>
               <a:t>Prototypes</a:t>
             </a:r>
-            <a:endParaRPr lang="de-CH" sz="2000" dirty="0" smtClean="0"/>
+            <a:endParaRPr lang="de-CH" sz="2000" dirty="0"/>
           </a:p>
           <a:p>
             <a:pPr marL="285750" indent="-285750">
@@ -14144,11 +14018,7 @@
             </a:pPr>
             <a:r>
               <a:rPr lang="de-CH" sz="1600" dirty="0"/>
-              <a:t>4 </a:t>
-            </a:r>
-            <a:r>
-              <a:rPr lang="de-CH" sz="1600" dirty="0" smtClean="0"/>
-              <a:t>Tests</a:t>
+              <a:t>4 Tests</a:t>
             </a:r>
           </a:p>
           <a:p>
@@ -14158,13 +14028,8 @@
             </a:pPr>
             <a:r>
               <a:rPr lang="en-US" sz="1600" dirty="0"/>
-              <a:t>Is this what you are looking for</a:t>
-            </a:r>
-            <a:r>
-              <a:rPr lang="en-US" sz="1600" dirty="0" smtClean="0"/>
-              <a:t>?</a:t>
-            </a:r>
-            <a:endParaRPr lang="en-US" sz="1600" dirty="0"/>
+              <a:t>Is this what you are looking for?</a:t>
+            </a:r>
           </a:p>
         </p:txBody>
       </p:sp>
@@ -14212,13 +14077,6 @@
   <p:clrMapOvr>
     <a:masterClrMapping/>
   </p:clrMapOvr>
-  <p:timing>
-    <p:tnLst>
-      <p:par>
-        <p:cTn id="1" dur="indefinite" restart="never" nodeType="tmRoot"/>
-      </p:par>
-    </p:tnLst>
-  </p:timing>
 </p:sld>
 </file>
 
@@ -14258,7 +14116,7 @@
                 <a16:creationId xmlns:a16="http://schemas.microsoft.com/office/drawing/2014/main" id="{1DE7243B-5109-444B-8FAF-7437C66BC0E9}"/>
               </a:ext>
               <a:ext uri="{C183D7F6-B498-43B3-948B-1728B52AA6E4}">
-                <adec:decorative xmlns:adec="http://schemas.microsoft.com/office/drawing/2017/decorative" xmlns="" val="1"/>
+                <adec:decorative xmlns:adec="http://schemas.microsoft.com/office/drawing/2017/decorative" val="1"/>
               </a:ext>
             </a:extLst>
           </p:cNvPr>
@@ -14425,7 +14283,7 @@
                 <a16:creationId xmlns:a16="http://schemas.microsoft.com/office/drawing/2014/main" id="{4C5D6221-DA7B-4611-AA26-7D8E349FDE96}"/>
               </a:ext>
               <a:ext uri="{C183D7F6-B498-43B3-948B-1728B52AA6E4}">
-                <adec:decorative xmlns:adec="http://schemas.microsoft.com/office/drawing/2017/decorative" xmlns="" val="1"/>
+                <adec:decorative xmlns:adec="http://schemas.microsoft.com/office/drawing/2017/decorative" val="1"/>
               </a:ext>
             </a:extLst>
           </p:cNvPr>
@@ -14613,17 +14471,6 @@
           </a:bodyPr>
           <a:lstStyle/>
           <a:p>
-            <a:r>
-              <a:rPr lang="en-US" sz="3600" kern="1200" dirty="0">
-                <a:solidFill>
-                  <a:schemeClr val="bg1"/>
-                </a:solidFill>
-                <a:latin typeface="+mj-lt"/>
-                <a:ea typeface="+mj-ea"/>
-                <a:cs typeface="+mj-cs"/>
-              </a:rPr>
-              <a:t/>
-            </a:r>
             <a:br>
               <a:rPr lang="en-US" sz="3600" kern="1200" dirty="0">
                 <a:solidFill>
@@ -14634,17 +14481,6 @@
                 <a:cs typeface="+mj-cs"/>
               </a:rPr>
             </a:br>
-            <a:r>
-              <a:rPr lang="en-US" sz="3600" kern="1200" dirty="0">
-                <a:solidFill>
-                  <a:schemeClr val="bg1"/>
-                </a:solidFill>
-                <a:latin typeface="+mj-lt"/>
-                <a:ea typeface="+mj-ea"/>
-                <a:cs typeface="+mj-cs"/>
-              </a:rPr>
-              <a:t/>
-            </a:r>
             <a:br>
               <a:rPr lang="en-US" sz="3600" kern="1200" dirty="0">
                 <a:solidFill>
@@ -14655,17 +14491,6 @@
                 <a:cs typeface="+mj-cs"/>
               </a:rPr>
             </a:br>
-            <a:r>
-              <a:rPr lang="en-US" sz="3600" kern="1200" dirty="0">
-                <a:solidFill>
-                  <a:schemeClr val="bg1"/>
-                </a:solidFill>
-                <a:latin typeface="+mj-lt"/>
-                <a:ea typeface="+mj-ea"/>
-                <a:cs typeface="+mj-cs"/>
-              </a:rPr>
-              <a:t/>
-            </a:r>
             <a:br>
               <a:rPr lang="en-US" sz="3600" kern="1200" dirty="0">
                 <a:solidFill>
@@ -15319,9 +15144,1044 @@
   <p:timing>
     <p:tnLst>
       <p:par>
-        <p:cTn id="1" dur="indefinite" restart="never" nodeType="tmRoot"/>
+        <p:cTn id="1" dur="indefinite" restart="never" nodeType="tmRoot">
+          <p:childTnLst>
+            <p:seq concurrent="1" nextAc="seek">
+              <p:cTn id="2" dur="indefinite" nodeType="mainSeq">
+                <p:childTnLst>
+                  <p:par>
+                    <p:cTn id="3" fill="hold">
+                      <p:stCondLst>
+                        <p:cond delay="indefinite"/>
+                      </p:stCondLst>
+                      <p:childTnLst>
+                        <p:par>
+                          <p:cTn id="4" fill="hold">
+                            <p:stCondLst>
+                              <p:cond delay="0"/>
+                            </p:stCondLst>
+                            <p:childTnLst>
+                              <p:par>
+                                <p:cTn id="5" presetID="31" presetClass="entr" presetSubtype="0" fill="hold" grpId="0" nodeType="clickEffect">
+                                  <p:stCondLst>
+                                    <p:cond delay="0"/>
+                                  </p:stCondLst>
+                                  <p:childTnLst>
+                                    <p:set>
+                                      <p:cBhvr>
+                                        <p:cTn id="6" dur="1" fill="hold">
+                                          <p:stCondLst>
+                                            <p:cond delay="0"/>
+                                          </p:stCondLst>
+                                        </p:cTn>
+                                        <p:tgtEl>
+                                          <p:spTgt spid="3">
+                                            <p:txEl>
+                                              <p:pRg st="0" end="0"/>
+                                            </p:txEl>
+                                          </p:spTgt>
+                                        </p:tgtEl>
+                                        <p:attrNameLst>
+                                          <p:attrName>style.visibility</p:attrName>
+                                        </p:attrNameLst>
+                                      </p:cBhvr>
+                                      <p:to>
+                                        <p:strVal val="visible"/>
+                                      </p:to>
+                                    </p:set>
+                                    <p:anim calcmode="lin" valueType="num">
+                                      <p:cBhvr>
+                                        <p:cTn id="7" dur="1000" fill="hold"/>
+                                        <p:tgtEl>
+                                          <p:spTgt spid="3">
+                                            <p:txEl>
+                                              <p:pRg st="0" end="0"/>
+                                            </p:txEl>
+                                          </p:spTgt>
+                                        </p:tgtEl>
+                                        <p:attrNameLst>
+                                          <p:attrName>ppt_w</p:attrName>
+                                        </p:attrNameLst>
+                                      </p:cBhvr>
+                                      <p:tavLst>
+                                        <p:tav tm="0">
+                                          <p:val>
+                                            <p:fltVal val="0"/>
+                                          </p:val>
+                                        </p:tav>
+                                        <p:tav tm="100000">
+                                          <p:val>
+                                            <p:strVal val="#ppt_w"/>
+                                          </p:val>
+                                        </p:tav>
+                                      </p:tavLst>
+                                    </p:anim>
+                                    <p:anim calcmode="lin" valueType="num">
+                                      <p:cBhvr>
+                                        <p:cTn id="8" dur="1000" fill="hold"/>
+                                        <p:tgtEl>
+                                          <p:spTgt spid="3">
+                                            <p:txEl>
+                                              <p:pRg st="0" end="0"/>
+                                            </p:txEl>
+                                          </p:spTgt>
+                                        </p:tgtEl>
+                                        <p:attrNameLst>
+                                          <p:attrName>ppt_h</p:attrName>
+                                        </p:attrNameLst>
+                                      </p:cBhvr>
+                                      <p:tavLst>
+                                        <p:tav tm="0">
+                                          <p:val>
+                                            <p:fltVal val="0"/>
+                                          </p:val>
+                                        </p:tav>
+                                        <p:tav tm="100000">
+                                          <p:val>
+                                            <p:strVal val="#ppt_h"/>
+                                          </p:val>
+                                        </p:tav>
+                                      </p:tavLst>
+                                    </p:anim>
+                                    <p:anim calcmode="lin" valueType="num">
+                                      <p:cBhvr>
+                                        <p:cTn id="9" dur="1000" fill="hold"/>
+                                        <p:tgtEl>
+                                          <p:spTgt spid="3">
+                                            <p:txEl>
+                                              <p:pRg st="0" end="0"/>
+                                            </p:txEl>
+                                          </p:spTgt>
+                                        </p:tgtEl>
+                                        <p:attrNameLst>
+                                          <p:attrName>style.rotation</p:attrName>
+                                        </p:attrNameLst>
+                                      </p:cBhvr>
+                                      <p:tavLst>
+                                        <p:tav tm="0">
+                                          <p:val>
+                                            <p:fltVal val="90"/>
+                                          </p:val>
+                                        </p:tav>
+                                        <p:tav tm="100000">
+                                          <p:val>
+                                            <p:fltVal val="0"/>
+                                          </p:val>
+                                        </p:tav>
+                                      </p:tavLst>
+                                    </p:anim>
+                                    <p:animEffect transition="in" filter="fade">
+                                      <p:cBhvr>
+                                        <p:cTn id="10" dur="1000"/>
+                                        <p:tgtEl>
+                                          <p:spTgt spid="3">
+                                            <p:txEl>
+                                              <p:pRg st="0" end="0"/>
+                                            </p:txEl>
+                                          </p:spTgt>
+                                        </p:tgtEl>
+                                      </p:cBhvr>
+                                    </p:animEffect>
+                                  </p:childTnLst>
+                                </p:cTn>
+                              </p:par>
+                              <p:par>
+                                <p:cTn id="11" presetID="31" presetClass="entr" presetSubtype="0" fill="hold" grpId="0" nodeType="withEffect">
+                                  <p:stCondLst>
+                                    <p:cond delay="0"/>
+                                  </p:stCondLst>
+                                  <p:childTnLst>
+                                    <p:set>
+                                      <p:cBhvr>
+                                        <p:cTn id="12" dur="1" fill="hold">
+                                          <p:stCondLst>
+                                            <p:cond delay="0"/>
+                                          </p:stCondLst>
+                                        </p:cTn>
+                                        <p:tgtEl>
+                                          <p:spTgt spid="3">
+                                            <p:txEl>
+                                              <p:pRg st="1" end="1"/>
+                                            </p:txEl>
+                                          </p:spTgt>
+                                        </p:tgtEl>
+                                        <p:attrNameLst>
+                                          <p:attrName>style.visibility</p:attrName>
+                                        </p:attrNameLst>
+                                      </p:cBhvr>
+                                      <p:to>
+                                        <p:strVal val="visible"/>
+                                      </p:to>
+                                    </p:set>
+                                    <p:anim calcmode="lin" valueType="num">
+                                      <p:cBhvr>
+                                        <p:cTn id="13" dur="1000" fill="hold"/>
+                                        <p:tgtEl>
+                                          <p:spTgt spid="3">
+                                            <p:txEl>
+                                              <p:pRg st="1" end="1"/>
+                                            </p:txEl>
+                                          </p:spTgt>
+                                        </p:tgtEl>
+                                        <p:attrNameLst>
+                                          <p:attrName>ppt_w</p:attrName>
+                                        </p:attrNameLst>
+                                      </p:cBhvr>
+                                      <p:tavLst>
+                                        <p:tav tm="0">
+                                          <p:val>
+                                            <p:fltVal val="0"/>
+                                          </p:val>
+                                        </p:tav>
+                                        <p:tav tm="100000">
+                                          <p:val>
+                                            <p:strVal val="#ppt_w"/>
+                                          </p:val>
+                                        </p:tav>
+                                      </p:tavLst>
+                                    </p:anim>
+                                    <p:anim calcmode="lin" valueType="num">
+                                      <p:cBhvr>
+                                        <p:cTn id="14" dur="1000" fill="hold"/>
+                                        <p:tgtEl>
+                                          <p:spTgt spid="3">
+                                            <p:txEl>
+                                              <p:pRg st="1" end="1"/>
+                                            </p:txEl>
+                                          </p:spTgt>
+                                        </p:tgtEl>
+                                        <p:attrNameLst>
+                                          <p:attrName>ppt_h</p:attrName>
+                                        </p:attrNameLst>
+                                      </p:cBhvr>
+                                      <p:tavLst>
+                                        <p:tav tm="0">
+                                          <p:val>
+                                            <p:fltVal val="0"/>
+                                          </p:val>
+                                        </p:tav>
+                                        <p:tav tm="100000">
+                                          <p:val>
+                                            <p:strVal val="#ppt_h"/>
+                                          </p:val>
+                                        </p:tav>
+                                      </p:tavLst>
+                                    </p:anim>
+                                    <p:anim calcmode="lin" valueType="num">
+                                      <p:cBhvr>
+                                        <p:cTn id="15" dur="1000" fill="hold"/>
+                                        <p:tgtEl>
+                                          <p:spTgt spid="3">
+                                            <p:txEl>
+                                              <p:pRg st="1" end="1"/>
+                                            </p:txEl>
+                                          </p:spTgt>
+                                        </p:tgtEl>
+                                        <p:attrNameLst>
+                                          <p:attrName>style.rotation</p:attrName>
+                                        </p:attrNameLst>
+                                      </p:cBhvr>
+                                      <p:tavLst>
+                                        <p:tav tm="0">
+                                          <p:val>
+                                            <p:fltVal val="90"/>
+                                          </p:val>
+                                        </p:tav>
+                                        <p:tav tm="100000">
+                                          <p:val>
+                                            <p:fltVal val="0"/>
+                                          </p:val>
+                                        </p:tav>
+                                      </p:tavLst>
+                                    </p:anim>
+                                    <p:animEffect transition="in" filter="fade">
+                                      <p:cBhvr>
+                                        <p:cTn id="16" dur="1000"/>
+                                        <p:tgtEl>
+                                          <p:spTgt spid="3">
+                                            <p:txEl>
+                                              <p:pRg st="1" end="1"/>
+                                            </p:txEl>
+                                          </p:spTgt>
+                                        </p:tgtEl>
+                                      </p:cBhvr>
+                                    </p:animEffect>
+                                  </p:childTnLst>
+                                </p:cTn>
+                              </p:par>
+                              <p:par>
+                                <p:cTn id="17" presetID="31" presetClass="entr" presetSubtype="0" fill="hold" grpId="0" nodeType="withEffect">
+                                  <p:stCondLst>
+                                    <p:cond delay="0"/>
+                                  </p:stCondLst>
+                                  <p:childTnLst>
+                                    <p:set>
+                                      <p:cBhvr>
+                                        <p:cTn id="18" dur="1" fill="hold">
+                                          <p:stCondLst>
+                                            <p:cond delay="0"/>
+                                          </p:stCondLst>
+                                        </p:cTn>
+                                        <p:tgtEl>
+                                          <p:spTgt spid="3">
+                                            <p:txEl>
+                                              <p:pRg st="2" end="2"/>
+                                            </p:txEl>
+                                          </p:spTgt>
+                                        </p:tgtEl>
+                                        <p:attrNameLst>
+                                          <p:attrName>style.visibility</p:attrName>
+                                        </p:attrNameLst>
+                                      </p:cBhvr>
+                                      <p:to>
+                                        <p:strVal val="visible"/>
+                                      </p:to>
+                                    </p:set>
+                                    <p:anim calcmode="lin" valueType="num">
+                                      <p:cBhvr>
+                                        <p:cTn id="19" dur="1000" fill="hold"/>
+                                        <p:tgtEl>
+                                          <p:spTgt spid="3">
+                                            <p:txEl>
+                                              <p:pRg st="2" end="2"/>
+                                            </p:txEl>
+                                          </p:spTgt>
+                                        </p:tgtEl>
+                                        <p:attrNameLst>
+                                          <p:attrName>ppt_w</p:attrName>
+                                        </p:attrNameLst>
+                                      </p:cBhvr>
+                                      <p:tavLst>
+                                        <p:tav tm="0">
+                                          <p:val>
+                                            <p:fltVal val="0"/>
+                                          </p:val>
+                                        </p:tav>
+                                        <p:tav tm="100000">
+                                          <p:val>
+                                            <p:strVal val="#ppt_w"/>
+                                          </p:val>
+                                        </p:tav>
+                                      </p:tavLst>
+                                    </p:anim>
+                                    <p:anim calcmode="lin" valueType="num">
+                                      <p:cBhvr>
+                                        <p:cTn id="20" dur="1000" fill="hold"/>
+                                        <p:tgtEl>
+                                          <p:spTgt spid="3">
+                                            <p:txEl>
+                                              <p:pRg st="2" end="2"/>
+                                            </p:txEl>
+                                          </p:spTgt>
+                                        </p:tgtEl>
+                                        <p:attrNameLst>
+                                          <p:attrName>ppt_h</p:attrName>
+                                        </p:attrNameLst>
+                                      </p:cBhvr>
+                                      <p:tavLst>
+                                        <p:tav tm="0">
+                                          <p:val>
+                                            <p:fltVal val="0"/>
+                                          </p:val>
+                                        </p:tav>
+                                        <p:tav tm="100000">
+                                          <p:val>
+                                            <p:strVal val="#ppt_h"/>
+                                          </p:val>
+                                        </p:tav>
+                                      </p:tavLst>
+                                    </p:anim>
+                                    <p:anim calcmode="lin" valueType="num">
+                                      <p:cBhvr>
+                                        <p:cTn id="21" dur="1000" fill="hold"/>
+                                        <p:tgtEl>
+                                          <p:spTgt spid="3">
+                                            <p:txEl>
+                                              <p:pRg st="2" end="2"/>
+                                            </p:txEl>
+                                          </p:spTgt>
+                                        </p:tgtEl>
+                                        <p:attrNameLst>
+                                          <p:attrName>style.rotation</p:attrName>
+                                        </p:attrNameLst>
+                                      </p:cBhvr>
+                                      <p:tavLst>
+                                        <p:tav tm="0">
+                                          <p:val>
+                                            <p:fltVal val="90"/>
+                                          </p:val>
+                                        </p:tav>
+                                        <p:tav tm="100000">
+                                          <p:val>
+                                            <p:fltVal val="0"/>
+                                          </p:val>
+                                        </p:tav>
+                                      </p:tavLst>
+                                    </p:anim>
+                                    <p:animEffect transition="in" filter="fade">
+                                      <p:cBhvr>
+                                        <p:cTn id="22" dur="1000"/>
+                                        <p:tgtEl>
+                                          <p:spTgt spid="3">
+                                            <p:txEl>
+                                              <p:pRg st="2" end="2"/>
+                                            </p:txEl>
+                                          </p:spTgt>
+                                        </p:tgtEl>
+                                      </p:cBhvr>
+                                    </p:animEffect>
+                                  </p:childTnLst>
+                                </p:cTn>
+                              </p:par>
+                              <p:par>
+                                <p:cTn id="23" presetID="31" presetClass="entr" presetSubtype="0" fill="hold" grpId="0" nodeType="withEffect">
+                                  <p:stCondLst>
+                                    <p:cond delay="0"/>
+                                  </p:stCondLst>
+                                  <p:childTnLst>
+                                    <p:set>
+                                      <p:cBhvr>
+                                        <p:cTn id="24" dur="1" fill="hold">
+                                          <p:stCondLst>
+                                            <p:cond delay="0"/>
+                                          </p:stCondLst>
+                                        </p:cTn>
+                                        <p:tgtEl>
+                                          <p:spTgt spid="3">
+                                            <p:txEl>
+                                              <p:pRg st="3" end="3"/>
+                                            </p:txEl>
+                                          </p:spTgt>
+                                        </p:tgtEl>
+                                        <p:attrNameLst>
+                                          <p:attrName>style.visibility</p:attrName>
+                                        </p:attrNameLst>
+                                      </p:cBhvr>
+                                      <p:to>
+                                        <p:strVal val="visible"/>
+                                      </p:to>
+                                    </p:set>
+                                    <p:anim calcmode="lin" valueType="num">
+                                      <p:cBhvr>
+                                        <p:cTn id="25" dur="1000" fill="hold"/>
+                                        <p:tgtEl>
+                                          <p:spTgt spid="3">
+                                            <p:txEl>
+                                              <p:pRg st="3" end="3"/>
+                                            </p:txEl>
+                                          </p:spTgt>
+                                        </p:tgtEl>
+                                        <p:attrNameLst>
+                                          <p:attrName>ppt_w</p:attrName>
+                                        </p:attrNameLst>
+                                      </p:cBhvr>
+                                      <p:tavLst>
+                                        <p:tav tm="0">
+                                          <p:val>
+                                            <p:fltVal val="0"/>
+                                          </p:val>
+                                        </p:tav>
+                                        <p:tav tm="100000">
+                                          <p:val>
+                                            <p:strVal val="#ppt_w"/>
+                                          </p:val>
+                                        </p:tav>
+                                      </p:tavLst>
+                                    </p:anim>
+                                    <p:anim calcmode="lin" valueType="num">
+                                      <p:cBhvr>
+                                        <p:cTn id="26" dur="1000" fill="hold"/>
+                                        <p:tgtEl>
+                                          <p:spTgt spid="3">
+                                            <p:txEl>
+                                              <p:pRg st="3" end="3"/>
+                                            </p:txEl>
+                                          </p:spTgt>
+                                        </p:tgtEl>
+                                        <p:attrNameLst>
+                                          <p:attrName>ppt_h</p:attrName>
+                                        </p:attrNameLst>
+                                      </p:cBhvr>
+                                      <p:tavLst>
+                                        <p:tav tm="0">
+                                          <p:val>
+                                            <p:fltVal val="0"/>
+                                          </p:val>
+                                        </p:tav>
+                                        <p:tav tm="100000">
+                                          <p:val>
+                                            <p:strVal val="#ppt_h"/>
+                                          </p:val>
+                                        </p:tav>
+                                      </p:tavLst>
+                                    </p:anim>
+                                    <p:anim calcmode="lin" valueType="num">
+                                      <p:cBhvr>
+                                        <p:cTn id="27" dur="1000" fill="hold"/>
+                                        <p:tgtEl>
+                                          <p:spTgt spid="3">
+                                            <p:txEl>
+                                              <p:pRg st="3" end="3"/>
+                                            </p:txEl>
+                                          </p:spTgt>
+                                        </p:tgtEl>
+                                        <p:attrNameLst>
+                                          <p:attrName>style.rotation</p:attrName>
+                                        </p:attrNameLst>
+                                      </p:cBhvr>
+                                      <p:tavLst>
+                                        <p:tav tm="0">
+                                          <p:val>
+                                            <p:fltVal val="90"/>
+                                          </p:val>
+                                        </p:tav>
+                                        <p:tav tm="100000">
+                                          <p:val>
+                                            <p:fltVal val="0"/>
+                                          </p:val>
+                                        </p:tav>
+                                      </p:tavLst>
+                                    </p:anim>
+                                    <p:animEffect transition="in" filter="fade">
+                                      <p:cBhvr>
+                                        <p:cTn id="28" dur="1000"/>
+                                        <p:tgtEl>
+                                          <p:spTgt spid="3">
+                                            <p:txEl>
+                                              <p:pRg st="3" end="3"/>
+                                            </p:txEl>
+                                          </p:spTgt>
+                                        </p:tgtEl>
+                                      </p:cBhvr>
+                                    </p:animEffect>
+                                  </p:childTnLst>
+                                </p:cTn>
+                              </p:par>
+                              <p:par>
+                                <p:cTn id="29" presetID="31" presetClass="entr" presetSubtype="0" fill="hold" grpId="0" nodeType="withEffect">
+                                  <p:stCondLst>
+                                    <p:cond delay="0"/>
+                                  </p:stCondLst>
+                                  <p:childTnLst>
+                                    <p:set>
+                                      <p:cBhvr>
+                                        <p:cTn id="30" dur="1" fill="hold">
+                                          <p:stCondLst>
+                                            <p:cond delay="0"/>
+                                          </p:stCondLst>
+                                        </p:cTn>
+                                        <p:tgtEl>
+                                          <p:spTgt spid="3">
+                                            <p:txEl>
+                                              <p:pRg st="4" end="4"/>
+                                            </p:txEl>
+                                          </p:spTgt>
+                                        </p:tgtEl>
+                                        <p:attrNameLst>
+                                          <p:attrName>style.visibility</p:attrName>
+                                        </p:attrNameLst>
+                                      </p:cBhvr>
+                                      <p:to>
+                                        <p:strVal val="visible"/>
+                                      </p:to>
+                                    </p:set>
+                                    <p:anim calcmode="lin" valueType="num">
+                                      <p:cBhvr>
+                                        <p:cTn id="31" dur="1000" fill="hold"/>
+                                        <p:tgtEl>
+                                          <p:spTgt spid="3">
+                                            <p:txEl>
+                                              <p:pRg st="4" end="4"/>
+                                            </p:txEl>
+                                          </p:spTgt>
+                                        </p:tgtEl>
+                                        <p:attrNameLst>
+                                          <p:attrName>ppt_w</p:attrName>
+                                        </p:attrNameLst>
+                                      </p:cBhvr>
+                                      <p:tavLst>
+                                        <p:tav tm="0">
+                                          <p:val>
+                                            <p:fltVal val="0"/>
+                                          </p:val>
+                                        </p:tav>
+                                        <p:tav tm="100000">
+                                          <p:val>
+                                            <p:strVal val="#ppt_w"/>
+                                          </p:val>
+                                        </p:tav>
+                                      </p:tavLst>
+                                    </p:anim>
+                                    <p:anim calcmode="lin" valueType="num">
+                                      <p:cBhvr>
+                                        <p:cTn id="32" dur="1000" fill="hold"/>
+                                        <p:tgtEl>
+                                          <p:spTgt spid="3">
+                                            <p:txEl>
+                                              <p:pRg st="4" end="4"/>
+                                            </p:txEl>
+                                          </p:spTgt>
+                                        </p:tgtEl>
+                                        <p:attrNameLst>
+                                          <p:attrName>ppt_h</p:attrName>
+                                        </p:attrNameLst>
+                                      </p:cBhvr>
+                                      <p:tavLst>
+                                        <p:tav tm="0">
+                                          <p:val>
+                                            <p:fltVal val="0"/>
+                                          </p:val>
+                                        </p:tav>
+                                        <p:tav tm="100000">
+                                          <p:val>
+                                            <p:strVal val="#ppt_h"/>
+                                          </p:val>
+                                        </p:tav>
+                                      </p:tavLst>
+                                    </p:anim>
+                                    <p:anim calcmode="lin" valueType="num">
+                                      <p:cBhvr>
+                                        <p:cTn id="33" dur="1000" fill="hold"/>
+                                        <p:tgtEl>
+                                          <p:spTgt spid="3">
+                                            <p:txEl>
+                                              <p:pRg st="4" end="4"/>
+                                            </p:txEl>
+                                          </p:spTgt>
+                                        </p:tgtEl>
+                                        <p:attrNameLst>
+                                          <p:attrName>style.rotation</p:attrName>
+                                        </p:attrNameLst>
+                                      </p:cBhvr>
+                                      <p:tavLst>
+                                        <p:tav tm="0">
+                                          <p:val>
+                                            <p:fltVal val="90"/>
+                                          </p:val>
+                                        </p:tav>
+                                        <p:tav tm="100000">
+                                          <p:val>
+                                            <p:fltVal val="0"/>
+                                          </p:val>
+                                        </p:tav>
+                                      </p:tavLst>
+                                    </p:anim>
+                                    <p:animEffect transition="in" filter="fade">
+                                      <p:cBhvr>
+                                        <p:cTn id="34" dur="1000"/>
+                                        <p:tgtEl>
+                                          <p:spTgt spid="3">
+                                            <p:txEl>
+                                              <p:pRg st="4" end="4"/>
+                                            </p:txEl>
+                                          </p:spTgt>
+                                        </p:tgtEl>
+                                      </p:cBhvr>
+                                    </p:animEffect>
+                                  </p:childTnLst>
+                                </p:cTn>
+                              </p:par>
+                              <p:par>
+                                <p:cTn id="35" presetID="31" presetClass="entr" presetSubtype="0" fill="hold" grpId="0" nodeType="withEffect">
+                                  <p:stCondLst>
+                                    <p:cond delay="0"/>
+                                  </p:stCondLst>
+                                  <p:childTnLst>
+                                    <p:set>
+                                      <p:cBhvr>
+                                        <p:cTn id="36" dur="1" fill="hold">
+                                          <p:stCondLst>
+                                            <p:cond delay="0"/>
+                                          </p:stCondLst>
+                                        </p:cTn>
+                                        <p:tgtEl>
+                                          <p:spTgt spid="3">
+                                            <p:txEl>
+                                              <p:pRg st="5" end="5"/>
+                                            </p:txEl>
+                                          </p:spTgt>
+                                        </p:tgtEl>
+                                        <p:attrNameLst>
+                                          <p:attrName>style.visibility</p:attrName>
+                                        </p:attrNameLst>
+                                      </p:cBhvr>
+                                      <p:to>
+                                        <p:strVal val="visible"/>
+                                      </p:to>
+                                    </p:set>
+                                    <p:anim calcmode="lin" valueType="num">
+                                      <p:cBhvr>
+                                        <p:cTn id="37" dur="1000" fill="hold"/>
+                                        <p:tgtEl>
+                                          <p:spTgt spid="3">
+                                            <p:txEl>
+                                              <p:pRg st="5" end="5"/>
+                                            </p:txEl>
+                                          </p:spTgt>
+                                        </p:tgtEl>
+                                        <p:attrNameLst>
+                                          <p:attrName>ppt_w</p:attrName>
+                                        </p:attrNameLst>
+                                      </p:cBhvr>
+                                      <p:tavLst>
+                                        <p:tav tm="0">
+                                          <p:val>
+                                            <p:fltVal val="0"/>
+                                          </p:val>
+                                        </p:tav>
+                                        <p:tav tm="100000">
+                                          <p:val>
+                                            <p:strVal val="#ppt_w"/>
+                                          </p:val>
+                                        </p:tav>
+                                      </p:tavLst>
+                                    </p:anim>
+                                    <p:anim calcmode="lin" valueType="num">
+                                      <p:cBhvr>
+                                        <p:cTn id="38" dur="1000" fill="hold"/>
+                                        <p:tgtEl>
+                                          <p:spTgt spid="3">
+                                            <p:txEl>
+                                              <p:pRg st="5" end="5"/>
+                                            </p:txEl>
+                                          </p:spTgt>
+                                        </p:tgtEl>
+                                        <p:attrNameLst>
+                                          <p:attrName>ppt_h</p:attrName>
+                                        </p:attrNameLst>
+                                      </p:cBhvr>
+                                      <p:tavLst>
+                                        <p:tav tm="0">
+                                          <p:val>
+                                            <p:fltVal val="0"/>
+                                          </p:val>
+                                        </p:tav>
+                                        <p:tav tm="100000">
+                                          <p:val>
+                                            <p:strVal val="#ppt_h"/>
+                                          </p:val>
+                                        </p:tav>
+                                      </p:tavLst>
+                                    </p:anim>
+                                    <p:anim calcmode="lin" valueType="num">
+                                      <p:cBhvr>
+                                        <p:cTn id="39" dur="1000" fill="hold"/>
+                                        <p:tgtEl>
+                                          <p:spTgt spid="3">
+                                            <p:txEl>
+                                              <p:pRg st="5" end="5"/>
+                                            </p:txEl>
+                                          </p:spTgt>
+                                        </p:tgtEl>
+                                        <p:attrNameLst>
+                                          <p:attrName>style.rotation</p:attrName>
+                                        </p:attrNameLst>
+                                      </p:cBhvr>
+                                      <p:tavLst>
+                                        <p:tav tm="0">
+                                          <p:val>
+                                            <p:fltVal val="90"/>
+                                          </p:val>
+                                        </p:tav>
+                                        <p:tav tm="100000">
+                                          <p:val>
+                                            <p:fltVal val="0"/>
+                                          </p:val>
+                                        </p:tav>
+                                      </p:tavLst>
+                                    </p:anim>
+                                    <p:animEffect transition="in" filter="fade">
+                                      <p:cBhvr>
+                                        <p:cTn id="40" dur="1000"/>
+                                        <p:tgtEl>
+                                          <p:spTgt spid="3">
+                                            <p:txEl>
+                                              <p:pRg st="5" end="5"/>
+                                            </p:txEl>
+                                          </p:spTgt>
+                                        </p:tgtEl>
+                                      </p:cBhvr>
+                                    </p:animEffect>
+                                  </p:childTnLst>
+                                </p:cTn>
+                              </p:par>
+                              <p:par>
+                                <p:cTn id="41" presetID="31" presetClass="entr" presetSubtype="0" fill="hold" grpId="0" nodeType="withEffect">
+                                  <p:stCondLst>
+                                    <p:cond delay="0"/>
+                                  </p:stCondLst>
+                                  <p:childTnLst>
+                                    <p:set>
+                                      <p:cBhvr>
+                                        <p:cTn id="42" dur="1" fill="hold">
+                                          <p:stCondLst>
+                                            <p:cond delay="0"/>
+                                          </p:stCondLst>
+                                        </p:cTn>
+                                        <p:tgtEl>
+                                          <p:spTgt spid="3">
+                                            <p:txEl>
+                                              <p:pRg st="6" end="6"/>
+                                            </p:txEl>
+                                          </p:spTgt>
+                                        </p:tgtEl>
+                                        <p:attrNameLst>
+                                          <p:attrName>style.visibility</p:attrName>
+                                        </p:attrNameLst>
+                                      </p:cBhvr>
+                                      <p:to>
+                                        <p:strVal val="visible"/>
+                                      </p:to>
+                                    </p:set>
+                                    <p:anim calcmode="lin" valueType="num">
+                                      <p:cBhvr>
+                                        <p:cTn id="43" dur="1000" fill="hold"/>
+                                        <p:tgtEl>
+                                          <p:spTgt spid="3">
+                                            <p:txEl>
+                                              <p:pRg st="6" end="6"/>
+                                            </p:txEl>
+                                          </p:spTgt>
+                                        </p:tgtEl>
+                                        <p:attrNameLst>
+                                          <p:attrName>ppt_w</p:attrName>
+                                        </p:attrNameLst>
+                                      </p:cBhvr>
+                                      <p:tavLst>
+                                        <p:tav tm="0">
+                                          <p:val>
+                                            <p:fltVal val="0"/>
+                                          </p:val>
+                                        </p:tav>
+                                        <p:tav tm="100000">
+                                          <p:val>
+                                            <p:strVal val="#ppt_w"/>
+                                          </p:val>
+                                        </p:tav>
+                                      </p:tavLst>
+                                    </p:anim>
+                                    <p:anim calcmode="lin" valueType="num">
+                                      <p:cBhvr>
+                                        <p:cTn id="44" dur="1000" fill="hold"/>
+                                        <p:tgtEl>
+                                          <p:spTgt spid="3">
+                                            <p:txEl>
+                                              <p:pRg st="6" end="6"/>
+                                            </p:txEl>
+                                          </p:spTgt>
+                                        </p:tgtEl>
+                                        <p:attrNameLst>
+                                          <p:attrName>ppt_h</p:attrName>
+                                        </p:attrNameLst>
+                                      </p:cBhvr>
+                                      <p:tavLst>
+                                        <p:tav tm="0">
+                                          <p:val>
+                                            <p:fltVal val="0"/>
+                                          </p:val>
+                                        </p:tav>
+                                        <p:tav tm="100000">
+                                          <p:val>
+                                            <p:strVal val="#ppt_h"/>
+                                          </p:val>
+                                        </p:tav>
+                                      </p:tavLst>
+                                    </p:anim>
+                                    <p:anim calcmode="lin" valueType="num">
+                                      <p:cBhvr>
+                                        <p:cTn id="45" dur="1000" fill="hold"/>
+                                        <p:tgtEl>
+                                          <p:spTgt spid="3">
+                                            <p:txEl>
+                                              <p:pRg st="6" end="6"/>
+                                            </p:txEl>
+                                          </p:spTgt>
+                                        </p:tgtEl>
+                                        <p:attrNameLst>
+                                          <p:attrName>style.rotation</p:attrName>
+                                        </p:attrNameLst>
+                                      </p:cBhvr>
+                                      <p:tavLst>
+                                        <p:tav tm="0">
+                                          <p:val>
+                                            <p:fltVal val="90"/>
+                                          </p:val>
+                                        </p:tav>
+                                        <p:tav tm="100000">
+                                          <p:val>
+                                            <p:fltVal val="0"/>
+                                          </p:val>
+                                        </p:tav>
+                                      </p:tavLst>
+                                    </p:anim>
+                                    <p:animEffect transition="in" filter="fade">
+                                      <p:cBhvr>
+                                        <p:cTn id="46" dur="1000"/>
+                                        <p:tgtEl>
+                                          <p:spTgt spid="3">
+                                            <p:txEl>
+                                              <p:pRg st="6" end="6"/>
+                                            </p:txEl>
+                                          </p:spTgt>
+                                        </p:tgtEl>
+                                      </p:cBhvr>
+                                    </p:animEffect>
+                                  </p:childTnLst>
+                                </p:cTn>
+                              </p:par>
+                            </p:childTnLst>
+                          </p:cTn>
+                        </p:par>
+                      </p:childTnLst>
+                    </p:cTn>
+                  </p:par>
+                  <p:par>
+                    <p:cTn id="47" fill="hold">
+                      <p:stCondLst>
+                        <p:cond delay="indefinite"/>
+                      </p:stCondLst>
+                      <p:childTnLst>
+                        <p:par>
+                          <p:cTn id="48" fill="hold">
+                            <p:stCondLst>
+                              <p:cond delay="0"/>
+                            </p:stCondLst>
+                            <p:childTnLst>
+                              <p:par>
+                                <p:cTn id="49" presetID="31" presetClass="entr" presetSubtype="0" fill="hold" grpId="0" nodeType="clickEffect">
+                                  <p:stCondLst>
+                                    <p:cond delay="0"/>
+                                  </p:stCondLst>
+                                  <p:childTnLst>
+                                    <p:set>
+                                      <p:cBhvr>
+                                        <p:cTn id="50" dur="1" fill="hold">
+                                          <p:stCondLst>
+                                            <p:cond delay="0"/>
+                                          </p:stCondLst>
+                                        </p:cTn>
+                                        <p:tgtEl>
+                                          <p:spTgt spid="5"/>
+                                        </p:tgtEl>
+                                        <p:attrNameLst>
+                                          <p:attrName>style.visibility</p:attrName>
+                                        </p:attrNameLst>
+                                      </p:cBhvr>
+                                      <p:to>
+                                        <p:strVal val="visible"/>
+                                      </p:to>
+                                    </p:set>
+                                    <p:anim calcmode="lin" valueType="num">
+                                      <p:cBhvr>
+                                        <p:cTn id="51" dur="1000" fill="hold"/>
+                                        <p:tgtEl>
+                                          <p:spTgt spid="5"/>
+                                        </p:tgtEl>
+                                        <p:attrNameLst>
+                                          <p:attrName>ppt_w</p:attrName>
+                                        </p:attrNameLst>
+                                      </p:cBhvr>
+                                      <p:tavLst>
+                                        <p:tav tm="0">
+                                          <p:val>
+                                            <p:fltVal val="0"/>
+                                          </p:val>
+                                        </p:tav>
+                                        <p:tav tm="100000">
+                                          <p:val>
+                                            <p:strVal val="#ppt_w"/>
+                                          </p:val>
+                                        </p:tav>
+                                      </p:tavLst>
+                                    </p:anim>
+                                    <p:anim calcmode="lin" valueType="num">
+                                      <p:cBhvr>
+                                        <p:cTn id="52" dur="1000" fill="hold"/>
+                                        <p:tgtEl>
+                                          <p:spTgt spid="5"/>
+                                        </p:tgtEl>
+                                        <p:attrNameLst>
+                                          <p:attrName>ppt_h</p:attrName>
+                                        </p:attrNameLst>
+                                      </p:cBhvr>
+                                      <p:tavLst>
+                                        <p:tav tm="0">
+                                          <p:val>
+                                            <p:fltVal val="0"/>
+                                          </p:val>
+                                        </p:tav>
+                                        <p:tav tm="100000">
+                                          <p:val>
+                                            <p:strVal val="#ppt_h"/>
+                                          </p:val>
+                                        </p:tav>
+                                      </p:tavLst>
+                                    </p:anim>
+                                    <p:anim calcmode="lin" valueType="num">
+                                      <p:cBhvr>
+                                        <p:cTn id="53" dur="1000" fill="hold"/>
+                                        <p:tgtEl>
+                                          <p:spTgt spid="5"/>
+                                        </p:tgtEl>
+                                        <p:attrNameLst>
+                                          <p:attrName>style.rotation</p:attrName>
+                                        </p:attrNameLst>
+                                      </p:cBhvr>
+                                      <p:tavLst>
+                                        <p:tav tm="0">
+                                          <p:val>
+                                            <p:fltVal val="90"/>
+                                          </p:val>
+                                        </p:tav>
+                                        <p:tav tm="100000">
+                                          <p:val>
+                                            <p:fltVal val="0"/>
+                                          </p:val>
+                                        </p:tav>
+                                      </p:tavLst>
+                                    </p:anim>
+                                    <p:animEffect transition="in" filter="fade">
+                                      <p:cBhvr>
+                                        <p:cTn id="54" dur="1000"/>
+                                        <p:tgtEl>
+                                          <p:spTgt spid="5"/>
+                                        </p:tgtEl>
+                                      </p:cBhvr>
+                                    </p:animEffect>
+                                  </p:childTnLst>
+                                </p:cTn>
+                              </p:par>
+                            </p:childTnLst>
+                          </p:cTn>
+                        </p:par>
+                      </p:childTnLst>
+                    </p:cTn>
+                  </p:par>
+                </p:childTnLst>
+              </p:cTn>
+              <p:prevCondLst>
+                <p:cond evt="onPrev" delay="0">
+                  <p:tgtEl>
+                    <p:sldTgt/>
+                  </p:tgtEl>
+                </p:cond>
+              </p:prevCondLst>
+              <p:nextCondLst>
+                <p:cond evt="onNext" delay="0">
+                  <p:tgtEl>
+                    <p:sldTgt/>
+                  </p:tgtEl>
+                </p:cond>
+              </p:nextCondLst>
+            </p:seq>
+          </p:childTnLst>
+        </p:cTn>
       </p:par>
     </p:tnLst>
+    <p:bldLst>
+      <p:bldP spid="3" grpId="0" uiExpand="1" build="allAtOnce"/>
+      <p:bldP spid="5" grpId="0"/>
+    </p:bldLst>
   </p:timing>
 </p:sld>
 </file>
@@ -15359,7 +16219,7 @@
                 <a16:creationId xmlns:a16="http://schemas.microsoft.com/office/drawing/2014/main" id="{46C2E80F-49A6-4372-B103-219D417A55ED}"/>
               </a:ext>
               <a:ext uri="{C183D7F6-B498-43B3-948B-1728B52AA6E4}">
-                <adec:decorative xmlns:adec="http://schemas.microsoft.com/office/drawing/2017/decorative" xmlns="" val="1"/>
+                <adec:decorative xmlns:adec="http://schemas.microsoft.com/office/drawing/2017/decorative" val="1"/>
               </a:ext>
             </a:extLst>
           </p:cNvPr>
@@ -16115,13 +16975,6 @@
   <p:clrMapOvr>
     <a:masterClrMapping/>
   </p:clrMapOvr>
-  <p:timing>
-    <p:tnLst>
-      <p:par>
-        <p:cTn id="1" dur="indefinite" restart="never" nodeType="tmRoot"/>
-      </p:par>
-    </p:tnLst>
-  </p:timing>
 </p:sld>
 </file>
 
@@ -16158,7 +17011,7 @@
                 <a16:creationId xmlns:a16="http://schemas.microsoft.com/office/drawing/2014/main" id="{46C2E80F-49A6-4372-B103-219D417A55ED}"/>
               </a:ext>
               <a:ext uri="{C183D7F6-B498-43B3-948B-1728B52AA6E4}">
-                <adec:decorative xmlns:adec="http://schemas.microsoft.com/office/drawing/2017/decorative" xmlns="" val="1"/>
+                <adec:decorative xmlns:adec="http://schemas.microsoft.com/office/drawing/2017/decorative" val="1"/>
               </a:ext>
             </a:extLst>
           </p:cNvPr>
@@ -16714,14 +17567,13 @@
               <a:rPr lang="en-US" b="1" dirty="0"/>
               <a:t>Mortgage Happiness fulfils the </a:t>
             </a:r>
-            <a:endParaRPr lang="en-US" b="1" dirty="0" smtClean="0"/>
           </a:p>
           <a:p>
             <a:pPr marL="0" indent="0" algn="ctr">
               <a:buNone/>
             </a:pPr>
             <a:r>
-              <a:rPr lang="en-US" b="1" dirty="0" smtClean="0">
+              <a:rPr lang="en-US" b="1" dirty="0">
                 <a:solidFill>
                   <a:schemeClr val="accent6"/>
                 </a:solidFill>
@@ -16729,16 +17581,8 @@
               <a:t>MISSING</a:t>
             </a:r>
             <a:r>
-              <a:rPr lang="en-US" b="1" dirty="0" smtClean="0"/>
-              <a:t> </a:t>
-            </a:r>
-            <a:r>
               <a:rPr lang="en-US" b="1" dirty="0"/>
-              <a:t>elements:</a:t>
-            </a:r>
-            <a:r>
-              <a:rPr lang="en-US" dirty="0"/>
-              <a:t/>
+              <a:t> elements:</a:t>
             </a:r>
             <a:br>
               <a:rPr lang="en-US" dirty="0"/>
@@ -16755,7 +17599,7 @@
               <a:t> – </a:t>
             </a:r>
             <a:r>
-              <a:rPr lang="en-US" dirty="0" smtClean="0">
+              <a:rPr lang="en-US" dirty="0">
                 <a:solidFill>
                   <a:schemeClr val="accent6"/>
                 </a:solidFill>
@@ -16763,12 +17607,8 @@
               <a:t>EVERY</a:t>
             </a:r>
             <a:r>
-              <a:rPr lang="en-US" dirty="0" smtClean="0"/>
-              <a:t>(!!!) </a:t>
-            </a:r>
-            <a:r>
               <a:rPr lang="en-US" dirty="0"/>
-              <a:t>Details are shared</a:t>
+              <a:t>(!!!) Details are shared</a:t>
             </a:r>
           </a:p>
           <a:p>
@@ -16844,13 +17684,6 @@
   <p:clrMapOvr>
     <a:masterClrMapping/>
   </p:clrMapOvr>
-  <p:timing>
-    <p:tnLst>
-      <p:par>
-        <p:cTn id="1" dur="indefinite" restart="never" nodeType="tmRoot"/>
-      </p:par>
-    </p:tnLst>
-  </p:timing>
 </p:sld>
 </file>
 
@@ -16887,7 +17720,7 @@
                 <a16:creationId xmlns:a16="http://schemas.microsoft.com/office/drawing/2014/main" id="{46C2E80F-49A6-4372-B103-219D417A55ED}"/>
               </a:ext>
               <a:ext uri="{C183D7F6-B498-43B3-948B-1728B52AA6E4}">
-                <adec:decorative xmlns:adec="http://schemas.microsoft.com/office/drawing/2017/decorative" xmlns="" val="1"/>
+                <adec:decorative xmlns:adec="http://schemas.microsoft.com/office/drawing/2017/decorative" val="1"/>
               </a:ext>
             </a:extLst>
           </p:cNvPr>
@@ -17459,19 +18292,14 @@
           <a:p>
             <a:r>
               <a:rPr lang="en-US" dirty="0"/>
-              <a:t>New business </a:t>
-            </a:r>
-            <a:r>
-              <a:rPr lang="en-US" dirty="0" smtClean="0"/>
-              <a:t>model</a:t>
-            </a:r>
-          </a:p>
-          <a:p>
-            <a:r>
-              <a:rPr lang="en-US" dirty="0" smtClean="0"/>
+              <a:t>New business model</a:t>
+            </a:r>
+          </a:p>
+          <a:p>
+            <a:r>
+              <a:rPr lang="en-US" dirty="0"/>
               <a:t>Subscription based platform</a:t>
             </a:r>
-            <a:endParaRPr lang="en-US" dirty="0"/>
           </a:p>
           <a:p>
             <a:r>
@@ -17590,111 +18418,111 @@
           <a:lstStyle/>
           <a:p>
             <a:r>
-              <a:rPr lang="de-CH" i="1" dirty="0" err="1" smtClean="0"/>
+              <a:rPr lang="de-CH" i="1" dirty="0" err="1"/>
               <a:t>We</a:t>
             </a:r>
             <a:r>
-              <a:rPr lang="de-CH" i="1" dirty="0" smtClean="0"/>
+              <a:rPr lang="de-CH" i="1" dirty="0"/>
               <a:t> </a:t>
             </a:r>
             <a:r>
-              <a:rPr lang="de-CH" i="1" dirty="0" err="1" smtClean="0"/>
+              <a:rPr lang="de-CH" i="1" dirty="0" err="1"/>
               <a:t>recommend</a:t>
             </a:r>
             <a:r>
-              <a:rPr lang="de-CH" i="1" dirty="0" smtClean="0"/>
+              <a:rPr lang="de-CH" i="1" dirty="0"/>
               <a:t> </a:t>
             </a:r>
             <a:r>
-              <a:rPr lang="de-CH" i="1" dirty="0" err="1" smtClean="0"/>
+              <a:rPr lang="de-CH" i="1" dirty="0" err="1"/>
               <a:t>the</a:t>
             </a:r>
             <a:r>
-              <a:rPr lang="de-CH" i="1" dirty="0" smtClean="0"/>
+              <a:rPr lang="de-CH" i="1" dirty="0"/>
               <a:t> </a:t>
             </a:r>
             <a:r>
-              <a:rPr lang="de-CH" i="1" dirty="0" err="1" smtClean="0"/>
+              <a:rPr lang="de-CH" i="1" dirty="0" err="1"/>
               <a:t>management</a:t>
             </a:r>
             <a:r>
-              <a:rPr lang="de-CH" i="1" dirty="0" smtClean="0"/>
+              <a:rPr lang="de-CH" i="1" dirty="0"/>
               <a:t> </a:t>
             </a:r>
             <a:r>
-              <a:rPr lang="de-CH" i="1" dirty="0" err="1" smtClean="0"/>
+              <a:rPr lang="de-CH" i="1" dirty="0" err="1"/>
               <a:t>to</a:t>
             </a:r>
             <a:r>
-              <a:rPr lang="de-CH" i="1" dirty="0" smtClean="0"/>
+              <a:rPr lang="de-CH" i="1" dirty="0"/>
               <a:t> </a:t>
             </a:r>
             <a:r>
-              <a:rPr lang="de-CH" i="1" dirty="0" err="1" smtClean="0"/>
+              <a:rPr lang="de-CH" i="1" dirty="0" err="1"/>
               <a:t>allow</a:t>
             </a:r>
             <a:r>
-              <a:rPr lang="de-CH" i="1" dirty="0" smtClean="0"/>
+              <a:rPr lang="de-CH" i="1" dirty="0"/>
               <a:t> </a:t>
             </a:r>
             <a:r>
-              <a:rPr lang="de-CH" i="1" dirty="0" err="1" smtClean="0"/>
+              <a:rPr lang="de-CH" i="1" dirty="0" err="1"/>
               <a:t>us</a:t>
             </a:r>
             <a:r>
-              <a:rPr lang="de-CH" i="1" dirty="0" smtClean="0"/>
+              <a:rPr lang="de-CH" i="1" dirty="0"/>
               <a:t> </a:t>
             </a:r>
             <a:r>
-              <a:rPr lang="de-CH" i="1" dirty="0" err="1" smtClean="0"/>
+              <a:rPr lang="de-CH" i="1" dirty="0" err="1"/>
               <a:t>to</a:t>
             </a:r>
             <a:r>
-              <a:rPr lang="de-CH" i="1" dirty="0" smtClean="0"/>
+              <a:rPr lang="de-CH" i="1" dirty="0"/>
               <a:t> </a:t>
             </a:r>
             <a:r>
-              <a:rPr lang="de-CH" i="1" dirty="0" err="1" smtClean="0"/>
+              <a:rPr lang="de-CH" i="1" dirty="0" err="1"/>
               <a:t>run</a:t>
             </a:r>
             <a:r>
-              <a:rPr lang="de-CH" i="1" dirty="0" smtClean="0"/>
+              <a:rPr lang="de-CH" i="1" dirty="0"/>
               <a:t> </a:t>
             </a:r>
             <a:r>
-              <a:rPr lang="de-CH" i="1" dirty="0" err="1" smtClean="0"/>
+              <a:rPr lang="de-CH" i="1" dirty="0" err="1"/>
               <a:t>the</a:t>
             </a:r>
             <a:r>
-              <a:rPr lang="de-CH" i="1" dirty="0" smtClean="0"/>
+              <a:rPr lang="de-CH" i="1" dirty="0"/>
               <a:t> </a:t>
             </a:r>
             <a:r>
-              <a:rPr lang="de-CH" i="1" dirty="0" err="1" smtClean="0"/>
+              <a:rPr lang="de-CH" i="1" dirty="0" err="1"/>
               <a:t>project</a:t>
             </a:r>
             <a:r>
-              <a:rPr lang="de-CH" i="1" dirty="0" smtClean="0"/>
+              <a:rPr lang="de-CH" i="1" dirty="0"/>
               <a:t> in </a:t>
             </a:r>
             <a:r>
-              <a:rPr lang="de-CH" i="1" dirty="0" err="1" smtClean="0"/>
+              <a:rPr lang="de-CH" i="1" dirty="0" err="1"/>
               <a:t>the</a:t>
             </a:r>
             <a:r>
-              <a:rPr lang="de-CH" i="1" dirty="0" smtClean="0"/>
+              <a:rPr lang="de-CH" i="1" dirty="0"/>
               <a:t> </a:t>
             </a:r>
             <a:r>
-              <a:rPr lang="de-CH" i="1" dirty="0" err="1" smtClean="0"/>
+              <a:rPr lang="de-CH" i="1" dirty="0" err="1"/>
               <a:t>next</a:t>
             </a:r>
             <a:r>
-              <a:rPr lang="de-CH" i="1" dirty="0" smtClean="0"/>
+              <a:rPr lang="de-CH" i="1" dirty="0"/>
               <a:t> </a:t>
             </a:r>
             <a:r>
-              <a:rPr lang="de-CH" i="1" dirty="0" err="1" smtClean="0"/>
+              <a:rPr lang="de-CH" i="1" dirty="0" err="1"/>
               <a:t>phase</a:t>
             </a:r>
             <a:endParaRPr lang="de-CH" i="1" dirty="0"/>
@@ -17711,13 +18539,6 @@
   <p:clrMapOvr>
     <a:masterClrMapping/>
   </p:clrMapOvr>
-  <p:timing>
-    <p:tnLst>
-      <p:par>
-        <p:cTn id="1" dur="indefinite" restart="never" nodeType="tmRoot"/>
-      </p:par>
-    </p:tnLst>
-  </p:timing>
 </p:sld>
 </file>
 
@@ -17754,7 +18575,7 @@
                 <a16:creationId xmlns:a16="http://schemas.microsoft.com/office/drawing/2014/main" id="{46C2E80F-49A6-4372-B103-219D417A55ED}"/>
               </a:ext>
               <a:ext uri="{C183D7F6-B498-43B3-948B-1728B52AA6E4}">
-                <adec:decorative xmlns:adec="http://schemas.microsoft.com/office/drawing/2017/decorative" xmlns="" val="1"/>
+                <adec:decorative xmlns:adec="http://schemas.microsoft.com/office/drawing/2017/decorative" val="1"/>
               </a:ext>
             </a:extLst>
           </p:cNvPr>
@@ -18347,13 +19168,6 @@
   <p:clrMapOvr>
     <a:masterClrMapping/>
   </p:clrMapOvr>
-  <p:timing>
-    <p:tnLst>
-      <p:par>
-        <p:cTn id="1" dur="indefinite" restart="never" nodeType="tmRoot"/>
-      </p:par>
-    </p:tnLst>
-  </p:timing>
 </p:sld>
 </file>
 

--- a/Final Pitch/FinalPitch_Happy Mortgage_V1.0.pptx
+++ b/Final Pitch/FinalPitch_Happy Mortgage_V1.0.pptx
@@ -10,7 +10,7 @@
   <p:sldIdLst>
     <p:sldId id="256" r:id="rId2"/>
     <p:sldId id="274" r:id="rId3"/>
-    <p:sldId id="272" r:id="rId4"/>
+    <p:sldId id="275" r:id="rId4"/>
     <p:sldId id="273" r:id="rId5"/>
     <p:sldId id="260" r:id="rId6"/>
     <p:sldId id="266" r:id="rId7"/>
@@ -2061,7 +2061,13 @@
     </dgm:pt>
     <dgm:pt modelId="{5707B7FD-5742-EF42-BAA2-80AFD0A567D8}" type="pres">
       <dgm:prSet presAssocID="{CFECD34D-D1A6-4247-948F-D435D4753309}" presName="Accent" presStyleLbl="node1" presStyleIdx="0" presStyleCnt="3"/>
-      <dgm:spPr/>
+      <dgm:spPr>
+        <a:solidFill>
+          <a:schemeClr val="accent6">
+            <a:lumMod val="50000"/>
+          </a:schemeClr>
+        </a:solidFill>
+      </dgm:spPr>
     </dgm:pt>
     <dgm:pt modelId="{EEF06095-DA50-5442-9BC0-4BF8C45025AA}" type="pres">
       <dgm:prSet presAssocID="{CFECD34D-D1A6-4247-948F-D435D4753309}" presName="Parent1" presStyleLbl="revTx" presStyleIdx="0" presStyleCnt="3">
@@ -2079,7 +2085,13 @@
     </dgm:pt>
     <dgm:pt modelId="{D9B2F24B-64AE-1D4E-AA55-D2762D59C3F9}" type="pres">
       <dgm:prSet presAssocID="{98E51076-DCF6-464D-8018-9E4B7FF80277}" presName="Accent" presStyleLbl="node1" presStyleIdx="1" presStyleCnt="3"/>
-      <dgm:spPr/>
+      <dgm:spPr>
+        <a:solidFill>
+          <a:schemeClr val="accent6">
+            <a:lumMod val="75000"/>
+          </a:schemeClr>
+        </a:solidFill>
+      </dgm:spPr>
     </dgm:pt>
     <dgm:pt modelId="{5C9596F4-408D-EA4D-8D78-9C6A63AC6F27}" type="pres">
       <dgm:prSet presAssocID="{98E51076-DCF6-464D-8018-9E4B7FF80277}" presName="Parent2" presStyleLbl="revTx" presStyleIdx="1" presStyleCnt="3">
@@ -2132,7 +2144,7 @@
   <dgm:whole/>
   <dgm:extLst>
     <a:ext uri="http://schemas.microsoft.com/office/drawing/2008/diagram">
-      <dsp:dataModelExt xmlns:dsp="http://schemas.microsoft.com/office/drawing/2008/diagram" relId="rId7" minVer="http://schemas.openxmlformats.org/drawingml/2006/diagram"/>
+      <dsp:dataModelExt xmlns:dsp="http://schemas.microsoft.com/office/drawing/2008/diagram" relId="rId6" minVer="http://schemas.openxmlformats.org/drawingml/2006/diagram"/>
     </a:ext>
   </dgm:extLst>
 </dgm:dataModel>
@@ -2251,8 +2263,8 @@
       </dsp:nvSpPr>
       <dsp:spPr>
         <a:xfrm>
-          <a:off x="1207084" y="541751"/>
-          <a:ext cx="2088959" cy="2089277"/>
+          <a:off x="1724464" y="374614"/>
+          <a:ext cx="2984327" cy="2984781"/>
         </a:xfrm>
         <a:prstGeom prst="circularArrow">
           <a:avLst>
@@ -2265,11 +2277,7 @@
         </a:prstGeom>
         <a:solidFill>
           <a:schemeClr val="accent6">
-            <a:shade val="50000"/>
-            <a:hueOff val="0"/>
-            <a:satOff val="0"/>
-            <a:lumOff val="0"/>
-            <a:alphaOff val="0"/>
+            <a:lumMod val="50000"/>
           </a:schemeClr>
         </a:solidFill>
         <a:ln w="12700" cap="flat" cmpd="sng" algn="ctr">
@@ -2308,8 +2316,8 @@
       </dsp:nvSpPr>
       <dsp:spPr>
         <a:xfrm>
-          <a:off x="1668813" y="1296043"/>
-          <a:ext cx="1160794" cy="580258"/>
+          <a:off x="2384099" y="1452211"/>
+          <a:ext cx="1658333" cy="828968"/>
         </a:xfrm>
         <a:prstGeom prst="rect">
           <a:avLst/>
@@ -2357,8 +2365,8 @@
         </a:p>
       </dsp:txBody>
       <dsp:txXfrm>
-        <a:off x="1668813" y="1296043"/>
-        <a:ext cx="1160794" cy="580258"/>
+        <a:off x="2384099" y="1452211"/>
+        <a:ext cx="1658333" cy="828968"/>
       </dsp:txXfrm>
     </dsp:sp>
     <dsp:sp modelId="{D9B2F24B-64AE-1D4E-AA55-D2762D59C3F9}">
@@ -2368,8 +2376,8 @@
       </dsp:nvSpPr>
       <dsp:spPr>
         <a:xfrm>
-          <a:off x="626883" y="1742196"/>
-          <a:ext cx="2088959" cy="2089277"/>
+          <a:off x="895578" y="2089592"/>
+          <a:ext cx="2984327" cy="2984781"/>
         </a:xfrm>
         <a:prstGeom prst="leftCircularArrow">
           <a:avLst>
@@ -2382,11 +2390,7 @@
         </a:prstGeom>
         <a:solidFill>
           <a:schemeClr val="accent6">
-            <a:shade val="50000"/>
-            <a:hueOff val="245616"/>
-            <a:satOff val="-10737"/>
-            <a:lumOff val="29307"/>
-            <a:alphaOff val="0"/>
+            <a:lumMod val="75000"/>
           </a:schemeClr>
         </a:solidFill>
         <a:ln w="12700" cap="flat" cmpd="sng" algn="ctr">
@@ -2425,8 +2429,8 @@
       </dsp:nvSpPr>
       <dsp:spPr>
         <a:xfrm>
-          <a:off x="1090966" y="2503432"/>
-          <a:ext cx="1160794" cy="580258"/>
+          <a:off x="1558575" y="3177109"/>
+          <a:ext cx="1658333" cy="828968"/>
         </a:xfrm>
         <a:prstGeom prst="rect">
           <a:avLst/>
@@ -2474,8 +2478,8 @@
         </a:p>
       </dsp:txBody>
       <dsp:txXfrm>
-        <a:off x="1090966" y="2503432"/>
-        <a:ext cx="1160794" cy="580258"/>
+        <a:off x="1558575" y="3177109"/>
+        <a:ext cx="1658333" cy="828968"/>
       </dsp:txXfrm>
     </dsp:sp>
     <dsp:sp modelId="{1DB82F2D-F46F-0F46-8A37-1084DC7192CE}">
@@ -2485,8 +2489,8 @@
       </dsp:nvSpPr>
       <dsp:spPr>
         <a:xfrm>
-          <a:off x="1355763" y="3086294"/>
-          <a:ext cx="1794739" cy="1795458"/>
+          <a:off x="1936870" y="4009798"/>
+          <a:ext cx="2563999" cy="2565027"/>
         </a:xfrm>
         <a:prstGeom prst="blockArc">
           <a:avLst>
@@ -2540,8 +2544,8 @@
       </dsp:nvSpPr>
       <dsp:spPr>
         <a:xfrm>
-          <a:off x="1671559" y="3712557"/>
-          <a:ext cx="1160794" cy="580258"/>
+          <a:off x="2388022" y="4904488"/>
+          <a:ext cx="1658333" cy="828968"/>
         </a:xfrm>
         <a:prstGeom prst="rect">
           <a:avLst/>
@@ -2589,8 +2593,8 @@
         </a:p>
       </dsp:txBody>
       <dsp:txXfrm>
-        <a:off x="1671559" y="3712557"/>
-        <a:ext cx="1160794" cy="580258"/>
+        <a:off x="2388022" y="4904488"/>
+        <a:ext cx="1658333" cy="828968"/>
       </dsp:txXfrm>
     </dsp:sp>
   </dsp:spTree>
@@ -7412,7 +7416,7 @@
           <a:p>
             <a:fld id="{BD2FB369-47D0-9242-BF62-9CB3085F2C80}" type="datetimeFigureOut">
               <a:rPr lang="en-US" smtClean="0"/>
-              <a:t>12/20/2019</a:t>
+              <a:t>12/20/19</a:t>
             </a:fld>
             <a:endParaRPr lang="en-US"/>
           </a:p>
@@ -7919,7 +7923,7 @@
           <a:p>
             <a:fld id="{53BAFCDE-2CE7-C742-AC70-198143ED7831}" type="slidenum">
               <a:rPr lang="en-US" smtClean="0"/>
-              <a:t>3</a:t>
+              <a:t>5</a:t>
             </a:fld>
             <a:endParaRPr lang="en-US"/>
           </a:p>
@@ -7928,7 +7932,7 @@
     </p:spTree>
     <p:extLst>
       <p:ext uri="{BB962C8B-B14F-4D97-AF65-F5344CB8AC3E}">
-        <p14:creationId xmlns:p14="http://schemas.microsoft.com/office/powerpoint/2010/main" val="915149552"/>
+        <p14:creationId xmlns:p14="http://schemas.microsoft.com/office/powerpoint/2010/main" val="3507535848"/>
       </p:ext>
     </p:extLst>
   </p:cSld>
@@ -7982,38 +7986,7 @@
           <a:bodyPr/>
           <a:lstStyle/>
           <a:p>
-            <a:r>
-              <a:rPr lang="en-US" dirty="0"/>
-              <a:t>90% are banks that offer mortgages, but </a:t>
-            </a:r>
-            <a:r>
-              <a:rPr lang="en-US" dirty="0" err="1"/>
-              <a:t>pensionkassen</a:t>
-            </a:r>
-            <a:r>
-              <a:rPr lang="en-US" dirty="0"/>
-              <a:t> are coming up</a:t>
-            </a:r>
-          </a:p>
-          <a:p>
-            <a:r>
-              <a:rPr lang="en-US" dirty="0"/>
-              <a:t>Big difference in the mortgage rates between 0.55 to  1.65% - </a:t>
-            </a:r>
-            <a:r>
-              <a:rPr lang="en-US" dirty="0" err="1"/>
-              <a:t>thousends</a:t>
-            </a:r>
-            <a:r>
-              <a:rPr lang="en-US" dirty="0"/>
-              <a:t> of Francs difference </a:t>
-            </a:r>
-          </a:p>
-          <a:p>
-            <a:r>
-              <a:rPr lang="en-US" dirty="0"/>
-              <a:t>Missing: Because clients don’t know and understand the business model of such a broker, how they get the commission fee, and they are not sure, if they are really independent or not.  Brokers get </a:t>
-            </a:r>
+            <a:endParaRPr lang="en-US" dirty="0"/>
           </a:p>
         </p:txBody>
       </p:sp>
@@ -8034,90 +8007,6 @@
           <a:p>
             <a:fld id="{53BAFCDE-2CE7-C742-AC70-198143ED7831}" type="slidenum">
               <a:rPr lang="en-US" smtClean="0"/>
-              <a:t>5</a:t>
-            </a:fld>
-            <a:endParaRPr lang="en-US"/>
-          </a:p>
-        </p:txBody>
-      </p:sp>
-    </p:spTree>
-    <p:extLst>
-      <p:ext uri="{BB962C8B-B14F-4D97-AF65-F5344CB8AC3E}">
-        <p14:creationId xmlns:p14="http://schemas.microsoft.com/office/powerpoint/2010/main" val="3507535848"/>
-      </p:ext>
-    </p:extLst>
-  </p:cSld>
-  <p:clrMapOvr>
-    <a:masterClrMapping/>
-  </p:clrMapOvr>
-</p:notes>
-</file>
-
-<file path=ppt/notesSlides/notesSlide4.xml><?xml version="1.0" encoding="utf-8"?>
-<p:notes xmlns:a="http://schemas.openxmlformats.org/drawingml/2006/main" xmlns:r="http://schemas.openxmlformats.org/officeDocument/2006/relationships" xmlns:p="http://schemas.openxmlformats.org/presentationml/2006/main">
-  <p:cSld>
-    <p:spTree>
-      <p:nvGrpSpPr>
-        <p:cNvPr id="1" name=""/>
-        <p:cNvGrpSpPr/>
-        <p:nvPr/>
-      </p:nvGrpSpPr>
-      <p:grpSpPr>
-        <a:xfrm>
-          <a:off x="0" y="0"/>
-          <a:ext cx="0" cy="0"/>
-          <a:chOff x="0" y="0"/>
-          <a:chExt cx="0" cy="0"/>
-        </a:xfrm>
-      </p:grpSpPr>
-      <p:sp>
-        <p:nvSpPr>
-          <p:cNvPr id="2" name="Slide Image Placeholder 1"/>
-          <p:cNvSpPr>
-            <a:spLocks noGrp="1" noRot="1" noChangeAspect="1"/>
-          </p:cNvSpPr>
-          <p:nvPr>
-            <p:ph type="sldImg"/>
-          </p:nvPr>
-        </p:nvSpPr>
-        <p:spPr/>
-      </p:sp>
-      <p:sp>
-        <p:nvSpPr>
-          <p:cNvPr id="3" name="Notes Placeholder 2"/>
-          <p:cNvSpPr>
-            <a:spLocks noGrp="1"/>
-          </p:cNvSpPr>
-          <p:nvPr>
-            <p:ph type="body" idx="1"/>
-          </p:nvPr>
-        </p:nvSpPr>
-        <p:spPr/>
-        <p:txBody>
-          <a:bodyPr/>
-          <a:lstStyle/>
-          <a:p>
-            <a:endParaRPr lang="en-US" dirty="0"/>
-          </a:p>
-        </p:txBody>
-      </p:sp>
-      <p:sp>
-        <p:nvSpPr>
-          <p:cNvPr id="4" name="Slide Number Placeholder 3"/>
-          <p:cNvSpPr>
-            <a:spLocks noGrp="1"/>
-          </p:cNvSpPr>
-          <p:nvPr>
-            <p:ph type="sldNum" sz="quarter" idx="5"/>
-          </p:nvPr>
-        </p:nvSpPr>
-        <p:spPr/>
-        <p:txBody>
-          <a:bodyPr/>
-          <a:lstStyle/>
-          <a:p>
-            <a:fld id="{53BAFCDE-2CE7-C742-AC70-198143ED7831}" type="slidenum">
-              <a:rPr lang="en-US" smtClean="0"/>
               <a:t>6</a:t>
             </a:fld>
             <a:endParaRPr lang="en-US"/>
@@ -8137,7 +8026,7 @@
 </p:notes>
 </file>
 
-<file path=ppt/notesSlides/notesSlide5.xml><?xml version="1.0" encoding="utf-8"?>
+<file path=ppt/notesSlides/notesSlide4.xml><?xml version="1.0" encoding="utf-8"?>
 <p:notes xmlns:a="http://schemas.openxmlformats.org/drawingml/2006/main" xmlns:r="http://schemas.openxmlformats.org/officeDocument/2006/relationships" xmlns:p="http://schemas.openxmlformats.org/presentationml/2006/main">
   <p:cSld>
     <p:spTree>
@@ -8369,7 +8258,7 @@
             <a:fld id="{B61BEF0D-F0BB-DE4B-95CE-6DB70DBA9567}" type="datetimeFigureOut">
               <a:rPr lang="en-US" smtClean="0"/>
               <a:pPr/>
-              <a:t>12/20/2019</a:t>
+              <a:t>12/20/19</a:t>
             </a:fld>
             <a:endParaRPr lang="en-US" dirty="0"/>
           </a:p>
@@ -8569,7 +8458,7 @@
             <a:fld id="{B61BEF0D-F0BB-DE4B-95CE-6DB70DBA9567}" type="datetimeFigureOut">
               <a:rPr lang="en-US" smtClean="0"/>
               <a:pPr/>
-              <a:t>12/20/2019</a:t>
+              <a:t>12/20/19</a:t>
             </a:fld>
             <a:endParaRPr lang="en-US" dirty="0"/>
           </a:p>
@@ -8779,7 +8668,7 @@
             <a:fld id="{B61BEF0D-F0BB-DE4B-95CE-6DB70DBA9567}" type="datetimeFigureOut">
               <a:rPr lang="en-US" smtClean="0"/>
               <a:pPr/>
-              <a:t>12/20/2019</a:t>
+              <a:t>12/20/19</a:t>
             </a:fld>
             <a:endParaRPr lang="en-US" dirty="0"/>
           </a:p>
@@ -8979,7 +8868,7 @@
             <a:fld id="{B61BEF0D-F0BB-DE4B-95CE-6DB70DBA9567}" type="datetimeFigureOut">
               <a:rPr lang="en-US" smtClean="0"/>
               <a:pPr/>
-              <a:t>12/20/2019</a:t>
+              <a:t>12/20/19</a:t>
             </a:fld>
             <a:endParaRPr lang="en-US" dirty="0"/>
           </a:p>
@@ -9256,7 +9145,7 @@
             <a:fld id="{B61BEF0D-F0BB-DE4B-95CE-6DB70DBA9567}" type="datetimeFigureOut">
               <a:rPr lang="en-US" smtClean="0"/>
               <a:pPr/>
-              <a:t>12/20/2019</a:t>
+              <a:t>12/20/19</a:t>
             </a:fld>
             <a:endParaRPr lang="en-US" dirty="0"/>
           </a:p>
@@ -9523,7 +9412,7 @@
             <a:fld id="{B61BEF0D-F0BB-DE4B-95CE-6DB70DBA9567}" type="datetimeFigureOut">
               <a:rPr lang="en-US" smtClean="0"/>
               <a:pPr/>
-              <a:t>12/20/2019</a:t>
+              <a:t>12/20/19</a:t>
             </a:fld>
             <a:endParaRPr lang="en-US" dirty="0"/>
           </a:p>
@@ -9937,7 +9826,7 @@
             <a:fld id="{B61BEF0D-F0BB-DE4B-95CE-6DB70DBA9567}" type="datetimeFigureOut">
               <a:rPr lang="en-US" smtClean="0"/>
               <a:pPr/>
-              <a:t>12/20/2019</a:t>
+              <a:t>12/20/19</a:t>
             </a:fld>
             <a:endParaRPr lang="en-US" dirty="0"/>
           </a:p>
@@ -10080,7 +9969,7 @@
             <a:fld id="{B61BEF0D-F0BB-DE4B-95CE-6DB70DBA9567}" type="datetimeFigureOut">
               <a:rPr lang="en-US" smtClean="0"/>
               <a:pPr/>
-              <a:t>12/20/2019</a:t>
+              <a:t>12/20/19</a:t>
             </a:fld>
             <a:endParaRPr lang="en-US" dirty="0"/>
           </a:p>
@@ -10195,7 +10084,7 @@
             <a:fld id="{B61BEF0D-F0BB-DE4B-95CE-6DB70DBA9567}" type="datetimeFigureOut">
               <a:rPr lang="en-US" smtClean="0"/>
               <a:pPr/>
-              <a:t>12/20/2019</a:t>
+              <a:t>12/20/19</a:t>
             </a:fld>
             <a:endParaRPr lang="en-US" dirty="0"/>
           </a:p>
@@ -10508,7 +10397,7 @@
             <a:fld id="{B61BEF0D-F0BB-DE4B-95CE-6DB70DBA9567}" type="datetimeFigureOut">
               <a:rPr lang="en-US" smtClean="0"/>
               <a:pPr/>
-              <a:t>12/20/2019</a:t>
+              <a:t>12/20/19</a:t>
             </a:fld>
             <a:endParaRPr lang="en-US" dirty="0"/>
           </a:p>
@@ -10798,7 +10687,7 @@
             <a:fld id="{B61BEF0D-F0BB-DE4B-95CE-6DB70DBA9567}" type="datetimeFigureOut">
               <a:rPr lang="en-US" smtClean="0"/>
               <a:pPr/>
-              <a:t>12/20/2019</a:t>
+              <a:t>12/20/19</a:t>
             </a:fld>
             <a:endParaRPr lang="en-US" dirty="0"/>
           </a:p>
@@ -11041,7 +10930,7 @@
             <a:fld id="{B61BEF0D-F0BB-DE4B-95CE-6DB70DBA9567}" type="datetimeFigureOut">
               <a:rPr lang="en-US" smtClean="0"/>
               <a:pPr/>
-              <a:t>12/20/2019</a:t>
+              <a:t>12/20/19</a:t>
             </a:fld>
             <a:endParaRPr lang="en-US" dirty="0"/>
           </a:p>
@@ -13055,14 +12944,6 @@
 <file path=ppt/slides/slide3.xml><?xml version="1.0" encoding="utf-8"?>
 <p:sld xmlns:a="http://schemas.openxmlformats.org/drawingml/2006/main" xmlns:r="http://schemas.openxmlformats.org/officeDocument/2006/relationships" xmlns:p="http://schemas.openxmlformats.org/presentationml/2006/main">
   <p:cSld>
-    <p:bg>
-      <p:bgPr>
-        <a:solidFill>
-          <a:schemeClr val="bg1"/>
-        </a:solidFill>
-        <a:effectLst/>
-      </p:bgPr>
-    </p:bg>
     <p:spTree>
       <p:nvGrpSpPr>
         <p:cNvPr id="1" name=""/>
@@ -13077,537 +12958,12 @@
           <a:chExt cx="0" cy="0"/>
         </a:xfrm>
       </p:grpSpPr>
-      <p:sp>
-        <p:nvSpPr>
-          <p:cNvPr id="14" name="Freeform: Shape 9">
+      <p:graphicFrame>
+        <p:nvGraphicFramePr>
+          <p:cNvPr id="4" name="Diagram 3">
             <a:extLst>
               <a:ext uri="{FF2B5EF4-FFF2-40B4-BE49-F238E27FC236}">
-                <a16:creationId xmlns:a16="http://schemas.microsoft.com/office/drawing/2014/main" id="{46C2E80F-49A6-4372-B103-219D417A55ED}"/>
-              </a:ext>
-              <a:ext uri="{C183D7F6-B498-43B3-948B-1728B52AA6E4}">
-                <adec:decorative xmlns:adec="http://schemas.microsoft.com/office/drawing/2017/decorative" val="1"/>
-              </a:ext>
-            </a:extLst>
-          </p:cNvPr>
-          <p:cNvSpPr>
-            <a:spLocks noGrp="1" noRot="1" noChangeAspect="1" noMove="1" noResize="1" noEditPoints="1" noAdjustHandles="1" noChangeArrowheads="1" noChangeShapeType="1" noTextEdit="1"/>
-          </p:cNvSpPr>
-          <p:nvPr>
-            <p:extLst>
-              <p:ext uri="{386F3935-93C4-4BCD-93E2-E3B085C9AB24}">
-                <p16:designElem xmlns:p16="http://schemas.microsoft.com/office/powerpoint/2015/main" val="1"/>
-              </p:ext>
-            </p:extLst>
-          </p:nvPr>
-        </p:nvSpPr>
-        <p:spPr>
-          <a:xfrm>
-            <a:off x="484096" y="470925"/>
-            <a:ext cx="4381009" cy="5892104"/>
-          </a:xfrm>
-          <a:custGeom>
-            <a:avLst/>
-            <a:gdLst>
-              <a:gd name="connsiteX0" fmla="*/ 0 w 4381009"/>
-              <a:gd name="connsiteY0" fmla="*/ 0 h 5892104"/>
-              <a:gd name="connsiteX1" fmla="*/ 4157628 w 4381009"/>
-              <a:gd name="connsiteY1" fmla="*/ 0 h 5892104"/>
-              <a:gd name="connsiteX2" fmla="*/ 4169302 w 4381009"/>
-              <a:gd name="connsiteY2" fmla="*/ 68659 h 5892104"/>
-              <a:gd name="connsiteX3" fmla="*/ 4191571 w 4381009"/>
-              <a:gd name="connsiteY3" fmla="*/ 205472 h 5892104"/>
-              <a:gd name="connsiteX4" fmla="*/ 4213368 w 4381009"/>
-              <a:gd name="connsiteY4" fmla="*/ 342890 h 5892104"/>
-              <a:gd name="connsiteX5" fmla="*/ 4232030 w 4381009"/>
-              <a:gd name="connsiteY5" fmla="*/ 480913 h 5892104"/>
-              <a:gd name="connsiteX6" fmla="*/ 4250848 w 4381009"/>
-              <a:gd name="connsiteY6" fmla="*/ 618332 h 5892104"/>
-              <a:gd name="connsiteX7" fmla="*/ 4268412 w 4381009"/>
-              <a:gd name="connsiteY7" fmla="*/ 756355 h 5892104"/>
-              <a:gd name="connsiteX8" fmla="*/ 4283467 w 4381009"/>
-              <a:gd name="connsiteY8" fmla="*/ 892563 h 5892104"/>
-              <a:gd name="connsiteX9" fmla="*/ 4297737 w 4381009"/>
-              <a:gd name="connsiteY9" fmla="*/ 1030587 h 5892104"/>
-              <a:gd name="connsiteX10" fmla="*/ 4310754 w 4381009"/>
-              <a:gd name="connsiteY10" fmla="*/ 1168005 h 5892104"/>
-              <a:gd name="connsiteX11" fmla="*/ 4322045 w 4381009"/>
-              <a:gd name="connsiteY11" fmla="*/ 1303002 h 5892104"/>
-              <a:gd name="connsiteX12" fmla="*/ 4333336 w 4381009"/>
-              <a:gd name="connsiteY12" fmla="*/ 1439815 h 5892104"/>
-              <a:gd name="connsiteX13" fmla="*/ 4342745 w 4381009"/>
-              <a:gd name="connsiteY13" fmla="*/ 1574812 h 5892104"/>
-              <a:gd name="connsiteX14" fmla="*/ 4350115 w 4381009"/>
-              <a:gd name="connsiteY14" fmla="*/ 1709808 h 5892104"/>
-              <a:gd name="connsiteX15" fmla="*/ 4357799 w 4381009"/>
-              <a:gd name="connsiteY15" fmla="*/ 1844200 h 5892104"/>
-              <a:gd name="connsiteX16" fmla="*/ 4364229 w 4381009"/>
-              <a:gd name="connsiteY16" fmla="*/ 1977381 h 5892104"/>
-              <a:gd name="connsiteX17" fmla="*/ 4368777 w 4381009"/>
-              <a:gd name="connsiteY17" fmla="*/ 2109351 h 5892104"/>
-              <a:gd name="connsiteX18" fmla="*/ 4372697 w 4381009"/>
-              <a:gd name="connsiteY18" fmla="*/ 2241321 h 5892104"/>
-              <a:gd name="connsiteX19" fmla="*/ 4376461 w 4381009"/>
-              <a:gd name="connsiteY19" fmla="*/ 2372080 h 5892104"/>
-              <a:gd name="connsiteX20" fmla="*/ 4378186 w 4381009"/>
-              <a:gd name="connsiteY20" fmla="*/ 2501023 h 5892104"/>
-              <a:gd name="connsiteX21" fmla="*/ 4380068 w 4381009"/>
-              <a:gd name="connsiteY21" fmla="*/ 2629966 h 5892104"/>
-              <a:gd name="connsiteX22" fmla="*/ 4381009 w 4381009"/>
-              <a:gd name="connsiteY22" fmla="*/ 2757093 h 5892104"/>
-              <a:gd name="connsiteX23" fmla="*/ 4380068 w 4381009"/>
-              <a:gd name="connsiteY23" fmla="*/ 2883010 h 5892104"/>
-              <a:gd name="connsiteX24" fmla="*/ 4380068 w 4381009"/>
-              <a:gd name="connsiteY24" fmla="*/ 3007715 h 5892104"/>
-              <a:gd name="connsiteX25" fmla="*/ 4378186 w 4381009"/>
-              <a:gd name="connsiteY25" fmla="*/ 3131210 h 5892104"/>
-              <a:gd name="connsiteX26" fmla="*/ 4375363 w 4381009"/>
-              <a:gd name="connsiteY26" fmla="*/ 3252283 h 5892104"/>
-              <a:gd name="connsiteX27" fmla="*/ 4372697 w 4381009"/>
-              <a:gd name="connsiteY27" fmla="*/ 3372146 h 5892104"/>
-              <a:gd name="connsiteX28" fmla="*/ 4369718 w 4381009"/>
-              <a:gd name="connsiteY28" fmla="*/ 3489587 h 5892104"/>
-              <a:gd name="connsiteX29" fmla="*/ 4365170 w 4381009"/>
-              <a:gd name="connsiteY29" fmla="*/ 3606423 h 5892104"/>
-              <a:gd name="connsiteX30" fmla="*/ 4360309 w 4381009"/>
-              <a:gd name="connsiteY30" fmla="*/ 3721443 h 5892104"/>
-              <a:gd name="connsiteX31" fmla="*/ 4355918 w 4381009"/>
-              <a:gd name="connsiteY31" fmla="*/ 3834041 h 5892104"/>
-              <a:gd name="connsiteX32" fmla="*/ 4343529 w 4381009"/>
-              <a:gd name="connsiteY32" fmla="*/ 4053789 h 5892104"/>
-              <a:gd name="connsiteX33" fmla="*/ 4330356 w 4381009"/>
-              <a:gd name="connsiteY33" fmla="*/ 4264457 h 5892104"/>
-              <a:gd name="connsiteX34" fmla="*/ 4316556 w 4381009"/>
-              <a:gd name="connsiteY34" fmla="*/ 4466650 h 5892104"/>
-              <a:gd name="connsiteX35" fmla="*/ 4301344 w 4381009"/>
-              <a:gd name="connsiteY35" fmla="*/ 4657946 h 5892104"/>
-              <a:gd name="connsiteX36" fmla="*/ 4285506 w 4381009"/>
-              <a:gd name="connsiteY36" fmla="*/ 4840767 h 5892104"/>
-              <a:gd name="connsiteX37" fmla="*/ 4268412 w 4381009"/>
-              <a:gd name="connsiteY37" fmla="*/ 5010269 h 5892104"/>
-              <a:gd name="connsiteX38" fmla="*/ 4251633 w 4381009"/>
-              <a:gd name="connsiteY38" fmla="*/ 5169481 h 5892104"/>
-              <a:gd name="connsiteX39" fmla="*/ 4234853 w 4381009"/>
-              <a:gd name="connsiteY39" fmla="*/ 5315980 h 5892104"/>
-              <a:gd name="connsiteX40" fmla="*/ 4219014 w 4381009"/>
-              <a:gd name="connsiteY40" fmla="*/ 5450371 h 5892104"/>
-              <a:gd name="connsiteX41" fmla="*/ 4203959 w 4381009"/>
-              <a:gd name="connsiteY41" fmla="*/ 5569628 h 5892104"/>
-              <a:gd name="connsiteX42" fmla="*/ 4189689 w 4381009"/>
-              <a:gd name="connsiteY42" fmla="*/ 5677384 h 5892104"/>
-              <a:gd name="connsiteX43" fmla="*/ 4177770 w 4381009"/>
-              <a:gd name="connsiteY43" fmla="*/ 5768189 h 5892104"/>
-              <a:gd name="connsiteX44" fmla="*/ 4166479 w 4381009"/>
-              <a:gd name="connsiteY44" fmla="*/ 5844465 h 5892104"/>
-              <a:gd name="connsiteX45" fmla="*/ 4159132 w 4381009"/>
-              <a:gd name="connsiteY45" fmla="*/ 5892104 h 5892104"/>
-              <a:gd name="connsiteX46" fmla="*/ 0 w 4381009"/>
-              <a:gd name="connsiteY46" fmla="*/ 5892104 h 5892104"/>
-            </a:gdLst>
-            <a:ahLst/>
-            <a:cxnLst>
-              <a:cxn ang="0">
-                <a:pos x="connsiteX0" y="connsiteY0"/>
-              </a:cxn>
-              <a:cxn ang="0">
-                <a:pos x="connsiteX1" y="connsiteY1"/>
-              </a:cxn>
-              <a:cxn ang="0">
-                <a:pos x="connsiteX2" y="connsiteY2"/>
-              </a:cxn>
-              <a:cxn ang="0">
-                <a:pos x="connsiteX3" y="connsiteY3"/>
-              </a:cxn>
-              <a:cxn ang="0">
-                <a:pos x="connsiteX4" y="connsiteY4"/>
-              </a:cxn>
-              <a:cxn ang="0">
-                <a:pos x="connsiteX5" y="connsiteY5"/>
-              </a:cxn>
-              <a:cxn ang="0">
-                <a:pos x="connsiteX6" y="connsiteY6"/>
-              </a:cxn>
-              <a:cxn ang="0">
-                <a:pos x="connsiteX7" y="connsiteY7"/>
-              </a:cxn>
-              <a:cxn ang="0">
-                <a:pos x="connsiteX8" y="connsiteY8"/>
-              </a:cxn>
-              <a:cxn ang="0">
-                <a:pos x="connsiteX9" y="connsiteY9"/>
-              </a:cxn>
-              <a:cxn ang="0">
-                <a:pos x="connsiteX10" y="connsiteY10"/>
-              </a:cxn>
-              <a:cxn ang="0">
-                <a:pos x="connsiteX11" y="connsiteY11"/>
-              </a:cxn>
-              <a:cxn ang="0">
-                <a:pos x="connsiteX12" y="connsiteY12"/>
-              </a:cxn>
-              <a:cxn ang="0">
-                <a:pos x="connsiteX13" y="connsiteY13"/>
-              </a:cxn>
-              <a:cxn ang="0">
-                <a:pos x="connsiteX14" y="connsiteY14"/>
-              </a:cxn>
-              <a:cxn ang="0">
-                <a:pos x="connsiteX15" y="connsiteY15"/>
-              </a:cxn>
-              <a:cxn ang="0">
-                <a:pos x="connsiteX16" y="connsiteY16"/>
-              </a:cxn>
-              <a:cxn ang="0">
-                <a:pos x="connsiteX17" y="connsiteY17"/>
-              </a:cxn>
-              <a:cxn ang="0">
-                <a:pos x="connsiteX18" y="connsiteY18"/>
-              </a:cxn>
-              <a:cxn ang="0">
-                <a:pos x="connsiteX19" y="connsiteY19"/>
-              </a:cxn>
-              <a:cxn ang="0">
-                <a:pos x="connsiteX20" y="connsiteY20"/>
-              </a:cxn>
-              <a:cxn ang="0">
-                <a:pos x="connsiteX21" y="connsiteY21"/>
-              </a:cxn>
-              <a:cxn ang="0">
-                <a:pos x="connsiteX22" y="connsiteY22"/>
-              </a:cxn>
-              <a:cxn ang="0">
-                <a:pos x="connsiteX23" y="connsiteY23"/>
-              </a:cxn>
-              <a:cxn ang="0">
-                <a:pos x="connsiteX24" y="connsiteY24"/>
-              </a:cxn>
-              <a:cxn ang="0">
-                <a:pos x="connsiteX25" y="connsiteY25"/>
-              </a:cxn>
-              <a:cxn ang="0">
-                <a:pos x="connsiteX26" y="connsiteY26"/>
-              </a:cxn>
-              <a:cxn ang="0">
-                <a:pos x="connsiteX27" y="connsiteY27"/>
-              </a:cxn>
-              <a:cxn ang="0">
-                <a:pos x="connsiteX28" y="connsiteY28"/>
-              </a:cxn>
-              <a:cxn ang="0">
-                <a:pos x="connsiteX29" y="connsiteY29"/>
-              </a:cxn>
-              <a:cxn ang="0">
-                <a:pos x="connsiteX30" y="connsiteY30"/>
-              </a:cxn>
-              <a:cxn ang="0">
-                <a:pos x="connsiteX31" y="connsiteY31"/>
-              </a:cxn>
-              <a:cxn ang="0">
-                <a:pos x="connsiteX32" y="connsiteY32"/>
-              </a:cxn>
-              <a:cxn ang="0">
-                <a:pos x="connsiteX33" y="connsiteY33"/>
-              </a:cxn>
-              <a:cxn ang="0">
-                <a:pos x="connsiteX34" y="connsiteY34"/>
-              </a:cxn>
-              <a:cxn ang="0">
-                <a:pos x="connsiteX35" y="connsiteY35"/>
-              </a:cxn>
-              <a:cxn ang="0">
-                <a:pos x="connsiteX36" y="connsiteY36"/>
-              </a:cxn>
-              <a:cxn ang="0">
-                <a:pos x="connsiteX37" y="connsiteY37"/>
-              </a:cxn>
-              <a:cxn ang="0">
-                <a:pos x="connsiteX38" y="connsiteY38"/>
-              </a:cxn>
-              <a:cxn ang="0">
-                <a:pos x="connsiteX39" y="connsiteY39"/>
-              </a:cxn>
-              <a:cxn ang="0">
-                <a:pos x="connsiteX40" y="connsiteY40"/>
-              </a:cxn>
-              <a:cxn ang="0">
-                <a:pos x="connsiteX41" y="connsiteY41"/>
-              </a:cxn>
-              <a:cxn ang="0">
-                <a:pos x="connsiteX42" y="connsiteY42"/>
-              </a:cxn>
-              <a:cxn ang="0">
-                <a:pos x="connsiteX43" y="connsiteY43"/>
-              </a:cxn>
-              <a:cxn ang="0">
-                <a:pos x="connsiteX44" y="connsiteY44"/>
-              </a:cxn>
-              <a:cxn ang="0">
-                <a:pos x="connsiteX45" y="connsiteY45"/>
-              </a:cxn>
-              <a:cxn ang="0">
-                <a:pos x="connsiteX46" y="connsiteY46"/>
-              </a:cxn>
-            </a:cxnLst>
-            <a:rect l="l" t="t" r="r" b="b"/>
-            <a:pathLst>
-              <a:path w="4381009" h="5892104">
-                <a:moveTo>
-                  <a:pt x="0" y="0"/>
-                </a:moveTo>
-                <a:lnTo>
-                  <a:pt x="4157628" y="0"/>
-                </a:lnTo>
-                <a:lnTo>
-                  <a:pt x="4169302" y="68659"/>
-                </a:lnTo>
-                <a:lnTo>
-                  <a:pt x="4191571" y="205472"/>
-                </a:lnTo>
-                <a:lnTo>
-                  <a:pt x="4213368" y="342890"/>
-                </a:lnTo>
-                <a:lnTo>
-                  <a:pt x="4232030" y="480913"/>
-                </a:lnTo>
-                <a:lnTo>
-                  <a:pt x="4250848" y="618332"/>
-                </a:lnTo>
-                <a:lnTo>
-                  <a:pt x="4268412" y="756355"/>
-                </a:lnTo>
-                <a:lnTo>
-                  <a:pt x="4283467" y="892563"/>
-                </a:lnTo>
-                <a:lnTo>
-                  <a:pt x="4297737" y="1030587"/>
-                </a:lnTo>
-                <a:lnTo>
-                  <a:pt x="4310754" y="1168005"/>
-                </a:lnTo>
-                <a:lnTo>
-                  <a:pt x="4322045" y="1303002"/>
-                </a:lnTo>
-                <a:lnTo>
-                  <a:pt x="4333336" y="1439815"/>
-                </a:lnTo>
-                <a:lnTo>
-                  <a:pt x="4342745" y="1574812"/>
-                </a:lnTo>
-                <a:lnTo>
-                  <a:pt x="4350115" y="1709808"/>
-                </a:lnTo>
-                <a:lnTo>
-                  <a:pt x="4357799" y="1844200"/>
-                </a:lnTo>
-                <a:lnTo>
-                  <a:pt x="4364229" y="1977381"/>
-                </a:lnTo>
-                <a:lnTo>
-                  <a:pt x="4368777" y="2109351"/>
-                </a:lnTo>
-                <a:lnTo>
-                  <a:pt x="4372697" y="2241321"/>
-                </a:lnTo>
-                <a:lnTo>
-                  <a:pt x="4376461" y="2372080"/>
-                </a:lnTo>
-                <a:lnTo>
-                  <a:pt x="4378186" y="2501023"/>
-                </a:lnTo>
-                <a:lnTo>
-                  <a:pt x="4380068" y="2629966"/>
-                </a:lnTo>
-                <a:lnTo>
-                  <a:pt x="4381009" y="2757093"/>
-                </a:lnTo>
-                <a:lnTo>
-                  <a:pt x="4380068" y="2883010"/>
-                </a:lnTo>
-                <a:lnTo>
-                  <a:pt x="4380068" y="3007715"/>
-                </a:lnTo>
-                <a:lnTo>
-                  <a:pt x="4378186" y="3131210"/>
-                </a:lnTo>
-                <a:lnTo>
-                  <a:pt x="4375363" y="3252283"/>
-                </a:lnTo>
-                <a:lnTo>
-                  <a:pt x="4372697" y="3372146"/>
-                </a:lnTo>
-                <a:lnTo>
-                  <a:pt x="4369718" y="3489587"/>
-                </a:lnTo>
-                <a:lnTo>
-                  <a:pt x="4365170" y="3606423"/>
-                </a:lnTo>
-                <a:lnTo>
-                  <a:pt x="4360309" y="3721443"/>
-                </a:lnTo>
-                <a:lnTo>
-                  <a:pt x="4355918" y="3834041"/>
-                </a:lnTo>
-                <a:lnTo>
-                  <a:pt x="4343529" y="4053789"/>
-                </a:lnTo>
-                <a:lnTo>
-                  <a:pt x="4330356" y="4264457"/>
-                </a:lnTo>
-                <a:lnTo>
-                  <a:pt x="4316556" y="4466650"/>
-                </a:lnTo>
-                <a:lnTo>
-                  <a:pt x="4301344" y="4657946"/>
-                </a:lnTo>
-                <a:lnTo>
-                  <a:pt x="4285506" y="4840767"/>
-                </a:lnTo>
-                <a:lnTo>
-                  <a:pt x="4268412" y="5010269"/>
-                </a:lnTo>
-                <a:lnTo>
-                  <a:pt x="4251633" y="5169481"/>
-                </a:lnTo>
-                <a:lnTo>
-                  <a:pt x="4234853" y="5315980"/>
-                </a:lnTo>
-                <a:lnTo>
-                  <a:pt x="4219014" y="5450371"/>
-                </a:lnTo>
-                <a:lnTo>
-                  <a:pt x="4203959" y="5569628"/>
-                </a:lnTo>
-                <a:lnTo>
-                  <a:pt x="4189689" y="5677384"/>
-                </a:lnTo>
-                <a:lnTo>
-                  <a:pt x="4177770" y="5768189"/>
-                </a:lnTo>
-                <a:lnTo>
-                  <a:pt x="4166479" y="5844465"/>
-                </a:lnTo>
-                <a:lnTo>
-                  <a:pt x="4159132" y="5892104"/>
-                </a:lnTo>
-                <a:lnTo>
-                  <a:pt x="0" y="5892104"/>
-                </a:lnTo>
-                <a:close/>
-              </a:path>
-            </a:pathLst>
-          </a:custGeom>
-          <a:solidFill>
-            <a:srgbClr val="404040"/>
-          </a:solidFill>
-          <a:ln>
-            <a:noFill/>
-          </a:ln>
-        </p:spPr>
-        <p:style>
-          <a:lnRef idx="2">
-            <a:schemeClr val="accent1">
-              <a:shade val="50000"/>
-            </a:schemeClr>
-          </a:lnRef>
-          <a:fillRef idx="1">
-            <a:schemeClr val="accent1"/>
-          </a:fillRef>
-          <a:effectRef idx="0">
-            <a:schemeClr val="accent1"/>
-          </a:effectRef>
-          <a:fontRef idx="minor">
-            <a:schemeClr val="lt1"/>
-          </a:fontRef>
-        </p:style>
-        <p:txBody>
-          <a:bodyPr wrap="square" rtlCol="0" anchor="ctr">
-            <a:noAutofit/>
-          </a:bodyPr>
-          <a:lstStyle/>
-          <a:p>
-            <a:pPr marL="0" marR="0" lvl="0" indent="0" algn="ctr" defTabSz="457200" rtl="0" eaLnBrk="1" fontAlgn="auto" latinLnBrk="0" hangingPunct="1">
-              <a:lnSpc>
-                <a:spcPct val="100000"/>
-              </a:lnSpc>
-              <a:spcBef>
-                <a:spcPts val="0"/>
-              </a:spcBef>
-              <a:spcAft>
-                <a:spcPts val="0"/>
-              </a:spcAft>
-              <a:buClrTx/>
-              <a:buSzTx/>
-              <a:buFontTx/>
-              <a:buNone/>
-              <a:tabLst/>
-              <a:defRPr/>
-            </a:pPr>
-            <a:endParaRPr kumimoji="0" lang="en-US" sz="1800" b="0" i="0" u="none" strike="noStrike" kern="1200" cap="none" spc="0" normalizeH="0" baseline="0" noProof="0">
-              <a:ln>
-                <a:noFill/>
-              </a:ln>
-              <a:solidFill>
-                <a:prstClr val="white"/>
-              </a:solidFill>
-              <a:effectLst/>
-              <a:uLnTx/>
-              <a:uFillTx/>
-              <a:latin typeface="Calibri" panose="020F0502020204030204"/>
-              <a:ea typeface="+mn-ea"/>
-              <a:cs typeface="+mn-cs"/>
-            </a:endParaRPr>
-          </a:p>
-        </p:txBody>
-      </p:sp>
-      <p:sp>
-        <p:nvSpPr>
-          <p:cNvPr id="2" name="Title 1">
-            <a:extLst>
-              <a:ext uri="{FF2B5EF4-FFF2-40B4-BE49-F238E27FC236}">
-                <a16:creationId xmlns:a16="http://schemas.microsoft.com/office/drawing/2014/main" id="{154B20ED-D2F8-4A55-8E20-330DFD1730EF}"/>
-              </a:ext>
-            </a:extLst>
-          </p:cNvPr>
-          <p:cNvSpPr>
-            <a:spLocks noGrp="1"/>
-          </p:cNvSpPr>
-          <p:nvPr>
-            <p:ph type="title"/>
-          </p:nvPr>
-        </p:nvSpPr>
-        <p:spPr>
-          <a:xfrm>
-            <a:off x="863029" y="1012004"/>
-            <a:ext cx="3416158" cy="4795408"/>
-          </a:xfrm>
-        </p:spPr>
-        <p:txBody>
-          <a:bodyPr>
-            <a:normAutofit/>
-          </a:bodyPr>
-          <a:lstStyle/>
-          <a:p>
-            <a:r>
-              <a:rPr lang="en-GB" sz="4100" dirty="0">
-                <a:solidFill>
-                  <a:srgbClr val="FFFFFF"/>
-                </a:solidFill>
-              </a:rPr>
-              <a:t>Our Approach</a:t>
-            </a:r>
-            <a:endParaRPr lang="fr-CH" sz="4100" dirty="0">
-              <a:solidFill>
-                <a:srgbClr val="FFFFFF"/>
-              </a:solidFill>
-            </a:endParaRPr>
-          </a:p>
-        </p:txBody>
-      </p:sp>
-      <p:graphicFrame>
-        <p:nvGraphicFramePr>
-          <p:cNvPr id="6" name="Diagram 3">
-            <a:extLst>
-              <a:ext uri="{FF2B5EF4-FFF2-40B4-BE49-F238E27FC236}">
-                <a16:creationId xmlns:a16="http://schemas.microsoft.com/office/drawing/2014/main" id="{B897AB65-2A1C-8747-A158-F210E785361E}"/>
+                <a16:creationId xmlns:a16="http://schemas.microsoft.com/office/drawing/2014/main" id="{F50B8853-28F9-A24A-9FE4-243195DDCDC3}"/>
               </a:ext>
             </a:extLst>
           </p:cNvPr>
@@ -13615,35 +12971,46 @@
           <p:nvPr>
             <p:extLst>
               <p:ext uri="{D42A27DB-BD31-4B8C-83A1-F6EECF244321}">
-                <p14:modId xmlns:p14="http://schemas.microsoft.com/office/powerpoint/2010/main" val="1976938178"/>
+                <p14:modId xmlns:p14="http://schemas.microsoft.com/office/powerpoint/2010/main" val="3699023547"/>
               </p:ext>
             </p:extLst>
           </p:nvPr>
         </p:nvGraphicFramePr>
         <p:xfrm>
-          <a:off x="4145049" y="621160"/>
-          <a:ext cx="3922928" cy="5423505"/>
+          <a:off x="1657820" y="-91440"/>
+          <a:ext cx="5604371" cy="6949440"/>
         </p:xfrm>
         <a:graphic>
           <a:graphicData uri="http://schemas.openxmlformats.org/drawingml/2006/diagram">
-            <dgm:relIds xmlns:dgm="http://schemas.openxmlformats.org/drawingml/2006/diagram" xmlns:r="http://schemas.openxmlformats.org/officeDocument/2006/relationships" r:dm="rId3" r:lo="rId4" r:qs="rId5" r:cs="rId6"/>
+            <dgm:relIds xmlns:dgm="http://schemas.openxmlformats.org/drawingml/2006/diagram" xmlns:r="http://schemas.openxmlformats.org/officeDocument/2006/relationships" r:dm="rId2" r:lo="rId3" r:qs="rId4" r:cs="rId5"/>
           </a:graphicData>
         </a:graphic>
       </p:graphicFrame>
       <p:sp>
         <p:nvSpPr>
-          <p:cNvPr id="5" name="Abgerundetes Rechteck 4"/>
+          <p:cNvPr id="5" name="Abgerundetes Rechteck 4">
+            <a:extLst>
+              <a:ext uri="{FF2B5EF4-FFF2-40B4-BE49-F238E27FC236}">
+                <a16:creationId xmlns:a16="http://schemas.microsoft.com/office/drawing/2014/main" id="{E9575E1F-F8D5-9142-8CDF-3ADC7A18D393}"/>
+              </a:ext>
+            </a:extLst>
+          </p:cNvPr>
           <p:cNvSpPr/>
           <p:nvPr/>
         </p:nvSpPr>
         <p:spPr>
           <a:xfrm>
-            <a:off x="10136435" y="1012004"/>
-            <a:ext cx="1921742" cy="5032661"/>
+            <a:off x="9515061" y="456386"/>
+            <a:ext cx="2496470" cy="6235961"/>
           </a:xfrm>
           <a:prstGeom prst="roundRect">
             <a:avLst/>
           </a:prstGeom>
+          <a:solidFill>
+            <a:schemeClr val="accent6">
+              <a:lumMod val="75000"/>
+            </a:schemeClr>
+          </a:solidFill>
         </p:spPr>
         <p:style>
           <a:lnRef idx="2">
@@ -13667,8 +13034,8 @@
           <a:p>
             <a:pPr algn="ctr"/>
             <a:r>
-              <a:rPr lang="de-CH" sz="2000" dirty="0" err="1"/>
-              <a:t>Deliverables</a:t>
+              <a:rPr lang="de-CH" sz="2000" dirty="0"/>
+              <a:t>DELIVERABLES</a:t>
             </a:r>
             <a:endParaRPr lang="de-CH" sz="1400" dirty="0"/>
           </a:p>
@@ -13676,18 +13043,232 @@
       </p:sp>
       <p:sp>
         <p:nvSpPr>
-          <p:cNvPr id="8" name="Rechteck 7"/>
+          <p:cNvPr id="6" name="Textfeld 8">
+            <a:extLst>
+              <a:ext uri="{FF2B5EF4-FFF2-40B4-BE49-F238E27FC236}">
+                <a16:creationId xmlns:a16="http://schemas.microsoft.com/office/drawing/2014/main" id="{CA880DA7-4BBA-6241-88CC-FD19D405B00E}"/>
+              </a:ext>
+            </a:extLst>
+          </p:cNvPr>
+          <p:cNvSpPr txBox="1"/>
+          <p:nvPr/>
+        </p:nvSpPr>
+        <p:spPr>
+          <a:xfrm>
+            <a:off x="6417516" y="1076918"/>
+            <a:ext cx="2704780" cy="1138773"/>
+          </a:xfrm>
+          <a:prstGeom prst="rect">
+            <a:avLst/>
+          </a:prstGeom>
+          <a:noFill/>
+        </p:spPr>
+        <p:txBody>
+          <a:bodyPr wrap="square" rtlCol="0">
+            <a:spAutoFit/>
+          </a:bodyPr>
+          <a:lstStyle/>
+          <a:p>
+            <a:r>
+              <a:rPr lang="de-CH" sz="2000" b="1" dirty="0"/>
+              <a:t>Interview 1</a:t>
+            </a:r>
+          </a:p>
+          <a:p>
+            <a:pPr marL="285750" indent="-285750">
+              <a:buFont typeface="Arial" panose="020B0604020202020204" pitchFamily="34" charset="0"/>
+              <a:buChar char="•"/>
+            </a:pPr>
+            <a:r>
+              <a:rPr lang="de-CH" sz="1600" dirty="0"/>
+              <a:t>6 </a:t>
+            </a:r>
+            <a:r>
+              <a:rPr lang="de-CH" sz="1600" dirty="0" err="1"/>
+              <a:t>Interviewees</a:t>
+            </a:r>
+            <a:endParaRPr lang="de-CH" sz="1600" dirty="0"/>
+          </a:p>
+          <a:p>
+            <a:pPr marL="285750" indent="-285750">
+              <a:buFont typeface="Arial" panose="020B0604020202020204" pitchFamily="34" charset="0"/>
+              <a:buChar char="•"/>
+            </a:pPr>
+            <a:r>
+              <a:rPr lang="en-US" sz="1600" dirty="0"/>
+              <a:t>Why not satisfied?</a:t>
+            </a:r>
+          </a:p>
+          <a:p>
+            <a:pPr marL="285750" indent="-285750">
+              <a:buFont typeface="Arial" panose="020B0604020202020204" pitchFamily="34" charset="0"/>
+              <a:buChar char="•"/>
+            </a:pPr>
+            <a:r>
+              <a:rPr lang="en-US" sz="1600" dirty="0"/>
+              <a:t>What information needed?</a:t>
+            </a:r>
+            <a:endParaRPr lang="de-CH" sz="1600" dirty="0"/>
+          </a:p>
+        </p:txBody>
+      </p:sp>
+      <p:sp>
+        <p:nvSpPr>
+          <p:cNvPr id="7" name="Textfeld 12">
+            <a:extLst>
+              <a:ext uri="{FF2B5EF4-FFF2-40B4-BE49-F238E27FC236}">
+                <a16:creationId xmlns:a16="http://schemas.microsoft.com/office/drawing/2014/main" id="{B3C73895-F435-F44D-9D52-CD064E4A9873}"/>
+              </a:ext>
+            </a:extLst>
+          </p:cNvPr>
+          <p:cNvSpPr txBox="1"/>
+          <p:nvPr/>
+        </p:nvSpPr>
+        <p:spPr>
+          <a:xfrm>
+            <a:off x="6417516" y="2971246"/>
+            <a:ext cx="2659110" cy="1446550"/>
+          </a:xfrm>
+          <a:prstGeom prst="rect">
+            <a:avLst/>
+          </a:prstGeom>
+          <a:noFill/>
+        </p:spPr>
+        <p:txBody>
+          <a:bodyPr wrap="square" rtlCol="0">
+            <a:spAutoFit/>
+          </a:bodyPr>
+          <a:lstStyle/>
+          <a:p>
+            <a:r>
+              <a:rPr lang="de-CH" sz="2000" b="1" dirty="0"/>
+              <a:t>Interview 2</a:t>
+            </a:r>
+          </a:p>
+          <a:p>
+            <a:pPr marL="285750" indent="-285750">
+              <a:buFont typeface="Arial" panose="020B0604020202020204" pitchFamily="34" charset="0"/>
+              <a:buChar char="•"/>
+            </a:pPr>
+            <a:r>
+              <a:rPr lang="de-CH" sz="1600" dirty="0"/>
+              <a:t>6 </a:t>
+            </a:r>
+            <a:r>
+              <a:rPr lang="de-CH" sz="1600" dirty="0" err="1"/>
+              <a:t>Interviewees</a:t>
+            </a:r>
+            <a:r>
+              <a:rPr lang="de-CH" sz="1600" dirty="0"/>
+              <a:t> + 1 </a:t>
+            </a:r>
+            <a:r>
+              <a:rPr lang="de-CH" sz="1600" dirty="0" err="1"/>
+              <a:t>Advisor</a:t>
+            </a:r>
+            <a:endParaRPr lang="de-CH" sz="1600" dirty="0"/>
+          </a:p>
+          <a:p>
+            <a:pPr marL="285750" indent="-285750">
+              <a:buFont typeface="Arial" panose="020B0604020202020204" pitchFamily="34" charset="0"/>
+              <a:buChar char="•"/>
+            </a:pPr>
+            <a:r>
+              <a:rPr lang="en-US" sz="1600" dirty="0"/>
+              <a:t>Which channel to deliver information?</a:t>
+            </a:r>
+            <a:endParaRPr lang="de-CH" sz="1600" dirty="0"/>
+          </a:p>
+          <a:p>
+            <a:endParaRPr lang="de-CH" sz="2000" dirty="0"/>
+          </a:p>
+        </p:txBody>
+      </p:sp>
+      <p:sp>
+        <p:nvSpPr>
+          <p:cNvPr id="8" name="Textfeld 14">
+            <a:extLst>
+              <a:ext uri="{FF2B5EF4-FFF2-40B4-BE49-F238E27FC236}">
+                <a16:creationId xmlns:a16="http://schemas.microsoft.com/office/drawing/2014/main" id="{FAD9A3DC-3D2E-B841-BEDD-005BAFA210CC}"/>
+              </a:ext>
+            </a:extLst>
+          </p:cNvPr>
+          <p:cNvSpPr txBox="1"/>
+          <p:nvPr/>
+        </p:nvSpPr>
+        <p:spPr>
+          <a:xfrm>
+            <a:off x="6417516" y="4903990"/>
+            <a:ext cx="2970145" cy="1138773"/>
+          </a:xfrm>
+          <a:prstGeom prst="rect">
+            <a:avLst/>
+          </a:prstGeom>
+          <a:noFill/>
+        </p:spPr>
+        <p:txBody>
+          <a:bodyPr wrap="square" rtlCol="0">
+            <a:spAutoFit/>
+          </a:bodyPr>
+          <a:lstStyle/>
+          <a:p>
+            <a:r>
+              <a:rPr lang="de-CH" sz="2000" b="1" dirty="0"/>
+              <a:t>Interview 3 &amp; </a:t>
+            </a:r>
+            <a:r>
+              <a:rPr lang="de-CH" sz="2000" b="1" dirty="0" err="1"/>
+              <a:t>Prototypes</a:t>
+            </a:r>
+            <a:endParaRPr lang="de-CH" sz="2000" b="1" dirty="0"/>
+          </a:p>
+          <a:p>
+            <a:pPr marL="285750" indent="-285750">
+              <a:buFont typeface="Arial" panose="020B0604020202020204" pitchFamily="34" charset="0"/>
+              <a:buChar char="•"/>
+            </a:pPr>
+            <a:r>
+              <a:rPr lang="de-CH" sz="1600" dirty="0"/>
+              <a:t>4 Tests</a:t>
+            </a:r>
+          </a:p>
+          <a:p>
+            <a:pPr marL="285750" indent="-285750">
+              <a:buFont typeface="Arial" panose="020B0604020202020204" pitchFamily="34" charset="0"/>
+              <a:buChar char="•"/>
+            </a:pPr>
+            <a:r>
+              <a:rPr lang="en-US" sz="1600" dirty="0"/>
+              <a:t>Is this what you are looking for?</a:t>
+            </a:r>
+          </a:p>
+        </p:txBody>
+      </p:sp>
+      <p:sp>
+        <p:nvSpPr>
+          <p:cNvPr id="9" name="Rechteck 7">
+            <a:extLst>
+              <a:ext uri="{FF2B5EF4-FFF2-40B4-BE49-F238E27FC236}">
+                <a16:creationId xmlns:a16="http://schemas.microsoft.com/office/drawing/2014/main" id="{32D15ABE-C925-C940-8A1B-9CDE0467F3F3}"/>
+              </a:ext>
+            </a:extLst>
+          </p:cNvPr>
           <p:cNvSpPr/>
           <p:nvPr/>
         </p:nvSpPr>
         <p:spPr>
           <a:xfrm>
-            <a:off x="10198760" y="1625876"/>
+            <a:off x="9813458" y="1121372"/>
             <a:ext cx="1809549" cy="1049867"/>
           </a:xfrm>
           <a:prstGeom prst="rect">
             <a:avLst/>
           </a:prstGeom>
+          <a:solidFill>
+            <a:schemeClr val="bg2">
+              <a:lumMod val="25000"/>
+            </a:schemeClr>
+          </a:solidFill>
         </p:spPr>
         <p:style>
           <a:lnRef idx="2">
@@ -13739,18 +13320,29 @@
       </p:sp>
       <p:sp>
         <p:nvSpPr>
-          <p:cNvPr id="10" name="Rechteck 9"/>
+          <p:cNvPr id="10" name="Rechteck 9">
+            <a:extLst>
+              <a:ext uri="{FF2B5EF4-FFF2-40B4-BE49-F238E27FC236}">
+                <a16:creationId xmlns:a16="http://schemas.microsoft.com/office/drawing/2014/main" id="{E311041E-E056-1747-972A-3C36E9F88A2B}"/>
+              </a:ext>
+            </a:extLst>
+          </p:cNvPr>
           <p:cNvSpPr/>
           <p:nvPr/>
         </p:nvSpPr>
         <p:spPr>
           <a:xfrm>
-            <a:off x="10192531" y="2904014"/>
+            <a:off x="9858521" y="2864604"/>
             <a:ext cx="1809549" cy="1305293"/>
           </a:xfrm>
           <a:prstGeom prst="rect">
             <a:avLst/>
           </a:prstGeom>
+          <a:solidFill>
+            <a:schemeClr val="bg2">
+              <a:lumMod val="25000"/>
+            </a:schemeClr>
+          </a:solidFill>
         </p:spPr>
         <p:style>
           <a:lnRef idx="2">
@@ -13815,18 +13407,29 @@
       </p:sp>
       <p:sp>
         <p:nvSpPr>
-          <p:cNvPr id="11" name="Rechteck 10"/>
+          <p:cNvPr id="11" name="Rechteck 10">
+            <a:extLst>
+              <a:ext uri="{FF2B5EF4-FFF2-40B4-BE49-F238E27FC236}">
+                <a16:creationId xmlns:a16="http://schemas.microsoft.com/office/drawing/2014/main" id="{977D3443-1880-F747-AFF8-1976A0377457}"/>
+              </a:ext>
+            </a:extLst>
+          </p:cNvPr>
           <p:cNvSpPr/>
           <p:nvPr/>
         </p:nvSpPr>
         <p:spPr>
           <a:xfrm>
-            <a:off x="10201982" y="4407938"/>
+            <a:off x="9858521" y="4820731"/>
             <a:ext cx="1809549" cy="1305293"/>
           </a:xfrm>
           <a:prstGeom prst="rect">
             <a:avLst/>
           </a:prstGeom>
+          <a:solidFill>
+            <a:schemeClr val="bg2">
+              <a:lumMod val="25000"/>
+            </a:schemeClr>
+          </a:solidFill>
         </p:spPr>
         <p:style>
           <a:lnRef idx="2">
@@ -13858,187 +13461,61 @@
       </p:sp>
       <p:sp>
         <p:nvSpPr>
-          <p:cNvPr id="9" name="Textfeld 8"/>
-          <p:cNvSpPr txBox="1"/>
+          <p:cNvPr id="12" name="Rectangle 11">
+            <a:extLst>
+              <a:ext uri="{FF2B5EF4-FFF2-40B4-BE49-F238E27FC236}">
+                <a16:creationId xmlns:a16="http://schemas.microsoft.com/office/drawing/2014/main" id="{7DCB303C-39BC-D64B-8FEB-FB17FBAD1C71}"/>
+              </a:ext>
+            </a:extLst>
+          </p:cNvPr>
+          <p:cNvSpPr/>
           <p:nvPr/>
         </p:nvSpPr>
         <p:spPr>
           <a:xfrm>
-            <a:off x="7274957" y="698720"/>
-            <a:ext cx="2704780" cy="1138773"/>
+            <a:off x="132522" y="456387"/>
+            <a:ext cx="2531165" cy="6235961"/>
           </a:xfrm>
           <a:prstGeom prst="rect">
             <a:avLst/>
           </a:prstGeom>
-          <a:noFill/>
+          <a:solidFill>
+            <a:schemeClr val="bg2">
+              <a:lumMod val="25000"/>
+            </a:schemeClr>
+          </a:solidFill>
         </p:spPr>
+        <p:style>
+          <a:lnRef idx="2">
+            <a:schemeClr val="accent1">
+              <a:shade val="50000"/>
+            </a:schemeClr>
+          </a:lnRef>
+          <a:fillRef idx="1">
+            <a:schemeClr val="accent1"/>
+          </a:fillRef>
+          <a:effectRef idx="0">
+            <a:schemeClr val="accent1"/>
+          </a:effectRef>
+          <a:fontRef idx="minor">
+            <a:schemeClr val="lt1"/>
+          </a:fontRef>
+        </p:style>
         <p:txBody>
-          <a:bodyPr wrap="square" rtlCol="0">
-            <a:spAutoFit/>
-          </a:bodyPr>
+          <a:bodyPr rtlCol="0" anchor="ctr"/>
           <a:lstStyle/>
           <a:p>
-            <a:r>
-              <a:rPr lang="de-CH" sz="2000" dirty="0"/>
-              <a:t>Interview 1</a:t>
-            </a:r>
-          </a:p>
-          <a:p>
-            <a:pPr marL="285750" indent="-285750">
-              <a:buFont typeface="Arial" panose="020B0604020202020204" pitchFamily="34" charset="0"/>
-              <a:buChar char="•"/>
-            </a:pPr>
-            <a:r>
-              <a:rPr lang="de-CH" sz="1600" dirty="0"/>
-              <a:t>6 </a:t>
-            </a:r>
-            <a:r>
-              <a:rPr lang="de-CH" sz="1600" dirty="0" err="1"/>
-              <a:t>Interviewees</a:t>
-            </a:r>
-            <a:endParaRPr lang="de-CH" sz="1600" dirty="0"/>
-          </a:p>
-          <a:p>
-            <a:pPr marL="285750" indent="-285750">
-              <a:buFont typeface="Arial" panose="020B0604020202020204" pitchFamily="34" charset="0"/>
-              <a:buChar char="•"/>
-            </a:pPr>
-            <a:r>
-              <a:rPr lang="en-US" sz="1600" dirty="0"/>
-              <a:t>Why not satisfied?</a:t>
-            </a:r>
-          </a:p>
-          <a:p>
-            <a:pPr marL="285750" indent="-285750">
-              <a:buFont typeface="Arial" panose="020B0604020202020204" pitchFamily="34" charset="0"/>
-              <a:buChar char="•"/>
-            </a:pPr>
-            <a:r>
-              <a:rPr lang="en-US" sz="1600" dirty="0"/>
-              <a:t>What information needed?</a:t>
-            </a:r>
-            <a:endParaRPr lang="de-CH" sz="1600" dirty="0"/>
-          </a:p>
-        </p:txBody>
-      </p:sp>
-      <p:sp>
-        <p:nvSpPr>
-          <p:cNvPr id="13" name="Textfeld 12"/>
-          <p:cNvSpPr txBox="1"/>
-          <p:nvPr/>
-        </p:nvSpPr>
-        <p:spPr>
-          <a:xfrm>
-            <a:off x="7274957" y="3053826"/>
-            <a:ext cx="2659110" cy="1446550"/>
-          </a:xfrm>
-          <a:prstGeom prst="rect">
-            <a:avLst/>
-          </a:prstGeom>
-          <a:noFill/>
-        </p:spPr>
-        <p:txBody>
-          <a:bodyPr wrap="square" rtlCol="0">
-            <a:spAutoFit/>
-          </a:bodyPr>
-          <a:lstStyle/>
-          <a:p>
-            <a:r>
-              <a:rPr lang="de-CH" sz="2000" dirty="0"/>
-              <a:t>Interview 2</a:t>
-            </a:r>
-          </a:p>
-          <a:p>
-            <a:pPr marL="285750" indent="-285750">
-              <a:buFont typeface="Arial" panose="020B0604020202020204" pitchFamily="34" charset="0"/>
-              <a:buChar char="•"/>
-            </a:pPr>
-            <a:r>
-              <a:rPr lang="de-CH" sz="1600" dirty="0"/>
-              <a:t>6 </a:t>
-            </a:r>
-            <a:r>
-              <a:rPr lang="de-CH" sz="1600" dirty="0" err="1"/>
-              <a:t>Interviewees</a:t>
-            </a:r>
-            <a:endParaRPr lang="de-CH" sz="1600" dirty="0"/>
-          </a:p>
-          <a:p>
-            <a:pPr marL="285750" indent="-285750">
-              <a:buFont typeface="Arial" panose="020B0604020202020204" pitchFamily="34" charset="0"/>
-              <a:buChar char="•"/>
-            </a:pPr>
-            <a:r>
-              <a:rPr lang="en-US" sz="1600" dirty="0"/>
-              <a:t>Which channel to deliver information?</a:t>
-            </a:r>
-            <a:endParaRPr lang="de-CH" sz="1600" dirty="0"/>
-          </a:p>
-          <a:p>
-            <a:endParaRPr lang="de-CH" sz="2000" dirty="0"/>
-          </a:p>
-        </p:txBody>
-      </p:sp>
-      <p:sp>
-        <p:nvSpPr>
-          <p:cNvPr id="15" name="Textfeld 14"/>
-          <p:cNvSpPr txBox="1"/>
-          <p:nvPr/>
-        </p:nvSpPr>
-        <p:spPr>
-          <a:xfrm>
-            <a:off x="7274958" y="4936437"/>
-            <a:ext cx="2814832" cy="1138773"/>
-          </a:xfrm>
-          <a:prstGeom prst="rect">
-            <a:avLst/>
-          </a:prstGeom>
-          <a:noFill/>
-        </p:spPr>
-        <p:txBody>
-          <a:bodyPr wrap="square" rtlCol="0">
-            <a:spAutoFit/>
-          </a:bodyPr>
-          <a:lstStyle/>
-          <a:p>
-            <a:r>
-              <a:rPr lang="de-CH" sz="2000" dirty="0"/>
-              <a:t>Interview 3 &amp; </a:t>
-            </a:r>
-            <a:r>
-              <a:rPr lang="de-CH" sz="2000" dirty="0" err="1"/>
-              <a:t>Prototypes</a:t>
-            </a:r>
-            <a:endParaRPr lang="de-CH" sz="2000" dirty="0"/>
-          </a:p>
-          <a:p>
-            <a:pPr marL="285750" indent="-285750">
-              <a:buFont typeface="Arial" panose="020B0604020202020204" pitchFamily="34" charset="0"/>
-              <a:buChar char="•"/>
-            </a:pPr>
-            <a:r>
-              <a:rPr lang="de-CH" sz="1600" dirty="0"/>
-              <a:t>4 Tests</a:t>
-            </a:r>
-          </a:p>
-          <a:p>
-            <a:pPr marL="285750" indent="-285750">
-              <a:buFont typeface="Arial" panose="020B0604020202020204" pitchFamily="34" charset="0"/>
-              <a:buChar char="•"/>
-            </a:pPr>
-            <a:r>
-              <a:rPr lang="en-US" sz="1600" dirty="0"/>
-              <a:t>Is this what you are looking for?</a:t>
-            </a:r>
+            <a:pPr algn="ctr"/>
+            <a:endParaRPr lang="en-US"/>
           </a:p>
         </p:txBody>
       </p:sp>
       <p:pic>
         <p:nvPicPr>
-          <p:cNvPr id="16" name="Picture 16">
+          <p:cNvPr id="14" name="Picture 16">
             <a:extLst>
               <a:ext uri="{FF2B5EF4-FFF2-40B4-BE49-F238E27FC236}">
-                <a16:creationId xmlns:a16="http://schemas.microsoft.com/office/drawing/2014/main" id="{CB0C35C9-B587-244F-8D03-91E6F0BA0183}"/>
+                <a16:creationId xmlns:a16="http://schemas.microsoft.com/office/drawing/2014/main" id="{14FFDDFD-2C60-1247-B908-DDF134331FA6}"/>
               </a:ext>
             </a:extLst>
           </p:cNvPr>
@@ -14046,7 +13523,7 @@
           <p:nvPr/>
         </p:nvPicPr>
         <p:blipFill>
-          <a:blip r:embed="rId8" cstate="print">
+          <a:blip r:embed="rId7" cstate="print">
             <a:extLst>
               <a:ext uri="{28A0092B-C50C-407E-A947-70E740481C1C}">
                 <a14:useLocalDpi xmlns:a14="http://schemas.microsoft.com/office/drawing/2010/main" val="0"/>
@@ -14067,10 +13544,50 @@
           </a:prstGeom>
         </p:spPr>
       </p:pic>
+      <p:sp>
+        <p:nvSpPr>
+          <p:cNvPr id="15" name="TextBox 14">
+            <a:extLst>
+              <a:ext uri="{FF2B5EF4-FFF2-40B4-BE49-F238E27FC236}">
+                <a16:creationId xmlns:a16="http://schemas.microsoft.com/office/drawing/2014/main" id="{6CC3BCCD-74EA-D648-B1BB-BE754E2471A3}"/>
+              </a:ext>
+            </a:extLst>
+          </p:cNvPr>
+          <p:cNvSpPr txBox="1"/>
+          <p:nvPr/>
+        </p:nvSpPr>
+        <p:spPr>
+          <a:xfrm>
+            <a:off x="132522" y="2519636"/>
+            <a:ext cx="2501418" cy="1384995"/>
+          </a:xfrm>
+          <a:prstGeom prst="rect">
+            <a:avLst/>
+          </a:prstGeom>
+          <a:noFill/>
+        </p:spPr>
+        <p:txBody>
+          <a:bodyPr wrap="square" rtlCol="0">
+            <a:spAutoFit/>
+          </a:bodyPr>
+          <a:lstStyle/>
+          <a:p>
+            <a:pPr algn="ctr"/>
+            <a:r>
+              <a:rPr lang="en-US" sz="4200" dirty="0">
+                <a:solidFill>
+                  <a:schemeClr val="bg1"/>
+                </a:solidFill>
+              </a:rPr>
+              <a:t>Our Approach</a:t>
+            </a:r>
+          </a:p>
+        </p:txBody>
+      </p:sp>
     </p:spTree>
     <p:extLst>
       <p:ext uri="{BB962C8B-B14F-4D97-AF65-F5344CB8AC3E}">
-        <p14:creationId xmlns:p14="http://schemas.microsoft.com/office/powerpoint/2010/main" val="3045709917"/>
+        <p14:creationId xmlns:p14="http://schemas.microsoft.com/office/powerpoint/2010/main" val="3871550525"/>
       </p:ext>
     </p:extLst>
   </p:cSld>

--- a/Final Pitch/FinalPitch_Happy Mortgage_V1.0.pptx
+++ b/Final Pitch/FinalPitch_Happy Mortgage_V1.0.pptx
@@ -2144,7 +2144,7 @@
   <dgm:whole/>
   <dgm:extLst>
     <a:ext uri="http://schemas.microsoft.com/office/drawing/2008/diagram">
-      <dsp:dataModelExt xmlns:dsp="http://schemas.microsoft.com/office/drawing/2008/diagram" relId="rId6" minVer="http://schemas.openxmlformats.org/drawingml/2006/diagram"/>
+      <dsp:dataModelExt xmlns:dsp="http://schemas.microsoft.com/office/drawing/2008/diagram" relId="rId7" minVer="http://schemas.openxmlformats.org/drawingml/2006/diagram"/>
     </a:ext>
   </dgm:extLst>
 </dgm:dataModel>
@@ -7873,35 +7873,7 @@
           <a:p>
             <a:r>
               <a:rPr lang="en-US" dirty="0"/>
-              <a:t>90% are banks that offer mortgages, but </a:t>
-            </a:r>
-            <a:r>
-              <a:rPr lang="en-US" dirty="0" err="1"/>
-              <a:t>pensionkassen</a:t>
-            </a:r>
-            <a:r>
-              <a:rPr lang="en-US" dirty="0"/>
-              <a:t> are coming up</a:t>
-            </a:r>
-          </a:p>
-          <a:p>
-            <a:r>
-              <a:rPr lang="en-US" dirty="0"/>
-              <a:t>Big difference in the mortgage rates between 0.55 to  1.65% - </a:t>
-            </a:r>
-            <a:r>
-              <a:rPr lang="en-US" dirty="0" err="1"/>
-              <a:t>thousends</a:t>
-            </a:r>
-            <a:r>
-              <a:rPr lang="en-US" dirty="0"/>
-              <a:t> of Francs difference </a:t>
-            </a:r>
-          </a:p>
-          <a:p>
-            <a:r>
-              <a:rPr lang="en-US" dirty="0"/>
-              <a:t>Missing: Because clients don’t know and understand the business model of such a broker, how they get the commission fee, and they are not sure, if they are really independent or not.  Brokers get </a:t>
+              <a:t>* 15% not satisfied: too much texts (people are more illustrative), embedded calculation tool is complicated</a:t>
             </a:r>
           </a:p>
         </p:txBody>
@@ -7923,7 +7895,7 @@
           <a:p>
             <a:fld id="{53BAFCDE-2CE7-C742-AC70-198143ED7831}" type="slidenum">
               <a:rPr lang="en-US" smtClean="0"/>
-              <a:t>5</a:t>
+              <a:t>3</a:t>
             </a:fld>
             <a:endParaRPr lang="en-US"/>
           </a:p>
@@ -7932,7 +7904,7 @@
     </p:spTree>
     <p:extLst>
       <p:ext uri="{BB962C8B-B14F-4D97-AF65-F5344CB8AC3E}">
-        <p14:creationId xmlns:p14="http://schemas.microsoft.com/office/powerpoint/2010/main" val="3507535848"/>
+        <p14:creationId xmlns:p14="http://schemas.microsoft.com/office/powerpoint/2010/main" val="985506170"/>
       </p:ext>
     </p:extLst>
   </p:cSld>
@@ -7986,7 +7958,38 @@
           <a:bodyPr/>
           <a:lstStyle/>
           <a:p>
-            <a:endParaRPr lang="en-US" dirty="0"/>
+            <a:r>
+              <a:rPr lang="en-US" dirty="0"/>
+              <a:t>90% are banks that offer mortgages, but </a:t>
+            </a:r>
+            <a:r>
+              <a:rPr lang="en-US" dirty="0" err="1"/>
+              <a:t>pensionkassen</a:t>
+            </a:r>
+            <a:r>
+              <a:rPr lang="en-US" dirty="0"/>
+              <a:t> are coming up</a:t>
+            </a:r>
+          </a:p>
+          <a:p>
+            <a:r>
+              <a:rPr lang="en-US" dirty="0"/>
+              <a:t>Big difference in the mortgage rates between 0.55 to  1.65% - </a:t>
+            </a:r>
+            <a:r>
+              <a:rPr lang="en-US" dirty="0" err="1"/>
+              <a:t>thousends</a:t>
+            </a:r>
+            <a:r>
+              <a:rPr lang="en-US" dirty="0"/>
+              <a:t> of Francs difference </a:t>
+            </a:r>
+          </a:p>
+          <a:p>
+            <a:r>
+              <a:rPr lang="en-US" dirty="0"/>
+              <a:t>Missing: Because clients don’t know and understand the business model of such a broker, how they get the commission fee, and they are not sure, if they are really independent or not.  Brokers get </a:t>
+            </a:r>
           </a:p>
         </p:txBody>
       </p:sp>
@@ -8007,6 +8010,90 @@
           <a:p>
             <a:fld id="{53BAFCDE-2CE7-C742-AC70-198143ED7831}" type="slidenum">
               <a:rPr lang="en-US" smtClean="0"/>
+              <a:t>5</a:t>
+            </a:fld>
+            <a:endParaRPr lang="en-US"/>
+          </a:p>
+        </p:txBody>
+      </p:sp>
+    </p:spTree>
+    <p:extLst>
+      <p:ext uri="{BB962C8B-B14F-4D97-AF65-F5344CB8AC3E}">
+        <p14:creationId xmlns:p14="http://schemas.microsoft.com/office/powerpoint/2010/main" val="3507535848"/>
+      </p:ext>
+    </p:extLst>
+  </p:cSld>
+  <p:clrMapOvr>
+    <a:masterClrMapping/>
+  </p:clrMapOvr>
+</p:notes>
+</file>
+
+<file path=ppt/notesSlides/notesSlide4.xml><?xml version="1.0" encoding="utf-8"?>
+<p:notes xmlns:a="http://schemas.openxmlformats.org/drawingml/2006/main" xmlns:r="http://schemas.openxmlformats.org/officeDocument/2006/relationships" xmlns:p="http://schemas.openxmlformats.org/presentationml/2006/main">
+  <p:cSld>
+    <p:spTree>
+      <p:nvGrpSpPr>
+        <p:cNvPr id="1" name=""/>
+        <p:cNvGrpSpPr/>
+        <p:nvPr/>
+      </p:nvGrpSpPr>
+      <p:grpSpPr>
+        <a:xfrm>
+          <a:off x="0" y="0"/>
+          <a:ext cx="0" cy="0"/>
+          <a:chOff x="0" y="0"/>
+          <a:chExt cx="0" cy="0"/>
+        </a:xfrm>
+      </p:grpSpPr>
+      <p:sp>
+        <p:nvSpPr>
+          <p:cNvPr id="2" name="Slide Image Placeholder 1"/>
+          <p:cNvSpPr>
+            <a:spLocks noGrp="1" noRot="1" noChangeAspect="1"/>
+          </p:cNvSpPr>
+          <p:nvPr>
+            <p:ph type="sldImg"/>
+          </p:nvPr>
+        </p:nvSpPr>
+        <p:spPr/>
+      </p:sp>
+      <p:sp>
+        <p:nvSpPr>
+          <p:cNvPr id="3" name="Notes Placeholder 2"/>
+          <p:cNvSpPr>
+            <a:spLocks noGrp="1"/>
+          </p:cNvSpPr>
+          <p:nvPr>
+            <p:ph type="body" idx="1"/>
+          </p:nvPr>
+        </p:nvSpPr>
+        <p:spPr/>
+        <p:txBody>
+          <a:bodyPr/>
+          <a:lstStyle/>
+          <a:p>
+            <a:endParaRPr lang="en-US" dirty="0"/>
+          </a:p>
+        </p:txBody>
+      </p:sp>
+      <p:sp>
+        <p:nvSpPr>
+          <p:cNvPr id="4" name="Slide Number Placeholder 3"/>
+          <p:cNvSpPr>
+            <a:spLocks noGrp="1"/>
+          </p:cNvSpPr>
+          <p:nvPr>
+            <p:ph type="sldNum" sz="quarter" idx="5"/>
+          </p:nvPr>
+        </p:nvSpPr>
+        <p:spPr/>
+        <p:txBody>
+          <a:bodyPr/>
+          <a:lstStyle/>
+          <a:p>
+            <a:fld id="{53BAFCDE-2CE7-C742-AC70-198143ED7831}" type="slidenum">
+              <a:rPr lang="en-US" smtClean="0"/>
               <a:t>6</a:t>
             </a:fld>
             <a:endParaRPr lang="en-US"/>
@@ -8026,7 +8113,7 @@
 </p:notes>
 </file>
 
-<file path=ppt/notesSlides/notesSlide4.xml><?xml version="1.0" encoding="utf-8"?>
+<file path=ppt/notesSlides/notesSlide5.xml><?xml version="1.0" encoding="utf-8"?>
 <p:notes xmlns:a="http://schemas.openxmlformats.org/drawingml/2006/main" xmlns:r="http://schemas.openxmlformats.org/officeDocument/2006/relationships" xmlns:p="http://schemas.openxmlformats.org/presentationml/2006/main">
   <p:cSld>
     <p:spTree>
@@ -12360,14 +12447,14 @@
             <a:pPr lvl="1"/>
             <a:r>
               <a:rPr lang="en-US" dirty="0"/>
-              <a:t>Contact real estate agents, lawyers, notary</a:t>
+              <a:t>Contact real estate agents, lawyers, mortgage advisors?</a:t>
             </a:r>
           </a:p>
           <a:p>
             <a:pPr lvl="2"/>
             <a:r>
               <a:rPr lang="en-US" dirty="0"/>
-              <a:t>And find out later you lost 2hours of your life for random, complicated and hazardous information</a:t>
+              <a:t>And find out later you lost 2 hours of your life for random, complicated and hazardous information</a:t>
             </a:r>
           </a:p>
           <a:p>
@@ -12982,7 +13069,7 @@
         </p:xfrm>
         <a:graphic>
           <a:graphicData uri="http://schemas.openxmlformats.org/drawingml/2006/diagram">
-            <dgm:relIds xmlns:dgm="http://schemas.openxmlformats.org/drawingml/2006/diagram" xmlns:r="http://schemas.openxmlformats.org/officeDocument/2006/relationships" r:dm="rId2" r:lo="rId3" r:qs="rId4" r:cs="rId5"/>
+            <dgm:relIds xmlns:dgm="http://schemas.openxmlformats.org/drawingml/2006/diagram" xmlns:r="http://schemas.openxmlformats.org/officeDocument/2006/relationships" r:dm="rId3" r:lo="rId4" r:qs="rId5" r:cs="rId6"/>
           </a:graphicData>
         </a:graphic>
       </p:graphicFrame>
@@ -13523,7 +13610,7 @@
           <p:nvPr/>
         </p:nvPicPr>
         <p:blipFill>
-          <a:blip r:embed="rId7" cstate="print">
+          <a:blip r:embed="rId8" cstate="print">
             <a:extLst>
               <a:ext uri="{28A0092B-C50C-407E-A947-70E740481C1C}">
                 <a14:useLocalDpi xmlns:a14="http://schemas.microsoft.com/office/drawing/2010/main" val="0"/>
@@ -14024,7 +14111,22 @@
                   <a:schemeClr val="bg1"/>
                 </a:solidFill>
               </a:rPr>
-              <a:t>Benefits</a:t>
+              <a:t>Benefits &amp;</a:t>
+            </a:r>
+            <a:br>
+              <a:rPr lang="en-US" sz="4100" dirty="0">
+                <a:solidFill>
+                  <a:schemeClr val="bg1"/>
+                </a:solidFill>
+              </a:rPr>
+            </a:br>
+            <a:r>
+              <a:rPr lang="en-US" sz="4100" dirty="0">
+                <a:solidFill>
+                  <a:schemeClr val="bg1"/>
+                </a:solidFill>
+              </a:rPr>
+              <a:t>Opportunities</a:t>
             </a:r>
           </a:p>
         </p:txBody>
@@ -14474,6 +14576,27 @@
             </a:r>
           </a:p>
           <a:p>
+            <a:pPr marL="228600" indent="-228600" defTabSz="914400">
+              <a:lnSpc>
+                <a:spcPct val="90000"/>
+              </a:lnSpc>
+              <a:buClr>
+                <a:schemeClr val="tx1"/>
+              </a:buClr>
+              <a:buFont typeface="Arial" panose="020B0604020202020204" pitchFamily="34" charset="0"/>
+              <a:buChar char="•"/>
+              <a:defRPr/>
+            </a:pPr>
+            <a:r>
+              <a:rPr lang="en-US" sz="2000" dirty="0">
+                <a:solidFill>
+                  <a:schemeClr val="tx1"/>
+                </a:solidFill>
+              </a:rPr>
+              <a:t>Generate more leads</a:t>
+            </a:r>
+          </a:p>
+          <a:p>
             <a:pPr marL="228600" marR="0" lvl="0" indent="-228600" defTabSz="914400" fontAlgn="auto">
               <a:lnSpc>
                 <a:spcPct val="90000"/>
@@ -14523,58 +14646,6 @@
                 </a:solidFill>
               </a:rPr>
               <a:t>Facilitate mortgage transparency and assist fair competition</a:t>
-            </a:r>
-          </a:p>
-          <a:p>
-            <a:pPr marL="228600" marR="0" lvl="0" indent="-228600" defTabSz="914400" fontAlgn="auto">
-              <a:lnSpc>
-                <a:spcPct val="90000"/>
-              </a:lnSpc>
-              <a:spcAft>
-                <a:spcPts val="0"/>
-              </a:spcAft>
-              <a:buClr>
-                <a:schemeClr val="tx1"/>
-              </a:buClr>
-              <a:buSzTx/>
-              <a:buFont typeface="Arial" panose="020B0604020202020204" pitchFamily="34" charset="0"/>
-              <a:buChar char="•"/>
-              <a:tabLst/>
-              <a:defRPr/>
-            </a:pPr>
-            <a:r>
-              <a:rPr lang="en-US" sz="2000" dirty="0">
-                <a:solidFill>
-                  <a:schemeClr val="tx1"/>
-                </a:solidFill>
-              </a:rPr>
-              <a:t>Increase product portfolio</a:t>
-            </a:r>
-          </a:p>
-          <a:p>
-            <a:pPr marL="228600" marR="0" lvl="0" indent="-228600" defTabSz="914400" fontAlgn="auto">
-              <a:lnSpc>
-                <a:spcPct val="90000"/>
-              </a:lnSpc>
-              <a:spcAft>
-                <a:spcPts val="0"/>
-              </a:spcAft>
-              <a:buClr>
-                <a:schemeClr val="tx1"/>
-              </a:buClr>
-              <a:buSzTx/>
-              <a:buFont typeface="Arial" panose="020B0604020202020204" pitchFamily="34" charset="0"/>
-              <a:buChar char="•"/>
-              <a:tabLst/>
-              <a:defRPr/>
-            </a:pPr>
-            <a:r>
-              <a:rPr lang="en-US" sz="2000" dirty="0">
-                <a:solidFill>
-                  <a:schemeClr val="tx1"/>
-                </a:solidFill>
-              </a:rPr>
-              <a:t>Centralized database </a:t>
             </a:r>
           </a:p>
           <a:p>
@@ -16272,7 +16343,7 @@
         <p:spPr>
           <a:xfrm>
             <a:off x="5117910" y="777922"/>
-            <a:ext cx="6235890" cy="5585107"/>
+            <a:ext cx="6589994" cy="5585107"/>
           </a:xfrm>
         </p:spPr>
         <p:txBody>
@@ -16308,15 +16379,17 @@
           <a:p>
             <a:r>
               <a:rPr lang="en-US" dirty="0"/>
-              <a:t>More than 100 financial institutes offers mortgages – Banks, </a:t>
-            </a:r>
+              <a:t>More than 100 financial institutes offers mortgages – Banks or (Re)Insurance companies</a:t>
+            </a:r>
+          </a:p>
+          <a:p>
             <a:r>
               <a:rPr lang="en-US" dirty="0" err="1"/>
-              <a:t>Pensionskasse</a:t>
+              <a:t>Moneypark</a:t>
             </a:r>
             <a:r>
               <a:rPr lang="en-US" dirty="0"/>
-              <a:t>, Insurances</a:t>
+              <a:t> (with Helvetia) &gt;100 offers – Leader mortgage broker</a:t>
             </a:r>
             <a:br>
               <a:rPr lang="en-US" dirty="0"/>
@@ -16326,18 +16399,7 @@
           <a:p>
             <a:r>
               <a:rPr lang="en-US" dirty="0"/>
-              <a:t>Independent Mortgage brokers</a:t>
-            </a:r>
-          </a:p>
-          <a:p>
-            <a:pPr lvl="1"/>
-            <a:r>
-              <a:rPr lang="en-US" dirty="0" err="1"/>
-              <a:t>Moneypark</a:t>
-            </a:r>
-            <a:r>
-              <a:rPr lang="en-US" dirty="0"/>
-              <a:t>: &gt;100 offers</a:t>
+              <a:t>Other Mortgage brokers</a:t>
             </a:r>
           </a:p>
           <a:p>
@@ -17145,7 +17207,14 @@
             </a:r>
             <a:r>
               <a:rPr lang="en-US" dirty="0"/>
-              <a:t>– Independent offerings, full comparison!</a:t>
+              <a:t>– Independent advices!</a:t>
+            </a:r>
+          </a:p>
+          <a:p>
+            <a:pPr lvl="1"/>
+            <a:r>
+              <a:rPr lang="en-US" dirty="0"/>
+              <a:t>No intention to sell</a:t>
             </a:r>
             <a:br>
               <a:rPr lang="en-US" dirty="0"/>
@@ -17801,6 +17870,25 @@
               <a:rPr lang="en-US" b="1" dirty="0"/>
               <a:t>, the prototype was successful, but still lot to do!</a:t>
             </a:r>
+          </a:p>
+          <a:p>
+            <a:pPr marL="0" indent="0" algn="ctr">
+              <a:buNone/>
+            </a:pPr>
+            <a:r>
+              <a:rPr lang="en-US" sz="1600" dirty="0"/>
+              <a:t>Link: </a:t>
+            </a:r>
+            <a:r>
+              <a:rPr lang="en-US" sz="1600" dirty="0">
+                <a:hlinkClick r:id="rId3"/>
+              </a:rPr>
+              <a:t>http://www.slan.ch</a:t>
+            </a:r>
+            <a:r>
+              <a:rPr lang="en-US" sz="1600" dirty="0"/>
+              <a:t> </a:t>
+            </a:r>
             <a:br>
               <a:rPr lang="en-US" b="1" dirty="0"/>
             </a:br>
@@ -17808,14 +17896,20 @@
           </a:p>
           <a:p>
             <a:r>
+              <a:rPr lang="en-US" dirty="0" err="1"/>
+              <a:t>PoC</a:t>
+            </a:r>
+            <a:r>
               <a:rPr lang="en-US" dirty="0"/>
-              <a:t>New business model</a:t>
-            </a:r>
-          </a:p>
-          <a:p>
+              <a:t> and new </a:t>
+            </a:r>
+            <a:r>
+              <a:rPr lang="en-US" dirty="0" err="1"/>
+              <a:t>subcription</a:t>
+            </a:r>
             <a:r>
               <a:rPr lang="en-US" dirty="0"/>
-              <a:t>Subscription based platform</a:t>
+              <a:t>-based business model</a:t>
             </a:r>
           </a:p>
           <a:p>
@@ -17851,7 +17945,7 @@
           <p:nvPr/>
         </p:nvPicPr>
         <p:blipFill>
-          <a:blip r:embed="rId3" cstate="print">
+          <a:blip r:embed="rId4" cstate="print">
             <a:extLst>
               <a:ext uri="{28A0092B-C50C-407E-A947-70E740481C1C}">
                 <a14:useLocalDpi xmlns:a14="http://schemas.microsoft.com/office/drawing/2010/main" val="0"/>

--- a/Final Pitch/FinalPitch_Happy Mortgage_V1.0.pptx
+++ b/Final Pitch/FinalPitch_Happy Mortgage_V1.0.pptx
@@ -14172,39 +14172,62 @@
             </a:r>
           </a:p>
           <a:p>
+            <a:pPr marL="0" indent="0">
+              <a:buNone/>
+            </a:pPr>
+            <a:endParaRPr lang="en-US" b="1" dirty="0">
+              <a:solidFill>
+                <a:schemeClr val="accent6"/>
+              </a:solidFill>
+            </a:endParaRPr>
+          </a:p>
+          <a:p>
+            <a:pPr algn="just"/>
             <a:r>
               <a:rPr lang="en-US" sz="2000" dirty="0"/>
-              <a:t>Quick information access and Saves time </a:t>
-            </a:r>
-          </a:p>
-          <a:p>
+              <a:t>Quick information access </a:t>
+            </a:r>
+          </a:p>
+          <a:p>
+            <a:pPr algn="just"/>
             <a:r>
               <a:rPr lang="en-US" sz="2000" dirty="0"/>
-              <a:t>Real time assistance through chatbot or skype call </a:t>
-            </a:r>
-          </a:p>
-          <a:p>
+              <a:t>Saves time </a:t>
+            </a:r>
+          </a:p>
+          <a:p>
+            <a:pPr algn="just"/>
             <a:r>
               <a:rPr lang="en-US" sz="2000" dirty="0"/>
-              <a:t>Options for  contacting the mortgage advisor or getting the query resolution by a skype call</a:t>
-            </a:r>
-          </a:p>
-          <a:p>
+              <a:t>Real time assistance </a:t>
+            </a:r>
+          </a:p>
+          <a:p>
+            <a:pPr algn="just"/>
             <a:r>
               <a:rPr lang="en-US" sz="2000" dirty="0"/>
-              <a:t>Mortgage process knowledge before contacting the Bank</a:t>
-            </a:r>
-          </a:p>
-          <a:p>
+              <a:t>Options for query resolution</a:t>
+            </a:r>
+          </a:p>
+          <a:p>
+            <a:pPr algn="just"/>
             <a:r>
               <a:rPr lang="en-US" sz="2000" dirty="0"/>
-              <a:t>Increasing transparency in the mortgage process </a:t>
-            </a:r>
-          </a:p>
-          <a:p>
+              <a:t>Mortgage process knowledge </a:t>
+            </a:r>
+          </a:p>
+          <a:p>
+            <a:pPr algn="just"/>
             <a:r>
               <a:rPr lang="en-US" sz="2000" dirty="0"/>
-              <a:t>Improve trust in the entire process </a:t>
+              <a:t>Increasing transparency</a:t>
+            </a:r>
+          </a:p>
+          <a:p>
+            <a:pPr algn="just"/>
+            <a:r>
+              <a:rPr lang="en-US" sz="2000" dirty="0"/>
+              <a:t>Improve trust</a:t>
             </a:r>
           </a:p>
         </p:txBody>
@@ -14524,6 +14547,41 @@
             </a:endParaRPr>
           </a:p>
           <a:p>
+            <a:pPr marL="0" marR="0" lvl="0" indent="0" algn="l" defTabSz="914400" rtl="0" eaLnBrk="1" fontAlgn="auto" latinLnBrk="0" hangingPunct="1">
+              <a:lnSpc>
+                <a:spcPct val="90000"/>
+              </a:lnSpc>
+              <a:spcBef>
+                <a:spcPts val="1000"/>
+              </a:spcBef>
+              <a:spcAft>
+                <a:spcPts val="0"/>
+              </a:spcAft>
+              <a:buClr>
+                <a:srgbClr val="4472C4"/>
+              </a:buClr>
+              <a:buSzTx/>
+              <a:buFont typeface="Wingdings 3" charset="2"/>
+              <a:buNone/>
+              <a:tabLst/>
+              <a:defRPr/>
+            </a:pPr>
+            <a:endParaRPr kumimoji="0" lang="en-US" sz="2800" b="1" i="0" u="none" strike="noStrike" kern="1200" cap="none" spc="0" normalizeH="0" baseline="0" noProof="0" dirty="0">
+              <a:ln>
+                <a:noFill/>
+              </a:ln>
+              <a:solidFill>
+                <a:schemeClr val="accent6"/>
+              </a:solidFill>
+              <a:effectLst/>
+              <a:uLnTx/>
+              <a:uFillTx/>
+              <a:latin typeface="Calibri" panose="020F0502020204030204"/>
+              <a:ea typeface="+mn-ea"/>
+              <a:cs typeface="+mn-cs"/>
+            </a:endParaRPr>
+          </a:p>
+          <a:p>
             <a:pPr marL="228600" marR="0" lvl="0" indent="-228600" defTabSz="914400" fontAlgn="auto">
               <a:lnSpc>
                 <a:spcPct val="90000"/>
@@ -14572,28 +14630,7 @@
                   <a:schemeClr val="tx1"/>
                 </a:solidFill>
               </a:rPr>
-              <a:t>Increase profitability and reduce cost (by providing virtual assistance)</a:t>
-            </a:r>
-          </a:p>
-          <a:p>
-            <a:pPr marL="228600" indent="-228600" defTabSz="914400">
-              <a:lnSpc>
-                <a:spcPct val="90000"/>
-              </a:lnSpc>
-              <a:buClr>
-                <a:schemeClr val="tx1"/>
-              </a:buClr>
-              <a:buFont typeface="Arial" panose="020B0604020202020204" pitchFamily="34" charset="0"/>
-              <a:buChar char="•"/>
-              <a:defRPr/>
-            </a:pPr>
-            <a:r>
-              <a:rPr lang="en-US" sz="2000" dirty="0">
-                <a:solidFill>
-                  <a:schemeClr val="tx1"/>
-                </a:solidFill>
-              </a:rPr>
-              <a:t>Generate more leads</a:t>
+              <a:t>Increase profitability and reduce cost </a:t>
             </a:r>
           </a:p>
           <a:p>
@@ -14619,7 +14656,7 @@
                   <a:schemeClr val="tx1"/>
                 </a:solidFill>
               </a:rPr>
-              <a:t>Create the customer community for mortgage information exchange </a:t>
+              <a:t>Generate more leads</a:t>
             </a:r>
           </a:p>
           <a:p>
@@ -14645,7 +14682,59 @@
                   <a:schemeClr val="tx1"/>
                 </a:solidFill>
               </a:rPr>
-              <a:t>Facilitate mortgage transparency and assist fair competition</a:t>
+              <a:t>Create the customer community </a:t>
+            </a:r>
+          </a:p>
+          <a:p>
+            <a:pPr marL="228600" marR="0" lvl="0" indent="-228600" defTabSz="914400" fontAlgn="auto">
+              <a:lnSpc>
+                <a:spcPct val="90000"/>
+              </a:lnSpc>
+              <a:spcAft>
+                <a:spcPts val="0"/>
+              </a:spcAft>
+              <a:buClr>
+                <a:schemeClr val="tx1"/>
+              </a:buClr>
+              <a:buSzTx/>
+              <a:buFont typeface="Arial" panose="020B0604020202020204" pitchFamily="34" charset="0"/>
+              <a:buChar char="•"/>
+              <a:tabLst/>
+              <a:defRPr/>
+            </a:pPr>
+            <a:r>
+              <a:rPr lang="en-US" sz="2000" dirty="0">
+                <a:solidFill>
+                  <a:schemeClr val="tx1"/>
+                </a:solidFill>
+              </a:rPr>
+              <a:t>Facilitate mortgage transparency</a:t>
+            </a:r>
+          </a:p>
+          <a:p>
+            <a:pPr marL="228600" marR="0" lvl="0" indent="-228600" defTabSz="914400" fontAlgn="auto">
+              <a:lnSpc>
+                <a:spcPct val="90000"/>
+              </a:lnSpc>
+              <a:spcAft>
+                <a:spcPts val="0"/>
+              </a:spcAft>
+              <a:buClr>
+                <a:schemeClr val="tx1"/>
+              </a:buClr>
+              <a:buSzTx/>
+              <a:buFont typeface="Arial" panose="020B0604020202020204" pitchFamily="34" charset="0"/>
+              <a:buChar char="•"/>
+              <a:tabLst/>
+              <a:defRPr/>
+            </a:pPr>
+            <a:r>
+              <a:rPr lang="en-US" sz="2000" dirty="0">
+                <a:solidFill>
+                  <a:schemeClr val="tx1"/>
+                </a:solidFill>
+              </a:rPr>
+              <a:t>Assist fair competition</a:t>
             </a:r>
           </a:p>
           <a:p>
@@ -14889,7 +14978,7 @@
                                         <p:tgtEl>
                                           <p:spTgt spid="3">
                                             <p:txEl>
-                                              <p:pRg st="1" end="1"/>
+                                              <p:pRg st="2" end="2"/>
                                             </p:txEl>
                                           </p:spTgt>
                                         </p:tgtEl>
@@ -14907,7 +14996,7 @@
                                         <p:tgtEl>
                                           <p:spTgt spid="3">
                                             <p:txEl>
-                                              <p:pRg st="1" end="1"/>
+                                              <p:pRg st="2" end="2"/>
                                             </p:txEl>
                                           </p:spTgt>
                                         </p:tgtEl>
@@ -14934,7 +15023,7 @@
                                         <p:tgtEl>
                                           <p:spTgt spid="3">
                                             <p:txEl>
-                                              <p:pRg st="1" end="1"/>
+                                              <p:pRg st="2" end="2"/>
                                             </p:txEl>
                                           </p:spTgt>
                                         </p:tgtEl>
@@ -14961,7 +15050,7 @@
                                         <p:tgtEl>
                                           <p:spTgt spid="3">
                                             <p:txEl>
-                                              <p:pRg st="1" end="1"/>
+                                              <p:pRg st="2" end="2"/>
                                             </p:txEl>
                                           </p:spTgt>
                                         </p:tgtEl>
@@ -14988,7 +15077,7 @@
                                         <p:tgtEl>
                                           <p:spTgt spid="3">
                                             <p:txEl>
-                                              <p:pRg st="1" end="1"/>
+                                              <p:pRg st="2" end="2"/>
                                             </p:txEl>
                                           </p:spTgt>
                                         </p:tgtEl>
@@ -15013,7 +15102,7 @@
                                         <p:tgtEl>
                                           <p:spTgt spid="3">
                                             <p:txEl>
-                                              <p:pRg st="2" end="2"/>
+                                              <p:pRg st="3" end="3"/>
                                             </p:txEl>
                                           </p:spTgt>
                                         </p:tgtEl>
@@ -15031,7 +15120,7 @@
                                         <p:tgtEl>
                                           <p:spTgt spid="3">
                                             <p:txEl>
-                                              <p:pRg st="2" end="2"/>
+                                              <p:pRg st="3" end="3"/>
                                             </p:txEl>
                                           </p:spTgt>
                                         </p:tgtEl>
@@ -15058,7 +15147,7 @@
                                         <p:tgtEl>
                                           <p:spTgt spid="3">
                                             <p:txEl>
-                                              <p:pRg st="2" end="2"/>
+                                              <p:pRg st="3" end="3"/>
                                             </p:txEl>
                                           </p:spTgt>
                                         </p:tgtEl>
@@ -15085,7 +15174,7 @@
                                         <p:tgtEl>
                                           <p:spTgt spid="3">
                                             <p:txEl>
-                                              <p:pRg st="2" end="2"/>
+                                              <p:pRg st="3" end="3"/>
                                             </p:txEl>
                                           </p:spTgt>
                                         </p:tgtEl>
@@ -15112,7 +15201,7 @@
                                         <p:tgtEl>
                                           <p:spTgt spid="3">
                                             <p:txEl>
-                                              <p:pRg st="2" end="2"/>
+                                              <p:pRg st="3" end="3"/>
                                             </p:txEl>
                                           </p:spTgt>
                                         </p:tgtEl>
@@ -15137,7 +15226,7 @@
                                         <p:tgtEl>
                                           <p:spTgt spid="3">
                                             <p:txEl>
-                                              <p:pRg st="3" end="3"/>
+                                              <p:pRg st="4" end="4"/>
                                             </p:txEl>
                                           </p:spTgt>
                                         </p:tgtEl>
@@ -15155,7 +15244,7 @@
                                         <p:tgtEl>
                                           <p:spTgt spid="3">
                                             <p:txEl>
-                                              <p:pRg st="3" end="3"/>
+                                              <p:pRg st="4" end="4"/>
                                             </p:txEl>
                                           </p:spTgt>
                                         </p:tgtEl>
@@ -15182,7 +15271,7 @@
                                         <p:tgtEl>
                                           <p:spTgt spid="3">
                                             <p:txEl>
-                                              <p:pRg st="3" end="3"/>
+                                              <p:pRg st="4" end="4"/>
                                             </p:txEl>
                                           </p:spTgt>
                                         </p:tgtEl>
@@ -15209,7 +15298,7 @@
                                         <p:tgtEl>
                                           <p:spTgt spid="3">
                                             <p:txEl>
-                                              <p:pRg st="3" end="3"/>
+                                              <p:pRg st="4" end="4"/>
                                             </p:txEl>
                                           </p:spTgt>
                                         </p:tgtEl>
@@ -15236,7 +15325,7 @@
                                         <p:tgtEl>
                                           <p:spTgt spid="3">
                                             <p:txEl>
-                                              <p:pRg st="3" end="3"/>
+                                              <p:pRg st="4" end="4"/>
                                             </p:txEl>
                                           </p:spTgt>
                                         </p:tgtEl>
@@ -15261,7 +15350,7 @@
                                         <p:tgtEl>
                                           <p:spTgt spid="3">
                                             <p:txEl>
-                                              <p:pRg st="4" end="4"/>
+                                              <p:pRg st="5" end="5"/>
                                             </p:txEl>
                                           </p:spTgt>
                                         </p:tgtEl>
@@ -15279,7 +15368,7 @@
                                         <p:tgtEl>
                                           <p:spTgt spid="3">
                                             <p:txEl>
-                                              <p:pRg st="4" end="4"/>
+                                              <p:pRg st="5" end="5"/>
                                             </p:txEl>
                                           </p:spTgt>
                                         </p:tgtEl>
@@ -15306,7 +15395,7 @@
                                         <p:tgtEl>
                                           <p:spTgt spid="3">
                                             <p:txEl>
-                                              <p:pRg st="4" end="4"/>
+                                              <p:pRg st="5" end="5"/>
                                             </p:txEl>
                                           </p:spTgt>
                                         </p:tgtEl>
@@ -15333,7 +15422,7 @@
                                         <p:tgtEl>
                                           <p:spTgt spid="3">
                                             <p:txEl>
-                                              <p:pRg st="4" end="4"/>
+                                              <p:pRg st="5" end="5"/>
                                             </p:txEl>
                                           </p:spTgt>
                                         </p:tgtEl>
@@ -15360,7 +15449,7 @@
                                         <p:tgtEl>
                                           <p:spTgt spid="3">
                                             <p:txEl>
-                                              <p:pRg st="4" end="4"/>
+                                              <p:pRg st="5" end="5"/>
                                             </p:txEl>
                                           </p:spTgt>
                                         </p:tgtEl>
@@ -15385,7 +15474,7 @@
                                         <p:tgtEl>
                                           <p:spTgt spid="3">
                                             <p:txEl>
-                                              <p:pRg st="5" end="5"/>
+                                              <p:pRg st="6" end="6"/>
                                             </p:txEl>
                                           </p:spTgt>
                                         </p:tgtEl>
@@ -15403,7 +15492,7 @@
                                         <p:tgtEl>
                                           <p:spTgt spid="3">
                                             <p:txEl>
-                                              <p:pRg st="5" end="5"/>
+                                              <p:pRg st="6" end="6"/>
                                             </p:txEl>
                                           </p:spTgt>
                                         </p:tgtEl>
@@ -15430,7 +15519,7 @@
                                         <p:tgtEl>
                                           <p:spTgt spid="3">
                                             <p:txEl>
-                                              <p:pRg st="5" end="5"/>
+                                              <p:pRg st="6" end="6"/>
                                             </p:txEl>
                                           </p:spTgt>
                                         </p:tgtEl>
@@ -15457,7 +15546,7 @@
                                         <p:tgtEl>
                                           <p:spTgt spid="3">
                                             <p:txEl>
-                                              <p:pRg st="5" end="5"/>
+                                              <p:pRg st="6" end="6"/>
                                             </p:txEl>
                                           </p:spTgt>
                                         </p:tgtEl>
@@ -15484,7 +15573,7 @@
                                         <p:tgtEl>
                                           <p:spTgt spid="3">
                                             <p:txEl>
-                                              <p:pRg st="5" end="5"/>
+                                              <p:pRg st="6" end="6"/>
                                             </p:txEl>
                                           </p:spTgt>
                                         </p:tgtEl>
@@ -15509,7 +15598,7 @@
                                         <p:tgtEl>
                                           <p:spTgt spid="3">
                                             <p:txEl>
-                                              <p:pRg st="6" end="6"/>
+                                              <p:pRg st="7" end="7"/>
                                             </p:txEl>
                                           </p:spTgt>
                                         </p:tgtEl>
@@ -15527,7 +15616,7 @@
                                         <p:tgtEl>
                                           <p:spTgt spid="3">
                                             <p:txEl>
-                                              <p:pRg st="6" end="6"/>
+                                              <p:pRg st="7" end="7"/>
                                             </p:txEl>
                                           </p:spTgt>
                                         </p:tgtEl>
@@ -15554,7 +15643,7 @@
                                         <p:tgtEl>
                                           <p:spTgt spid="3">
                                             <p:txEl>
-                                              <p:pRg st="6" end="6"/>
+                                              <p:pRg st="7" end="7"/>
                                             </p:txEl>
                                           </p:spTgt>
                                         </p:tgtEl>
@@ -15581,7 +15670,7 @@
                                         <p:tgtEl>
                                           <p:spTgt spid="3">
                                             <p:txEl>
-                                              <p:pRg st="6" end="6"/>
+                                              <p:pRg st="7" end="7"/>
                                             </p:txEl>
                                           </p:spTgt>
                                         </p:tgtEl>
@@ -15608,7 +15697,131 @@
                                         <p:tgtEl>
                                           <p:spTgt spid="3">
                                             <p:txEl>
-                                              <p:pRg st="6" end="6"/>
+                                              <p:pRg st="7" end="7"/>
+                                            </p:txEl>
+                                          </p:spTgt>
+                                        </p:tgtEl>
+                                      </p:cBhvr>
+                                    </p:animEffect>
+                                  </p:childTnLst>
+                                </p:cTn>
+                              </p:par>
+                              <p:par>
+                                <p:cTn id="47" presetID="31" presetClass="entr" presetSubtype="0" fill="hold" grpId="0" nodeType="withEffect">
+                                  <p:stCondLst>
+                                    <p:cond delay="0"/>
+                                  </p:stCondLst>
+                                  <p:childTnLst>
+                                    <p:set>
+                                      <p:cBhvr>
+                                        <p:cTn id="48" dur="1" fill="hold">
+                                          <p:stCondLst>
+                                            <p:cond delay="0"/>
+                                          </p:stCondLst>
+                                        </p:cTn>
+                                        <p:tgtEl>
+                                          <p:spTgt spid="3">
+                                            <p:txEl>
+                                              <p:pRg st="8" end="8"/>
+                                            </p:txEl>
+                                          </p:spTgt>
+                                        </p:tgtEl>
+                                        <p:attrNameLst>
+                                          <p:attrName>style.visibility</p:attrName>
+                                        </p:attrNameLst>
+                                      </p:cBhvr>
+                                      <p:to>
+                                        <p:strVal val="visible"/>
+                                      </p:to>
+                                    </p:set>
+                                    <p:anim calcmode="lin" valueType="num">
+                                      <p:cBhvr>
+                                        <p:cTn id="49" dur="1000" fill="hold"/>
+                                        <p:tgtEl>
+                                          <p:spTgt spid="3">
+                                            <p:txEl>
+                                              <p:pRg st="8" end="8"/>
+                                            </p:txEl>
+                                          </p:spTgt>
+                                        </p:tgtEl>
+                                        <p:attrNameLst>
+                                          <p:attrName>ppt_w</p:attrName>
+                                        </p:attrNameLst>
+                                      </p:cBhvr>
+                                      <p:tavLst>
+                                        <p:tav tm="0">
+                                          <p:val>
+                                            <p:fltVal val="0"/>
+                                          </p:val>
+                                        </p:tav>
+                                        <p:tav tm="100000">
+                                          <p:val>
+                                            <p:strVal val="#ppt_w"/>
+                                          </p:val>
+                                        </p:tav>
+                                      </p:tavLst>
+                                    </p:anim>
+                                    <p:anim calcmode="lin" valueType="num">
+                                      <p:cBhvr>
+                                        <p:cTn id="50" dur="1000" fill="hold"/>
+                                        <p:tgtEl>
+                                          <p:spTgt spid="3">
+                                            <p:txEl>
+                                              <p:pRg st="8" end="8"/>
+                                            </p:txEl>
+                                          </p:spTgt>
+                                        </p:tgtEl>
+                                        <p:attrNameLst>
+                                          <p:attrName>ppt_h</p:attrName>
+                                        </p:attrNameLst>
+                                      </p:cBhvr>
+                                      <p:tavLst>
+                                        <p:tav tm="0">
+                                          <p:val>
+                                            <p:fltVal val="0"/>
+                                          </p:val>
+                                        </p:tav>
+                                        <p:tav tm="100000">
+                                          <p:val>
+                                            <p:strVal val="#ppt_h"/>
+                                          </p:val>
+                                        </p:tav>
+                                      </p:tavLst>
+                                    </p:anim>
+                                    <p:anim calcmode="lin" valueType="num">
+                                      <p:cBhvr>
+                                        <p:cTn id="51" dur="1000" fill="hold"/>
+                                        <p:tgtEl>
+                                          <p:spTgt spid="3">
+                                            <p:txEl>
+                                              <p:pRg st="8" end="8"/>
+                                            </p:txEl>
+                                          </p:spTgt>
+                                        </p:tgtEl>
+                                        <p:attrNameLst>
+                                          <p:attrName>style.rotation</p:attrName>
+                                        </p:attrNameLst>
+                                      </p:cBhvr>
+                                      <p:tavLst>
+                                        <p:tav tm="0">
+                                          <p:val>
+                                            <p:fltVal val="90"/>
+                                          </p:val>
+                                        </p:tav>
+                                        <p:tav tm="100000">
+                                          <p:val>
+                                            <p:fltVal val="0"/>
+                                          </p:val>
+                                        </p:tav>
+                                      </p:tavLst>
+                                    </p:anim>
+                                    <p:animEffect transition="in" filter="fade">
+                                      <p:cBhvr>
+                                        <p:cTn id="52" dur="1000"/>
+                                        <p:tgtEl>
+                                          <p:spTgt spid="3">
+                                            <p:txEl>
+                                              <p:pRg st="8" end="8"/>
                                             </p:txEl>
                                           </p:spTgt>
                                         </p:tgtEl>
@@ -15624,26 +15837,26 @@
                     </p:cTn>
                   </p:par>
                   <p:par>
-                    <p:cTn id="47" fill="hold">
+                    <p:cTn id="53" fill="hold">
                       <p:stCondLst>
                         <p:cond delay="indefinite"/>
                       </p:stCondLst>
                       <p:childTnLst>
                         <p:par>
-                          <p:cTn id="48" fill="hold">
+                          <p:cTn id="54" fill="hold">
                             <p:stCondLst>
                               <p:cond delay="0"/>
                             </p:stCondLst>
                             <p:childTnLst>
                               <p:par>
-                                <p:cTn id="49" presetID="31" presetClass="entr" presetSubtype="0" fill="hold" grpId="0" nodeType="clickEffect">
+                                <p:cTn id="55" presetID="31" presetClass="entr" presetSubtype="0" fill="hold" grpId="0" nodeType="clickEffect">
                                   <p:stCondLst>
                                     <p:cond delay="0"/>
                                   </p:stCondLst>
                                   <p:childTnLst>
                                     <p:set>
                                       <p:cBhvr>
-                                        <p:cTn id="50" dur="1" fill="hold">
+                                        <p:cTn id="56" dur="1" fill="hold">
                                           <p:stCondLst>
                                             <p:cond delay="0"/>
                                           </p:stCondLst>
@@ -15661,7 +15874,7 @@
                                     </p:set>
                                     <p:anim calcmode="lin" valueType="num">
                                       <p:cBhvr>
-                                        <p:cTn id="51" dur="1000" fill="hold"/>
+                                        <p:cTn id="57" dur="1000" fill="hold"/>
                                         <p:tgtEl>
                                           <p:spTgt spid="5"/>
                                         </p:tgtEl>
@@ -15684,7 +15897,7 @@
                                     </p:anim>
                                     <p:anim calcmode="lin" valueType="num">
                                       <p:cBhvr>
-                                        <p:cTn id="52" dur="1000" fill="hold"/>
+                                        <p:cTn id="58" dur="1000" fill="hold"/>
                                         <p:tgtEl>
                                           <p:spTgt spid="5"/>
                                         </p:tgtEl>
@@ -15707,7 +15920,7 @@
                                     </p:anim>
                                     <p:anim calcmode="lin" valueType="num">
                                       <p:cBhvr>
-                                        <p:cTn id="53" dur="1000" fill="hold"/>
+                                        <p:cTn id="59" dur="1000" fill="hold"/>
                                         <p:tgtEl>
                                           <p:spTgt spid="5"/>
                                         </p:tgtEl>
@@ -15730,7 +15943,7 @@
                                     </p:anim>
                                     <p:animEffect transition="in" filter="fade">
                                       <p:cBhvr>
-                                        <p:cTn id="54" dur="1000"/>
+                                        <p:cTn id="60" dur="1000"/>
                                         <p:tgtEl>
                                           <p:spTgt spid="5"/>
                                         </p:tgtEl>
@@ -16348,7 +16561,7 @@
         </p:spPr>
         <p:txBody>
           <a:bodyPr>
-            <a:normAutofit fontScale="85000" lnSpcReduction="20000"/>
+            <a:normAutofit fontScale="77500" lnSpcReduction="20000"/>
           </a:bodyPr>
           <a:lstStyle/>
           <a:p>
@@ -16381,6 +16594,9 @@
               <a:rPr lang="en-US" dirty="0"/>
               <a:t>More than 100 financial institutes offers mortgages – Banks or (Re)Insurance companies</a:t>
             </a:r>
+          </a:p>
+          <a:p>
+            <a:endParaRPr lang="en-US" dirty="0"/>
           </a:p>
           <a:p>
             <a:r>

--- a/Final Pitch/FinalPitch_Happy Mortgage_V1.0.pptx
+++ b/Final Pitch/FinalPitch_Happy Mortgage_V1.0.pptx
@@ -12,7 +12,7 @@
     <p:sldId id="274" r:id="rId3"/>
     <p:sldId id="275" r:id="rId4"/>
     <p:sldId id="273" r:id="rId5"/>
-    <p:sldId id="260" r:id="rId6"/>
+    <p:sldId id="276" r:id="rId6"/>
     <p:sldId id="266" r:id="rId7"/>
     <p:sldId id="268" r:id="rId8"/>
     <p:sldId id="265" r:id="rId9"/>
@@ -7958,38 +7958,7 @@
           <a:bodyPr/>
           <a:lstStyle/>
           <a:p>
-            <a:r>
-              <a:rPr lang="en-US" dirty="0"/>
-              <a:t>90% are banks that offer mortgages, but </a:t>
-            </a:r>
-            <a:r>
-              <a:rPr lang="en-US" dirty="0" err="1"/>
-              <a:t>pensionkassen</a:t>
-            </a:r>
-            <a:r>
-              <a:rPr lang="en-US" dirty="0"/>
-              <a:t> are coming up</a:t>
-            </a:r>
-          </a:p>
-          <a:p>
-            <a:r>
-              <a:rPr lang="en-US" dirty="0"/>
-              <a:t>Big difference in the mortgage rates between 0.55 to  1.65% - </a:t>
-            </a:r>
-            <a:r>
-              <a:rPr lang="en-US" dirty="0" err="1"/>
-              <a:t>thousends</a:t>
-            </a:r>
-            <a:r>
-              <a:rPr lang="en-US" dirty="0"/>
-              <a:t> of Francs difference </a:t>
-            </a:r>
-          </a:p>
-          <a:p>
-            <a:r>
-              <a:rPr lang="en-US" dirty="0"/>
-              <a:t>Missing: Because clients don’t know and understand the business model of such a broker, how they get the commission fee, and they are not sure, if they are really independent or not.  Brokers get </a:t>
-            </a:r>
+            <a:endParaRPr lang="en-US" dirty="0"/>
           </a:p>
         </p:txBody>
       </p:sp>
@@ -8019,7 +7988,7 @@
     </p:spTree>
     <p:extLst>
       <p:ext uri="{BB962C8B-B14F-4D97-AF65-F5344CB8AC3E}">
-        <p14:creationId xmlns:p14="http://schemas.microsoft.com/office/powerpoint/2010/main" val="3507535848"/>
+        <p14:creationId xmlns:p14="http://schemas.microsoft.com/office/powerpoint/2010/main" val="1062555171"/>
       </p:ext>
     </p:extLst>
   </p:cSld>
@@ -12364,12 +12333,12 @@
         <p:spPr>
           <a:xfrm>
             <a:off x="5416294" y="624423"/>
-            <a:ext cx="6032311" cy="5585107"/>
+            <a:ext cx="6032311" cy="5982117"/>
           </a:xfrm>
         </p:spPr>
         <p:txBody>
           <a:bodyPr>
-            <a:normAutofit lnSpcReduction="10000"/>
+            <a:normAutofit fontScale="92500" lnSpcReduction="10000"/>
           </a:bodyPr>
           <a:lstStyle/>
           <a:p>
@@ -12416,6 +12385,10 @@
             </a:r>
           </a:p>
           <a:p>
+            <a:pPr lvl="2"/>
+            <a:endParaRPr lang="en-US" dirty="0"/>
+          </a:p>
+          <a:p>
             <a:pPr lvl="1"/>
             <a:r>
               <a:rPr lang="en-US" dirty="0"/>
@@ -12430,6 +12403,10 @@
             </a:r>
           </a:p>
           <a:p>
+            <a:pPr lvl="2"/>
+            <a:endParaRPr lang="en-US" dirty="0"/>
+          </a:p>
+          <a:p>
             <a:pPr lvl="1"/>
             <a:r>
               <a:rPr lang="en-US" dirty="0"/>
@@ -12442,6 +12419,10 @@
               <a:rPr lang="en-US" dirty="0"/>
               <a:t>Find and analyze more than 100! financial institution’s offers</a:t>
             </a:r>
+          </a:p>
+          <a:p>
+            <a:pPr lvl="2"/>
+            <a:endParaRPr lang="en-US" dirty="0"/>
           </a:p>
           <a:p>
             <a:pPr lvl="1"/>
@@ -12752,7 +12733,7 @@
                                         <p:tgtEl>
                                           <p:spTgt spid="3">
                                             <p:txEl>
-                                              <p:pRg st="3" end="3"/>
+                                              <p:pRg st="4" end="4"/>
                                             </p:txEl>
                                           </p:spTgt>
                                         </p:tgtEl>
@@ -12770,7 +12751,7 @@
                                         <p:tgtEl>
                                           <p:spTgt spid="3">
                                             <p:txEl>
-                                              <p:pRg st="3" end="3"/>
+                                              <p:pRg st="4" end="4"/>
                                             </p:txEl>
                                           </p:spTgt>
                                         </p:tgtEl>
@@ -12795,7 +12776,7 @@
                                         <p:tgtEl>
                                           <p:spTgt spid="3">
                                             <p:txEl>
-                                              <p:pRg st="4" end="4"/>
+                                              <p:pRg st="5" end="5"/>
                                             </p:txEl>
                                           </p:spTgt>
                                         </p:tgtEl>
@@ -12813,7 +12794,7 @@
                                         <p:tgtEl>
                                           <p:spTgt spid="3">
                                             <p:txEl>
-                                              <p:pRg st="4" end="4"/>
+                                              <p:pRg st="5" end="5"/>
                                             </p:txEl>
                                           </p:spTgt>
                                         </p:tgtEl>
@@ -12838,7 +12819,7 @@
                                         <p:tgtEl>
                                           <p:spTgt spid="3">
                                             <p:txEl>
-                                              <p:pRg st="5" end="5"/>
+                                              <p:pRg st="7" end="7"/>
                                             </p:txEl>
                                           </p:spTgt>
                                         </p:tgtEl>
@@ -12856,7 +12837,7 @@
                                         <p:tgtEl>
                                           <p:spTgt spid="3">
                                             <p:txEl>
-                                              <p:pRg st="5" end="5"/>
+                                              <p:pRg st="7" end="7"/>
                                             </p:txEl>
                                           </p:spTgt>
                                         </p:tgtEl>
@@ -12881,7 +12862,7 @@
                                         <p:tgtEl>
                                           <p:spTgt spid="3">
                                             <p:txEl>
-                                              <p:pRg st="6" end="6"/>
+                                              <p:pRg st="8" end="8"/>
                                             </p:txEl>
                                           </p:spTgt>
                                         </p:tgtEl>
@@ -12899,7 +12880,7 @@
                                         <p:tgtEl>
                                           <p:spTgt spid="3">
                                             <p:txEl>
-                                              <p:pRg st="6" end="6"/>
+                                              <p:pRg st="8" end="8"/>
                                             </p:txEl>
                                           </p:spTgt>
                                         </p:tgtEl>
@@ -12924,7 +12905,7 @@
                                         <p:tgtEl>
                                           <p:spTgt spid="3">
                                             <p:txEl>
-                                              <p:pRg st="7" end="7"/>
+                                              <p:pRg st="10" end="10"/>
                                             </p:txEl>
                                           </p:spTgt>
                                         </p:tgtEl>
@@ -12942,7 +12923,7 @@
                                         <p:tgtEl>
                                           <p:spTgt spid="3">
                                             <p:txEl>
-                                              <p:pRg st="7" end="7"/>
+                                              <p:pRg st="10" end="10"/>
                                             </p:txEl>
                                           </p:spTgt>
                                         </p:tgtEl>
@@ -12967,7 +12948,7 @@
                                         <p:tgtEl>
                                           <p:spTgt spid="3">
                                             <p:txEl>
-                                              <p:pRg st="8" end="8"/>
+                                              <p:pRg st="11" end="11"/>
                                             </p:txEl>
                                           </p:spTgt>
                                         </p:tgtEl>
@@ -12985,7 +12966,7 @@
                                         <p:tgtEl>
                                           <p:spTgt spid="3">
                                             <p:txEl>
-                                              <p:pRg st="8" end="8"/>
+                                              <p:pRg st="11" end="11"/>
                                             </p:txEl>
                                           </p:spTgt>
                                         </p:tgtEl>
@@ -15990,6 +15971,725 @@
 <file path=ppt/slides/slide5.xml><?xml version="1.0" encoding="utf-8"?>
 <p:sld xmlns:a="http://schemas.openxmlformats.org/drawingml/2006/main" xmlns:r="http://schemas.openxmlformats.org/officeDocument/2006/relationships" xmlns:p="http://schemas.openxmlformats.org/presentationml/2006/main">
   <p:cSld>
+    <p:spTree>
+      <p:nvGrpSpPr>
+        <p:cNvPr id="1" name=""/>
+        <p:cNvGrpSpPr/>
+        <p:nvPr/>
+      </p:nvGrpSpPr>
+      <p:grpSpPr>
+        <a:xfrm>
+          <a:off x="0" y="0"/>
+          <a:ext cx="0" cy="0"/>
+          <a:chOff x="0" y="0"/>
+          <a:chExt cx="0" cy="0"/>
+        </a:xfrm>
+      </p:grpSpPr>
+      <p:graphicFrame>
+        <p:nvGraphicFramePr>
+          <p:cNvPr id="4" name="Content Placeholder 3">
+            <a:extLst>
+              <a:ext uri="{FF2B5EF4-FFF2-40B4-BE49-F238E27FC236}">
+                <a16:creationId xmlns:a16="http://schemas.microsoft.com/office/drawing/2014/main" id="{98AE61B2-BB0F-704D-8AEA-8E5E524AA56F}"/>
+              </a:ext>
+            </a:extLst>
+          </p:cNvPr>
+          <p:cNvGraphicFramePr>
+            <a:graphicFrameLocks noGrp="1"/>
+          </p:cNvGraphicFramePr>
+          <p:nvPr>
+            <p:ph idx="1"/>
+            <p:extLst>
+              <p:ext uri="{D42A27DB-BD31-4B8C-83A1-F6EECF244321}">
+                <p14:modId xmlns:p14="http://schemas.microsoft.com/office/powerpoint/2010/main" val="712712991"/>
+              </p:ext>
+            </p:extLst>
+          </p:nvPr>
+        </p:nvGraphicFramePr>
+        <p:xfrm>
+          <a:off x="838200" y="1825625"/>
+          <a:ext cx="10515600" cy="1483360"/>
+        </p:xfrm>
+        <a:graphic>
+          <a:graphicData uri="http://schemas.openxmlformats.org/drawingml/2006/table">
+            <a:tbl>
+              <a:tblPr firstRow="1" bandRow="1">
+                <a:tableStyleId>{93296810-A885-4BE3-A3E7-6D5BEEA58F35}</a:tableStyleId>
+              </a:tblPr>
+              <a:tblGrid>
+                <a:gridCol w="3505200">
+                  <a:extLst>
+                    <a:ext uri="{9D8B030D-6E8A-4147-A177-3AD203B41FA5}">
+                      <a16:colId xmlns:a16="http://schemas.microsoft.com/office/drawing/2014/main" val="3955684666"/>
+                    </a:ext>
+                  </a:extLst>
+                </a:gridCol>
+                <a:gridCol w="3505200">
+                  <a:extLst>
+                    <a:ext uri="{9D8B030D-6E8A-4147-A177-3AD203B41FA5}">
+                      <a16:colId xmlns:a16="http://schemas.microsoft.com/office/drawing/2014/main" val="2994953242"/>
+                    </a:ext>
+                  </a:extLst>
+                </a:gridCol>
+                <a:gridCol w="3505200">
+                  <a:extLst>
+                    <a:ext uri="{9D8B030D-6E8A-4147-A177-3AD203B41FA5}">
+                      <a16:colId xmlns:a16="http://schemas.microsoft.com/office/drawing/2014/main" val="2338552384"/>
+                    </a:ext>
+                  </a:extLst>
+                </a:gridCol>
+              </a:tblGrid>
+              <a:tr h="370840">
+                <a:tc>
+                  <a:txBody>
+                    <a:bodyPr/>
+                    <a:lstStyle/>
+                    <a:p>
+                      <a:r>
+                        <a:rPr lang="en-US" dirty="0"/>
+                        <a:t>Banks</a:t>
+                      </a:r>
+                    </a:p>
+                  </a:txBody>
+                  <a:tcPr/>
+                </a:tc>
+                <a:tc>
+                  <a:txBody>
+                    <a:bodyPr/>
+                    <a:lstStyle/>
+                    <a:p>
+                      <a:r>
+                        <a:rPr lang="en-US" dirty="0"/>
+                        <a:t>Re(insurance)</a:t>
+                      </a:r>
+                    </a:p>
+                  </a:txBody>
+                  <a:tcPr/>
+                </a:tc>
+                <a:tc>
+                  <a:txBody>
+                    <a:bodyPr/>
+                    <a:lstStyle/>
+                    <a:p>
+                      <a:r>
+                        <a:rPr lang="en-US" dirty="0"/>
+                        <a:t>Mortgage Broker</a:t>
+                      </a:r>
+                    </a:p>
+                  </a:txBody>
+                  <a:tcPr/>
+                </a:tc>
+                <a:extLst>
+                  <a:ext uri="{0D108BD9-81ED-4DB2-BD59-A6C34878D82A}">
+                    <a16:rowId xmlns:a16="http://schemas.microsoft.com/office/drawing/2014/main" val="1396481512"/>
+                  </a:ext>
+                </a:extLst>
+              </a:tr>
+              <a:tr h="370840">
+                <a:tc>
+                  <a:txBody>
+                    <a:bodyPr/>
+                    <a:lstStyle/>
+                    <a:p>
+                      <a:r>
+                        <a:rPr lang="en-US" dirty="0"/>
+                        <a:t>UBS</a:t>
+                      </a:r>
+                    </a:p>
+                  </a:txBody>
+                  <a:tcPr/>
+                </a:tc>
+                <a:tc>
+                  <a:txBody>
+                    <a:bodyPr/>
+                    <a:lstStyle/>
+                    <a:p>
+                      <a:r>
+                        <a:rPr lang="en-US" dirty="0" err="1"/>
+                        <a:t>SwissRe</a:t>
+                      </a:r>
+                      <a:endParaRPr lang="en-US" dirty="0"/>
+                    </a:p>
+                  </a:txBody>
+                  <a:tcPr/>
+                </a:tc>
+                <a:tc>
+                  <a:txBody>
+                    <a:bodyPr/>
+                    <a:lstStyle/>
+                    <a:p>
+                      <a:r>
+                        <a:rPr lang="en-US" dirty="0" err="1"/>
+                        <a:t>Moneypark</a:t>
+                      </a:r>
+                      <a:r>
+                        <a:rPr lang="en-US" dirty="0"/>
+                        <a:t> - leader</a:t>
+                      </a:r>
+                    </a:p>
+                  </a:txBody>
+                  <a:tcPr/>
+                </a:tc>
+                <a:extLst>
+                  <a:ext uri="{0D108BD9-81ED-4DB2-BD59-A6C34878D82A}">
+                    <a16:rowId xmlns:a16="http://schemas.microsoft.com/office/drawing/2014/main" val="3950556584"/>
+                  </a:ext>
+                </a:extLst>
+              </a:tr>
+              <a:tr h="370840">
+                <a:tc>
+                  <a:txBody>
+                    <a:bodyPr/>
+                    <a:lstStyle/>
+                    <a:p>
+                      <a:r>
+                        <a:rPr lang="en-US" dirty="0"/>
+                        <a:t>CS</a:t>
+                      </a:r>
+                    </a:p>
+                  </a:txBody>
+                  <a:tcPr/>
+                </a:tc>
+                <a:tc>
+                  <a:txBody>
+                    <a:bodyPr/>
+                    <a:lstStyle/>
+                    <a:p>
+                      <a:endParaRPr lang="en-US" dirty="0"/>
+                    </a:p>
+                  </a:txBody>
+                  <a:tcPr/>
+                </a:tc>
+                <a:tc>
+                  <a:txBody>
+                    <a:bodyPr/>
+                    <a:lstStyle/>
+                    <a:p>
+                      <a:r>
+                        <a:rPr lang="en-US" dirty="0" err="1"/>
+                        <a:t>Hypoguide</a:t>
+                      </a:r>
+                      <a:r>
+                        <a:rPr lang="en-US" dirty="0"/>
+                        <a:t> – 63 offers</a:t>
+                      </a:r>
+                    </a:p>
+                  </a:txBody>
+                  <a:tcPr/>
+                </a:tc>
+                <a:extLst>
+                  <a:ext uri="{0D108BD9-81ED-4DB2-BD59-A6C34878D82A}">
+                    <a16:rowId xmlns:a16="http://schemas.microsoft.com/office/drawing/2014/main" val="4146802728"/>
+                  </a:ext>
+                </a:extLst>
+              </a:tr>
+              <a:tr h="370840">
+                <a:tc>
+                  <a:txBody>
+                    <a:bodyPr/>
+                    <a:lstStyle/>
+                    <a:p>
+                      <a:r>
+                        <a:rPr lang="en-US" dirty="0"/>
+                        <a:t>Cantonal banks</a:t>
+                      </a:r>
+                    </a:p>
+                  </a:txBody>
+                  <a:tcPr/>
+                </a:tc>
+                <a:tc>
+                  <a:txBody>
+                    <a:bodyPr/>
+                    <a:lstStyle/>
+                    <a:p>
+                      <a:endParaRPr lang="en-US" dirty="0"/>
+                    </a:p>
+                  </a:txBody>
+                  <a:tcPr/>
+                </a:tc>
+                <a:tc>
+                  <a:txBody>
+                    <a:bodyPr/>
+                    <a:lstStyle/>
+                    <a:p>
+                      <a:r>
+                        <a:rPr lang="en-US" dirty="0" err="1"/>
+                        <a:t>Comparis</a:t>
+                      </a:r>
+                      <a:r>
+                        <a:rPr lang="en-US" dirty="0"/>
+                        <a:t> – 47 offers</a:t>
+                      </a:r>
+                    </a:p>
+                  </a:txBody>
+                  <a:tcPr/>
+                </a:tc>
+                <a:extLst>
+                  <a:ext uri="{0D108BD9-81ED-4DB2-BD59-A6C34878D82A}">
+                    <a16:rowId xmlns:a16="http://schemas.microsoft.com/office/drawing/2014/main" val="2329325408"/>
+                  </a:ext>
+                </a:extLst>
+              </a:tr>
+            </a:tbl>
+          </a:graphicData>
+        </a:graphic>
+      </p:graphicFrame>
+      <p:sp>
+        <p:nvSpPr>
+          <p:cNvPr id="6" name="TextBox 5">
+            <a:extLst>
+              <a:ext uri="{FF2B5EF4-FFF2-40B4-BE49-F238E27FC236}">
+                <a16:creationId xmlns:a16="http://schemas.microsoft.com/office/drawing/2014/main" id="{24A4555A-73C9-9B41-B31D-18FA7181173C}"/>
+              </a:ext>
+            </a:extLst>
+          </p:cNvPr>
+          <p:cNvSpPr txBox="1"/>
+          <p:nvPr/>
+        </p:nvSpPr>
+        <p:spPr>
+          <a:xfrm>
+            <a:off x="1005840" y="3623310"/>
+            <a:ext cx="2537874" cy="369332"/>
+          </a:xfrm>
+          <a:prstGeom prst="rect">
+            <a:avLst/>
+          </a:prstGeom>
+          <a:noFill/>
+        </p:spPr>
+        <p:txBody>
+          <a:bodyPr wrap="none" rtlCol="0">
+            <a:spAutoFit/>
+          </a:bodyPr>
+          <a:lstStyle/>
+          <a:p>
+            <a:r>
+              <a:rPr lang="en-US" dirty="0"/>
+              <a:t>…… AND MANY MORE…..</a:t>
+            </a:r>
+          </a:p>
+        </p:txBody>
+      </p:sp>
+      <p:sp>
+        <p:nvSpPr>
+          <p:cNvPr id="9" name="TextBox 8">
+            <a:extLst>
+              <a:ext uri="{FF2B5EF4-FFF2-40B4-BE49-F238E27FC236}">
+                <a16:creationId xmlns:a16="http://schemas.microsoft.com/office/drawing/2014/main" id="{EB2CA192-EE28-EF47-99F2-F67B4B2F0DA1}"/>
+              </a:ext>
+            </a:extLst>
+          </p:cNvPr>
+          <p:cNvSpPr txBox="1"/>
+          <p:nvPr/>
+        </p:nvSpPr>
+        <p:spPr>
+          <a:xfrm>
+            <a:off x="1540895" y="571883"/>
+            <a:ext cx="9418320" cy="1200329"/>
+          </a:xfrm>
+          <a:prstGeom prst="rect">
+            <a:avLst/>
+          </a:prstGeom>
+          <a:noFill/>
+        </p:spPr>
+        <p:txBody>
+          <a:bodyPr wrap="square" rtlCol="0">
+            <a:spAutoFit/>
+          </a:bodyPr>
+          <a:lstStyle/>
+          <a:p>
+            <a:pPr algn="ctr"/>
+            <a:r>
+              <a:rPr lang="en-US" sz="5400" dirty="0"/>
+              <a:t>Competition is </a:t>
+            </a:r>
+            <a:r>
+              <a:rPr lang="en-US" sz="7200" b="1" dirty="0">
+                <a:solidFill>
+                  <a:schemeClr val="accent6">
+                    <a:lumMod val="75000"/>
+                  </a:schemeClr>
+                </a:solidFill>
+              </a:rPr>
+              <a:t>BIG</a:t>
+            </a:r>
+          </a:p>
+        </p:txBody>
+      </p:sp>
+      <p:pic>
+        <p:nvPicPr>
+          <p:cNvPr id="10" name="Picture 16">
+            <a:extLst>
+              <a:ext uri="{FF2B5EF4-FFF2-40B4-BE49-F238E27FC236}">
+                <a16:creationId xmlns:a16="http://schemas.microsoft.com/office/drawing/2014/main" id="{27869230-25D9-B447-8584-6AB1EA06D8A9}"/>
+              </a:ext>
+            </a:extLst>
+          </p:cNvPr>
+          <p:cNvPicPr/>
+          <p:nvPr/>
+        </p:nvPicPr>
+        <p:blipFill>
+          <a:blip r:embed="rId3" cstate="print">
+            <a:extLst>
+              <a:ext uri="{28A0092B-C50C-407E-A947-70E740481C1C}">
+                <a14:useLocalDpi xmlns:a14="http://schemas.microsoft.com/office/drawing/2010/main" val="0"/>
+              </a:ext>
+            </a:extLst>
+          </a:blip>
+          <a:stretch>
+            <a:fillRect/>
+          </a:stretch>
+        </p:blipFill>
+        <p:spPr>
+          <a:xfrm>
+            <a:off x="484096" y="142062"/>
+            <a:ext cx="1169670" cy="314325"/>
+          </a:xfrm>
+          <a:prstGeom prst="rect">
+            <a:avLst/>
+          </a:prstGeom>
+        </p:spPr>
+      </p:pic>
+      <p:grpSp>
+        <p:nvGrpSpPr>
+          <p:cNvPr id="20" name="Group 19">
+            <a:extLst>
+              <a:ext uri="{FF2B5EF4-FFF2-40B4-BE49-F238E27FC236}">
+                <a16:creationId xmlns:a16="http://schemas.microsoft.com/office/drawing/2014/main" id="{C4C1913B-3D0A-6C46-9795-6E5F70A51B80}"/>
+              </a:ext>
+            </a:extLst>
+          </p:cNvPr>
+          <p:cNvGrpSpPr/>
+          <p:nvPr/>
+        </p:nvGrpSpPr>
+        <p:grpSpPr>
+          <a:xfrm>
+            <a:off x="684143" y="1772212"/>
+            <a:ext cx="10823713" cy="4401205"/>
+            <a:chOff x="684143" y="1772212"/>
+            <a:chExt cx="10823713" cy="4401205"/>
+          </a:xfrm>
+        </p:grpSpPr>
+        <p:sp>
+          <p:nvSpPr>
+            <p:cNvPr id="7" name="TextBox 6">
+              <a:extLst>
+                <a:ext uri="{FF2B5EF4-FFF2-40B4-BE49-F238E27FC236}">
+                  <a16:creationId xmlns:a16="http://schemas.microsoft.com/office/drawing/2014/main" id="{760BAB2B-1E27-704F-A777-D1A3CD035A2C}"/>
+                </a:ext>
+              </a:extLst>
+            </p:cNvPr>
+            <p:cNvSpPr txBox="1"/>
+            <p:nvPr/>
+          </p:nvSpPr>
+          <p:spPr>
+            <a:xfrm>
+              <a:off x="684143" y="1772212"/>
+              <a:ext cx="10823713" cy="4401205"/>
+            </a:xfrm>
+            <a:prstGeom prst="rect">
+              <a:avLst/>
+            </a:prstGeom>
+            <a:solidFill>
+              <a:schemeClr val="bg1">
+                <a:lumMod val="65000"/>
+              </a:schemeClr>
+            </a:solidFill>
+            <a:ln>
+              <a:solidFill>
+                <a:schemeClr val="bg1">
+                  <a:lumMod val="50000"/>
+                </a:schemeClr>
+              </a:solidFill>
+            </a:ln>
+          </p:spPr>
+          <p:txBody>
+            <a:bodyPr wrap="square" rtlCol="0">
+              <a:spAutoFit/>
+            </a:bodyPr>
+            <a:lstStyle/>
+            <a:p>
+              <a:r>
+                <a:rPr lang="en-US" sz="4000" b="1" dirty="0"/>
+                <a:t>Still </a:t>
+              </a:r>
+              <a:r>
+                <a:rPr lang="en-US" sz="4000" b="1" dirty="0">
+                  <a:solidFill>
+                    <a:schemeClr val="accent6">
+                      <a:lumMod val="75000"/>
+                    </a:schemeClr>
+                  </a:solidFill>
+                </a:rPr>
+                <a:t>MISSING</a:t>
+              </a:r>
+              <a:r>
+                <a:rPr lang="en-US" sz="4000" b="1" dirty="0"/>
+                <a:t> points: </a:t>
+              </a:r>
+            </a:p>
+            <a:p>
+              <a:endParaRPr lang="en-US" sz="4000" b="1" dirty="0"/>
+            </a:p>
+            <a:p>
+              <a:pPr lvl="1"/>
+              <a:r>
+                <a:rPr lang="en-US" sz="4000" b="1" dirty="0"/>
+                <a:t> 		Transparency</a:t>
+              </a:r>
+            </a:p>
+            <a:p>
+              <a:pPr lvl="1"/>
+              <a:endParaRPr lang="en-US" sz="4000" b="1" dirty="0"/>
+            </a:p>
+            <a:p>
+              <a:pPr lvl="1"/>
+              <a:r>
+                <a:rPr lang="en-US" sz="4000" b="1" dirty="0"/>
+                <a:t> 		 Trust from clients</a:t>
+              </a:r>
+            </a:p>
+            <a:p>
+              <a:pPr lvl="1"/>
+              <a:endParaRPr lang="en-US" sz="4000" b="1" dirty="0"/>
+            </a:p>
+            <a:p>
+              <a:pPr lvl="1"/>
+              <a:r>
+                <a:rPr lang="en-US" sz="4000" b="1" dirty="0"/>
+                <a:t>		Quality and unbiased advice from brokers</a:t>
+              </a:r>
+            </a:p>
+          </p:txBody>
+        </p:sp>
+        <p:grpSp>
+          <p:nvGrpSpPr>
+            <p:cNvPr id="19" name="Group 18">
+              <a:extLst>
+                <a:ext uri="{FF2B5EF4-FFF2-40B4-BE49-F238E27FC236}">
+                  <a16:creationId xmlns:a16="http://schemas.microsoft.com/office/drawing/2014/main" id="{E245FEC0-3B08-4345-BCA9-9B822C20D89A}"/>
+                </a:ext>
+              </a:extLst>
+            </p:cNvPr>
+            <p:cNvGrpSpPr/>
+            <p:nvPr/>
+          </p:nvGrpSpPr>
+          <p:grpSpPr>
+            <a:xfrm>
+              <a:off x="1481488" y="2893576"/>
+              <a:ext cx="1015446" cy="3254207"/>
+              <a:chOff x="1481488" y="2893576"/>
+              <a:chExt cx="1015446" cy="3254207"/>
+            </a:xfrm>
+          </p:grpSpPr>
+          <p:pic>
+            <p:nvPicPr>
+              <p:cNvPr id="14" name="Graphic 13" descr="Eye">
+                <a:extLst>
+                  <a:ext uri="{FF2B5EF4-FFF2-40B4-BE49-F238E27FC236}">
+                    <a16:creationId xmlns:a16="http://schemas.microsoft.com/office/drawing/2014/main" id="{828E743B-55FC-E146-ABC9-0253F4EB0F50}"/>
+                  </a:ext>
+                </a:extLst>
+              </p:cNvPr>
+              <p:cNvPicPr>
+                <a:picLocks noChangeAspect="1"/>
+              </p:cNvPicPr>
+              <p:nvPr/>
+            </p:nvPicPr>
+            <p:blipFill>
+              <a:blip r:embed="rId4">
+                <a:extLst>
+                  <a:ext uri="{96DAC541-7B7A-43D3-8B79-37D633B846F1}">
+                    <asvg:svgBlip xmlns:asvg="http://schemas.microsoft.com/office/drawing/2016/SVG/main" r:embed="rId5"/>
+                  </a:ext>
+                </a:extLst>
+              </a:blip>
+              <a:stretch>
+                <a:fillRect/>
+              </a:stretch>
+            </p:blipFill>
+            <p:spPr>
+              <a:xfrm>
+                <a:off x="1481488" y="2893576"/>
+                <a:ext cx="914400" cy="914400"/>
+              </a:xfrm>
+              <a:prstGeom prst="rect">
+                <a:avLst/>
+              </a:prstGeom>
+            </p:spPr>
+          </p:pic>
+          <p:pic>
+            <p:nvPicPr>
+              <p:cNvPr id="16" name="Graphic 15" descr="Lightning bolt">
+                <a:extLst>
+                  <a:ext uri="{FF2B5EF4-FFF2-40B4-BE49-F238E27FC236}">
+                    <a16:creationId xmlns:a16="http://schemas.microsoft.com/office/drawing/2014/main" id="{2BDE5D8E-8732-364C-B01C-E643423C14BE}"/>
+                  </a:ext>
+                </a:extLst>
+              </p:cNvPr>
+              <p:cNvPicPr>
+                <a:picLocks noChangeAspect="1"/>
+              </p:cNvPicPr>
+              <p:nvPr/>
+            </p:nvPicPr>
+            <p:blipFill>
+              <a:blip r:embed="rId6">
+                <a:extLst>
+                  <a:ext uri="{96DAC541-7B7A-43D3-8B79-37D633B846F1}">
+                    <asvg:svgBlip xmlns:asvg="http://schemas.microsoft.com/office/drawing/2016/SVG/main" r:embed="rId7"/>
+                  </a:ext>
+                </a:extLst>
+              </a:blip>
+              <a:stretch>
+                <a:fillRect/>
+              </a:stretch>
+            </p:blipFill>
+            <p:spPr>
+              <a:xfrm>
+                <a:off x="1481488" y="4120217"/>
+                <a:ext cx="914400" cy="914400"/>
+              </a:xfrm>
+              <a:prstGeom prst="rect">
+                <a:avLst/>
+              </a:prstGeom>
+            </p:spPr>
+          </p:pic>
+          <p:pic>
+            <p:nvPicPr>
+              <p:cNvPr id="18" name="Graphic 17" descr="Scales of justice">
+                <a:extLst>
+                  <a:ext uri="{FF2B5EF4-FFF2-40B4-BE49-F238E27FC236}">
+                    <a16:creationId xmlns:a16="http://schemas.microsoft.com/office/drawing/2014/main" id="{BF748F20-FF09-CF44-A386-8D32406CF095}"/>
+                  </a:ext>
+                </a:extLst>
+              </p:cNvPr>
+              <p:cNvPicPr>
+                <a:picLocks noChangeAspect="1"/>
+              </p:cNvPicPr>
+              <p:nvPr/>
+            </p:nvPicPr>
+            <p:blipFill>
+              <a:blip r:embed="rId8">
+                <a:extLst>
+                  <a:ext uri="{96DAC541-7B7A-43D3-8B79-37D633B846F1}">
+                    <asvg:svgBlip xmlns:asvg="http://schemas.microsoft.com/office/drawing/2016/SVG/main" r:embed="rId9"/>
+                  </a:ext>
+                </a:extLst>
+              </a:blip>
+              <a:stretch>
+                <a:fillRect/>
+              </a:stretch>
+            </p:blipFill>
+            <p:spPr>
+              <a:xfrm>
+                <a:off x="1582534" y="5233383"/>
+                <a:ext cx="914400" cy="914400"/>
+              </a:xfrm>
+              <a:prstGeom prst="rect">
+                <a:avLst/>
+              </a:prstGeom>
+            </p:spPr>
+          </p:pic>
+        </p:grpSp>
+      </p:grpSp>
+    </p:spTree>
+    <p:extLst>
+      <p:ext uri="{BB962C8B-B14F-4D97-AF65-F5344CB8AC3E}">
+        <p14:creationId xmlns:p14="http://schemas.microsoft.com/office/powerpoint/2010/main" val="3327398690"/>
+      </p:ext>
+    </p:extLst>
+  </p:cSld>
+  <p:clrMapOvr>
+    <a:masterClrMapping/>
+  </p:clrMapOvr>
+  <p:timing>
+    <p:tnLst>
+      <p:par>
+        <p:cTn id="1" dur="indefinite" restart="never" nodeType="tmRoot">
+          <p:childTnLst>
+            <p:seq concurrent="1" nextAc="seek">
+              <p:cTn id="2" dur="indefinite" nodeType="mainSeq">
+                <p:childTnLst>
+                  <p:par>
+                    <p:cTn id="3" fill="hold">
+                      <p:stCondLst>
+                        <p:cond delay="indefinite"/>
+                      </p:stCondLst>
+                      <p:childTnLst>
+                        <p:par>
+                          <p:cTn id="4" fill="hold">
+                            <p:stCondLst>
+                              <p:cond delay="0"/>
+                            </p:stCondLst>
+                            <p:childTnLst>
+                              <p:par>
+                                <p:cTn id="5" presetID="3" presetClass="entr" presetSubtype="10" fill="hold" nodeType="clickEffect">
+                                  <p:stCondLst>
+                                    <p:cond delay="0"/>
+                                  </p:stCondLst>
+                                  <p:childTnLst>
+                                    <p:set>
+                                      <p:cBhvr>
+                                        <p:cTn id="6" dur="1" fill="hold">
+                                          <p:stCondLst>
+                                            <p:cond delay="0"/>
+                                          </p:stCondLst>
+                                        </p:cTn>
+                                        <p:tgtEl>
+                                          <p:spTgt spid="20"/>
+                                        </p:tgtEl>
+                                        <p:attrNameLst>
+                                          <p:attrName>style.visibility</p:attrName>
+                                        </p:attrNameLst>
+                                      </p:cBhvr>
+                                      <p:to>
+                                        <p:strVal val="visible"/>
+                                      </p:to>
+                                    </p:set>
+                                    <p:animEffect transition="in" filter="blinds(horizontal)">
+                                      <p:cBhvr>
+                                        <p:cTn id="7" dur="500"/>
+                                        <p:tgtEl>
+                                          <p:spTgt spid="20"/>
+                                        </p:tgtEl>
+                                      </p:cBhvr>
+                                    </p:animEffect>
+                                  </p:childTnLst>
+                                </p:cTn>
+                              </p:par>
+                            </p:childTnLst>
+                          </p:cTn>
+                        </p:par>
+                      </p:childTnLst>
+                    </p:cTn>
+                  </p:par>
+                </p:childTnLst>
+              </p:cTn>
+              <p:prevCondLst>
+                <p:cond evt="onPrev" delay="0">
+                  <p:tgtEl>
+                    <p:sldTgt/>
+                  </p:tgtEl>
+                </p:cond>
+              </p:prevCondLst>
+              <p:nextCondLst>
+                <p:cond evt="onNext" delay="0">
+                  <p:tgtEl>
+                    <p:sldTgt/>
+                  </p:tgtEl>
+                </p:cond>
+              </p:nextCondLst>
+            </p:seq>
+          </p:childTnLst>
+        </p:cTn>
+      </p:par>
+    </p:tnLst>
+  </p:timing>
+</p:sld>
+</file>
+
+<file path=ppt/slides/slide6.xml><?xml version="1.0" encoding="utf-8"?>
+<p:sld xmlns:a="http://schemas.openxmlformats.org/drawingml/2006/main" xmlns:r="http://schemas.openxmlformats.org/officeDocument/2006/relationships" xmlns:p="http://schemas.openxmlformats.org/presentationml/2006/main">
+  <p:cSld>
     <p:bg>
       <p:bgPr>
         <a:solidFill>
@@ -16527,7 +17227,7 @@
                   <a:srgbClr val="FFFFFF"/>
                 </a:solidFill>
               </a:rPr>
-              <a:t>Competition</a:t>
+              <a:t>We are better!</a:t>
             </a:r>
             <a:endParaRPr lang="fr-CH" sz="4100" dirty="0">
               <a:solidFill>
@@ -16555,750 +17255,8 @@
         </p:nvSpPr>
         <p:spPr>
           <a:xfrm>
-            <a:off x="5117910" y="777922"/>
-            <a:ext cx="6589994" cy="5585107"/>
-          </a:xfrm>
-        </p:spPr>
-        <p:txBody>
-          <a:bodyPr>
-            <a:normAutofit fontScale="77500" lnSpcReduction="20000"/>
-          </a:bodyPr>
-          <a:lstStyle/>
-          <a:p>
-            <a:pPr marL="0" indent="0" algn="ctr">
-              <a:buNone/>
-            </a:pPr>
-            <a:r>
-              <a:rPr lang="en-US" b="1" dirty="0"/>
-              <a:t>The competition among the mortgage service providers is </a:t>
-            </a:r>
-            <a:r>
-              <a:rPr lang="en-US" b="1" dirty="0">
-                <a:solidFill>
-                  <a:schemeClr val="accent6"/>
-                </a:solidFill>
-              </a:rPr>
-              <a:t>BIG</a:t>
-            </a:r>
-            <a:r>
-              <a:rPr lang="en-US" b="1" dirty="0"/>
-              <a:t>!</a:t>
-            </a:r>
-            <a:br>
-              <a:rPr lang="en-US" b="1" dirty="0"/>
-            </a:br>
-            <a:endParaRPr lang="en-US" b="1" dirty="0"/>
-          </a:p>
-          <a:p>
-            <a:r>
-              <a:rPr lang="en-US" dirty="0"/>
-              <a:t>More than 100 financial institutes offers mortgages – Banks or (Re)Insurance companies</a:t>
-            </a:r>
-          </a:p>
-          <a:p>
-            <a:endParaRPr lang="en-US" dirty="0"/>
-          </a:p>
-          <a:p>
-            <a:r>
-              <a:rPr lang="en-US" dirty="0" err="1"/>
-              <a:t>Moneypark</a:t>
-            </a:r>
-            <a:r>
-              <a:rPr lang="en-US" dirty="0"/>
-              <a:t> (with Helvetia) &gt;100 offers – Leader mortgage broker</a:t>
-            </a:r>
-            <a:br>
-              <a:rPr lang="en-US" dirty="0"/>
-            </a:br>
-            <a:endParaRPr lang="en-US" dirty="0"/>
-          </a:p>
-          <a:p>
-            <a:r>
-              <a:rPr lang="en-US" dirty="0"/>
-              <a:t>Other Mortgage brokers</a:t>
-            </a:r>
-          </a:p>
-          <a:p>
-            <a:pPr lvl="1"/>
-            <a:r>
-              <a:rPr lang="en-US" dirty="0" err="1"/>
-              <a:t>Hypoguide</a:t>
-            </a:r>
-            <a:r>
-              <a:rPr lang="en-US" dirty="0"/>
-              <a:t>: 63 offers</a:t>
-            </a:r>
-          </a:p>
-          <a:p>
-            <a:pPr lvl="1"/>
-            <a:r>
-              <a:rPr lang="en-US" dirty="0" err="1"/>
-              <a:t>Comparis</a:t>
-            </a:r>
-            <a:r>
-              <a:rPr lang="en-US" dirty="0"/>
-              <a:t>: 47 offers (</a:t>
-            </a:r>
-            <a:r>
-              <a:rPr lang="en-US" dirty="0" err="1"/>
-              <a:t>Hypoplus</a:t>
-            </a:r>
-            <a:r>
-              <a:rPr lang="en-US" dirty="0"/>
-              <a:t>)</a:t>
-            </a:r>
-          </a:p>
-          <a:p>
-            <a:pPr lvl="1"/>
-            <a:endParaRPr lang="en-US" dirty="0"/>
-          </a:p>
-          <a:p>
-            <a:r>
-              <a:rPr lang="en-US" dirty="0"/>
-              <a:t>Still </a:t>
-            </a:r>
-            <a:r>
-              <a:rPr lang="en-US" dirty="0">
-                <a:solidFill>
-                  <a:schemeClr val="accent6"/>
-                </a:solidFill>
-              </a:rPr>
-              <a:t>MISSING</a:t>
-            </a:r>
-            <a:r>
-              <a:rPr lang="en-US" dirty="0"/>
-              <a:t> points: </a:t>
-            </a:r>
-          </a:p>
-          <a:p>
-            <a:pPr lvl="1"/>
-            <a:r>
-              <a:rPr lang="en-US" dirty="0"/>
-              <a:t>Transparency</a:t>
-            </a:r>
-          </a:p>
-          <a:p>
-            <a:pPr lvl="1"/>
-            <a:r>
-              <a:rPr lang="en-US" dirty="0"/>
-              <a:t>Trust from clients</a:t>
-            </a:r>
-          </a:p>
-          <a:p>
-            <a:pPr lvl="1"/>
-            <a:r>
-              <a:rPr lang="en-US" dirty="0"/>
-              <a:t>Quality and unbiased advice from brokers</a:t>
-            </a:r>
-            <a:br>
-              <a:rPr lang="en-US" dirty="0"/>
-            </a:br>
-            <a:endParaRPr lang="en-US" dirty="0"/>
-          </a:p>
-          <a:p>
-            <a:pPr marL="0" indent="0">
-              <a:buNone/>
-            </a:pPr>
-            <a:r>
-              <a:rPr lang="en-US" sz="1300" dirty="0"/>
-              <a:t>Source: </a:t>
-            </a:r>
-            <a:r>
-              <a:rPr lang="en-US" sz="1300" dirty="0">
-                <a:solidFill>
-                  <a:schemeClr val="accent6"/>
-                </a:solidFill>
-                <a:hlinkClick r:id="rId3"/>
-              </a:rPr>
-              <a:t>https://www.cash.ch/news/top-news/immobilien-soll-ich-fuer-die-hypothek-zum-broker-oder-zur-hausbank-1288872</a:t>
-            </a:r>
-            <a:r>
-              <a:rPr lang="en-US" sz="1300" dirty="0">
-                <a:solidFill>
-                  <a:schemeClr val="accent6"/>
-                </a:solidFill>
-              </a:rPr>
-              <a:t> </a:t>
-            </a:r>
-          </a:p>
-          <a:p>
-            <a:endParaRPr lang="en-US" dirty="0"/>
-          </a:p>
-        </p:txBody>
-      </p:sp>
-      <p:pic>
-        <p:nvPicPr>
-          <p:cNvPr id="5" name="Picture 16">
-            <a:extLst>
-              <a:ext uri="{FF2B5EF4-FFF2-40B4-BE49-F238E27FC236}">
-                <a16:creationId xmlns:a16="http://schemas.microsoft.com/office/drawing/2014/main" id="{CB0C35C9-B587-244F-8D03-91E6F0BA0183}"/>
-              </a:ext>
-            </a:extLst>
-          </p:cNvPr>
-          <p:cNvPicPr/>
-          <p:nvPr/>
-        </p:nvPicPr>
-        <p:blipFill>
-          <a:blip r:embed="rId4" cstate="print">
-            <a:extLst>
-              <a:ext uri="{28A0092B-C50C-407E-A947-70E740481C1C}">
-                <a14:useLocalDpi xmlns:a14="http://schemas.microsoft.com/office/drawing/2010/main" val="0"/>
-              </a:ext>
-            </a:extLst>
-          </a:blip>
-          <a:stretch>
-            <a:fillRect/>
-          </a:stretch>
-        </p:blipFill>
-        <p:spPr>
-          <a:xfrm>
-            <a:off x="484096" y="142062"/>
-            <a:ext cx="1169670" cy="314325"/>
-          </a:xfrm>
-          <a:prstGeom prst="rect">
-            <a:avLst/>
-          </a:prstGeom>
-        </p:spPr>
-      </p:pic>
-    </p:spTree>
-    <p:extLst>
-      <p:ext uri="{BB962C8B-B14F-4D97-AF65-F5344CB8AC3E}">
-        <p14:creationId xmlns:p14="http://schemas.microsoft.com/office/powerpoint/2010/main" val="2597101183"/>
-      </p:ext>
-    </p:extLst>
-  </p:cSld>
-  <p:clrMapOvr>
-    <a:masterClrMapping/>
-  </p:clrMapOvr>
-</p:sld>
-</file>
-
-<file path=ppt/slides/slide6.xml><?xml version="1.0" encoding="utf-8"?>
-<p:sld xmlns:a="http://schemas.openxmlformats.org/drawingml/2006/main" xmlns:r="http://schemas.openxmlformats.org/officeDocument/2006/relationships" xmlns:p="http://schemas.openxmlformats.org/presentationml/2006/main">
-  <p:cSld>
-    <p:bg>
-      <p:bgPr>
-        <a:solidFill>
-          <a:schemeClr val="bg1"/>
-        </a:solidFill>
-        <a:effectLst/>
-      </p:bgPr>
-    </p:bg>
-    <p:spTree>
-      <p:nvGrpSpPr>
-        <p:cNvPr id="1" name=""/>
-        <p:cNvGrpSpPr/>
-        <p:nvPr/>
-      </p:nvGrpSpPr>
-      <p:grpSpPr>
-        <a:xfrm>
-          <a:off x="0" y="0"/>
-          <a:ext cx="0" cy="0"/>
-          <a:chOff x="0" y="0"/>
-          <a:chExt cx="0" cy="0"/>
-        </a:xfrm>
-      </p:grpSpPr>
-      <p:sp>
-        <p:nvSpPr>
-          <p:cNvPr id="14" name="Freeform: Shape 9">
-            <a:extLst>
-              <a:ext uri="{FF2B5EF4-FFF2-40B4-BE49-F238E27FC236}">
-                <a16:creationId xmlns:a16="http://schemas.microsoft.com/office/drawing/2014/main" id="{46C2E80F-49A6-4372-B103-219D417A55ED}"/>
-              </a:ext>
-              <a:ext uri="{C183D7F6-B498-43B3-948B-1728B52AA6E4}">
-                <adec:decorative xmlns:adec="http://schemas.microsoft.com/office/drawing/2017/decorative" val="1"/>
-              </a:ext>
-            </a:extLst>
-          </p:cNvPr>
-          <p:cNvSpPr>
-            <a:spLocks noGrp="1" noRot="1" noChangeAspect="1" noMove="1" noResize="1" noEditPoints="1" noAdjustHandles="1" noChangeArrowheads="1" noChangeShapeType="1" noTextEdit="1"/>
-          </p:cNvSpPr>
-          <p:nvPr>
-            <p:extLst>
-              <p:ext uri="{386F3935-93C4-4BCD-93E2-E3B085C9AB24}">
-                <p16:designElem xmlns:p16="http://schemas.microsoft.com/office/powerpoint/2015/main" val="1"/>
-              </p:ext>
-            </p:extLst>
-          </p:nvPr>
-        </p:nvSpPr>
-        <p:spPr>
-          <a:xfrm>
-            <a:off x="484096" y="470925"/>
-            <a:ext cx="4381009" cy="5892104"/>
-          </a:xfrm>
-          <a:custGeom>
-            <a:avLst/>
-            <a:gdLst>
-              <a:gd name="connsiteX0" fmla="*/ 0 w 4381009"/>
-              <a:gd name="connsiteY0" fmla="*/ 0 h 5892104"/>
-              <a:gd name="connsiteX1" fmla="*/ 4157628 w 4381009"/>
-              <a:gd name="connsiteY1" fmla="*/ 0 h 5892104"/>
-              <a:gd name="connsiteX2" fmla="*/ 4169302 w 4381009"/>
-              <a:gd name="connsiteY2" fmla="*/ 68659 h 5892104"/>
-              <a:gd name="connsiteX3" fmla="*/ 4191571 w 4381009"/>
-              <a:gd name="connsiteY3" fmla="*/ 205472 h 5892104"/>
-              <a:gd name="connsiteX4" fmla="*/ 4213368 w 4381009"/>
-              <a:gd name="connsiteY4" fmla="*/ 342890 h 5892104"/>
-              <a:gd name="connsiteX5" fmla="*/ 4232030 w 4381009"/>
-              <a:gd name="connsiteY5" fmla="*/ 480913 h 5892104"/>
-              <a:gd name="connsiteX6" fmla="*/ 4250848 w 4381009"/>
-              <a:gd name="connsiteY6" fmla="*/ 618332 h 5892104"/>
-              <a:gd name="connsiteX7" fmla="*/ 4268412 w 4381009"/>
-              <a:gd name="connsiteY7" fmla="*/ 756355 h 5892104"/>
-              <a:gd name="connsiteX8" fmla="*/ 4283467 w 4381009"/>
-              <a:gd name="connsiteY8" fmla="*/ 892563 h 5892104"/>
-              <a:gd name="connsiteX9" fmla="*/ 4297737 w 4381009"/>
-              <a:gd name="connsiteY9" fmla="*/ 1030587 h 5892104"/>
-              <a:gd name="connsiteX10" fmla="*/ 4310754 w 4381009"/>
-              <a:gd name="connsiteY10" fmla="*/ 1168005 h 5892104"/>
-              <a:gd name="connsiteX11" fmla="*/ 4322045 w 4381009"/>
-              <a:gd name="connsiteY11" fmla="*/ 1303002 h 5892104"/>
-              <a:gd name="connsiteX12" fmla="*/ 4333336 w 4381009"/>
-              <a:gd name="connsiteY12" fmla="*/ 1439815 h 5892104"/>
-              <a:gd name="connsiteX13" fmla="*/ 4342745 w 4381009"/>
-              <a:gd name="connsiteY13" fmla="*/ 1574812 h 5892104"/>
-              <a:gd name="connsiteX14" fmla="*/ 4350115 w 4381009"/>
-              <a:gd name="connsiteY14" fmla="*/ 1709808 h 5892104"/>
-              <a:gd name="connsiteX15" fmla="*/ 4357799 w 4381009"/>
-              <a:gd name="connsiteY15" fmla="*/ 1844200 h 5892104"/>
-              <a:gd name="connsiteX16" fmla="*/ 4364229 w 4381009"/>
-              <a:gd name="connsiteY16" fmla="*/ 1977381 h 5892104"/>
-              <a:gd name="connsiteX17" fmla="*/ 4368777 w 4381009"/>
-              <a:gd name="connsiteY17" fmla="*/ 2109351 h 5892104"/>
-              <a:gd name="connsiteX18" fmla="*/ 4372697 w 4381009"/>
-              <a:gd name="connsiteY18" fmla="*/ 2241321 h 5892104"/>
-              <a:gd name="connsiteX19" fmla="*/ 4376461 w 4381009"/>
-              <a:gd name="connsiteY19" fmla="*/ 2372080 h 5892104"/>
-              <a:gd name="connsiteX20" fmla="*/ 4378186 w 4381009"/>
-              <a:gd name="connsiteY20" fmla="*/ 2501023 h 5892104"/>
-              <a:gd name="connsiteX21" fmla="*/ 4380068 w 4381009"/>
-              <a:gd name="connsiteY21" fmla="*/ 2629966 h 5892104"/>
-              <a:gd name="connsiteX22" fmla="*/ 4381009 w 4381009"/>
-              <a:gd name="connsiteY22" fmla="*/ 2757093 h 5892104"/>
-              <a:gd name="connsiteX23" fmla="*/ 4380068 w 4381009"/>
-              <a:gd name="connsiteY23" fmla="*/ 2883010 h 5892104"/>
-              <a:gd name="connsiteX24" fmla="*/ 4380068 w 4381009"/>
-              <a:gd name="connsiteY24" fmla="*/ 3007715 h 5892104"/>
-              <a:gd name="connsiteX25" fmla="*/ 4378186 w 4381009"/>
-              <a:gd name="connsiteY25" fmla="*/ 3131210 h 5892104"/>
-              <a:gd name="connsiteX26" fmla="*/ 4375363 w 4381009"/>
-              <a:gd name="connsiteY26" fmla="*/ 3252283 h 5892104"/>
-              <a:gd name="connsiteX27" fmla="*/ 4372697 w 4381009"/>
-              <a:gd name="connsiteY27" fmla="*/ 3372146 h 5892104"/>
-              <a:gd name="connsiteX28" fmla="*/ 4369718 w 4381009"/>
-              <a:gd name="connsiteY28" fmla="*/ 3489587 h 5892104"/>
-              <a:gd name="connsiteX29" fmla="*/ 4365170 w 4381009"/>
-              <a:gd name="connsiteY29" fmla="*/ 3606423 h 5892104"/>
-              <a:gd name="connsiteX30" fmla="*/ 4360309 w 4381009"/>
-              <a:gd name="connsiteY30" fmla="*/ 3721443 h 5892104"/>
-              <a:gd name="connsiteX31" fmla="*/ 4355918 w 4381009"/>
-              <a:gd name="connsiteY31" fmla="*/ 3834041 h 5892104"/>
-              <a:gd name="connsiteX32" fmla="*/ 4343529 w 4381009"/>
-              <a:gd name="connsiteY32" fmla="*/ 4053789 h 5892104"/>
-              <a:gd name="connsiteX33" fmla="*/ 4330356 w 4381009"/>
-              <a:gd name="connsiteY33" fmla="*/ 4264457 h 5892104"/>
-              <a:gd name="connsiteX34" fmla="*/ 4316556 w 4381009"/>
-              <a:gd name="connsiteY34" fmla="*/ 4466650 h 5892104"/>
-              <a:gd name="connsiteX35" fmla="*/ 4301344 w 4381009"/>
-              <a:gd name="connsiteY35" fmla="*/ 4657946 h 5892104"/>
-              <a:gd name="connsiteX36" fmla="*/ 4285506 w 4381009"/>
-              <a:gd name="connsiteY36" fmla="*/ 4840767 h 5892104"/>
-              <a:gd name="connsiteX37" fmla="*/ 4268412 w 4381009"/>
-              <a:gd name="connsiteY37" fmla="*/ 5010269 h 5892104"/>
-              <a:gd name="connsiteX38" fmla="*/ 4251633 w 4381009"/>
-              <a:gd name="connsiteY38" fmla="*/ 5169481 h 5892104"/>
-              <a:gd name="connsiteX39" fmla="*/ 4234853 w 4381009"/>
-              <a:gd name="connsiteY39" fmla="*/ 5315980 h 5892104"/>
-              <a:gd name="connsiteX40" fmla="*/ 4219014 w 4381009"/>
-              <a:gd name="connsiteY40" fmla="*/ 5450371 h 5892104"/>
-              <a:gd name="connsiteX41" fmla="*/ 4203959 w 4381009"/>
-              <a:gd name="connsiteY41" fmla="*/ 5569628 h 5892104"/>
-              <a:gd name="connsiteX42" fmla="*/ 4189689 w 4381009"/>
-              <a:gd name="connsiteY42" fmla="*/ 5677384 h 5892104"/>
-              <a:gd name="connsiteX43" fmla="*/ 4177770 w 4381009"/>
-              <a:gd name="connsiteY43" fmla="*/ 5768189 h 5892104"/>
-              <a:gd name="connsiteX44" fmla="*/ 4166479 w 4381009"/>
-              <a:gd name="connsiteY44" fmla="*/ 5844465 h 5892104"/>
-              <a:gd name="connsiteX45" fmla="*/ 4159132 w 4381009"/>
-              <a:gd name="connsiteY45" fmla="*/ 5892104 h 5892104"/>
-              <a:gd name="connsiteX46" fmla="*/ 0 w 4381009"/>
-              <a:gd name="connsiteY46" fmla="*/ 5892104 h 5892104"/>
-            </a:gdLst>
-            <a:ahLst/>
-            <a:cxnLst>
-              <a:cxn ang="0">
-                <a:pos x="connsiteX0" y="connsiteY0"/>
-              </a:cxn>
-              <a:cxn ang="0">
-                <a:pos x="connsiteX1" y="connsiteY1"/>
-              </a:cxn>
-              <a:cxn ang="0">
-                <a:pos x="connsiteX2" y="connsiteY2"/>
-              </a:cxn>
-              <a:cxn ang="0">
-                <a:pos x="connsiteX3" y="connsiteY3"/>
-              </a:cxn>
-              <a:cxn ang="0">
-                <a:pos x="connsiteX4" y="connsiteY4"/>
-              </a:cxn>
-              <a:cxn ang="0">
-                <a:pos x="connsiteX5" y="connsiteY5"/>
-              </a:cxn>
-              <a:cxn ang="0">
-                <a:pos x="connsiteX6" y="connsiteY6"/>
-              </a:cxn>
-              <a:cxn ang="0">
-                <a:pos x="connsiteX7" y="connsiteY7"/>
-              </a:cxn>
-              <a:cxn ang="0">
-                <a:pos x="connsiteX8" y="connsiteY8"/>
-              </a:cxn>
-              <a:cxn ang="0">
-                <a:pos x="connsiteX9" y="connsiteY9"/>
-              </a:cxn>
-              <a:cxn ang="0">
-                <a:pos x="connsiteX10" y="connsiteY10"/>
-              </a:cxn>
-              <a:cxn ang="0">
-                <a:pos x="connsiteX11" y="connsiteY11"/>
-              </a:cxn>
-              <a:cxn ang="0">
-                <a:pos x="connsiteX12" y="connsiteY12"/>
-              </a:cxn>
-              <a:cxn ang="0">
-                <a:pos x="connsiteX13" y="connsiteY13"/>
-              </a:cxn>
-              <a:cxn ang="0">
-                <a:pos x="connsiteX14" y="connsiteY14"/>
-              </a:cxn>
-              <a:cxn ang="0">
-                <a:pos x="connsiteX15" y="connsiteY15"/>
-              </a:cxn>
-              <a:cxn ang="0">
-                <a:pos x="connsiteX16" y="connsiteY16"/>
-              </a:cxn>
-              <a:cxn ang="0">
-                <a:pos x="connsiteX17" y="connsiteY17"/>
-              </a:cxn>
-              <a:cxn ang="0">
-                <a:pos x="connsiteX18" y="connsiteY18"/>
-              </a:cxn>
-              <a:cxn ang="0">
-                <a:pos x="connsiteX19" y="connsiteY19"/>
-              </a:cxn>
-              <a:cxn ang="0">
-                <a:pos x="connsiteX20" y="connsiteY20"/>
-              </a:cxn>
-              <a:cxn ang="0">
-                <a:pos x="connsiteX21" y="connsiteY21"/>
-              </a:cxn>
-              <a:cxn ang="0">
-                <a:pos x="connsiteX22" y="connsiteY22"/>
-              </a:cxn>
-              <a:cxn ang="0">
-                <a:pos x="connsiteX23" y="connsiteY23"/>
-              </a:cxn>
-              <a:cxn ang="0">
-                <a:pos x="connsiteX24" y="connsiteY24"/>
-              </a:cxn>
-              <a:cxn ang="0">
-                <a:pos x="connsiteX25" y="connsiteY25"/>
-              </a:cxn>
-              <a:cxn ang="0">
-                <a:pos x="connsiteX26" y="connsiteY26"/>
-              </a:cxn>
-              <a:cxn ang="0">
-                <a:pos x="connsiteX27" y="connsiteY27"/>
-              </a:cxn>
-              <a:cxn ang="0">
-                <a:pos x="connsiteX28" y="connsiteY28"/>
-              </a:cxn>
-              <a:cxn ang="0">
-                <a:pos x="connsiteX29" y="connsiteY29"/>
-              </a:cxn>
-              <a:cxn ang="0">
-                <a:pos x="connsiteX30" y="connsiteY30"/>
-              </a:cxn>
-              <a:cxn ang="0">
-                <a:pos x="connsiteX31" y="connsiteY31"/>
-              </a:cxn>
-              <a:cxn ang="0">
-                <a:pos x="connsiteX32" y="connsiteY32"/>
-              </a:cxn>
-              <a:cxn ang="0">
-                <a:pos x="connsiteX33" y="connsiteY33"/>
-              </a:cxn>
-              <a:cxn ang="0">
-                <a:pos x="connsiteX34" y="connsiteY34"/>
-              </a:cxn>
-              <a:cxn ang="0">
-                <a:pos x="connsiteX35" y="connsiteY35"/>
-              </a:cxn>
-              <a:cxn ang="0">
-                <a:pos x="connsiteX36" y="connsiteY36"/>
-              </a:cxn>
-              <a:cxn ang="0">
-                <a:pos x="connsiteX37" y="connsiteY37"/>
-              </a:cxn>
-              <a:cxn ang="0">
-                <a:pos x="connsiteX38" y="connsiteY38"/>
-              </a:cxn>
-              <a:cxn ang="0">
-                <a:pos x="connsiteX39" y="connsiteY39"/>
-              </a:cxn>
-              <a:cxn ang="0">
-                <a:pos x="connsiteX40" y="connsiteY40"/>
-              </a:cxn>
-              <a:cxn ang="0">
-                <a:pos x="connsiteX41" y="connsiteY41"/>
-              </a:cxn>
-              <a:cxn ang="0">
-                <a:pos x="connsiteX42" y="connsiteY42"/>
-              </a:cxn>
-              <a:cxn ang="0">
-                <a:pos x="connsiteX43" y="connsiteY43"/>
-              </a:cxn>
-              <a:cxn ang="0">
-                <a:pos x="connsiteX44" y="connsiteY44"/>
-              </a:cxn>
-              <a:cxn ang="0">
-                <a:pos x="connsiteX45" y="connsiteY45"/>
-              </a:cxn>
-              <a:cxn ang="0">
-                <a:pos x="connsiteX46" y="connsiteY46"/>
-              </a:cxn>
-            </a:cxnLst>
-            <a:rect l="l" t="t" r="r" b="b"/>
-            <a:pathLst>
-              <a:path w="4381009" h="5892104">
-                <a:moveTo>
-                  <a:pt x="0" y="0"/>
-                </a:moveTo>
-                <a:lnTo>
-                  <a:pt x="4157628" y="0"/>
-                </a:lnTo>
-                <a:lnTo>
-                  <a:pt x="4169302" y="68659"/>
-                </a:lnTo>
-                <a:lnTo>
-                  <a:pt x="4191571" y="205472"/>
-                </a:lnTo>
-                <a:lnTo>
-                  <a:pt x="4213368" y="342890"/>
-                </a:lnTo>
-                <a:lnTo>
-                  <a:pt x="4232030" y="480913"/>
-                </a:lnTo>
-                <a:lnTo>
-                  <a:pt x="4250848" y="618332"/>
-                </a:lnTo>
-                <a:lnTo>
-                  <a:pt x="4268412" y="756355"/>
-                </a:lnTo>
-                <a:lnTo>
-                  <a:pt x="4283467" y="892563"/>
-                </a:lnTo>
-                <a:lnTo>
-                  <a:pt x="4297737" y="1030587"/>
-                </a:lnTo>
-                <a:lnTo>
-                  <a:pt x="4310754" y="1168005"/>
-                </a:lnTo>
-                <a:lnTo>
-                  <a:pt x="4322045" y="1303002"/>
-                </a:lnTo>
-                <a:lnTo>
-                  <a:pt x="4333336" y="1439815"/>
-                </a:lnTo>
-                <a:lnTo>
-                  <a:pt x="4342745" y="1574812"/>
-                </a:lnTo>
-                <a:lnTo>
-                  <a:pt x="4350115" y="1709808"/>
-                </a:lnTo>
-                <a:lnTo>
-                  <a:pt x="4357799" y="1844200"/>
-                </a:lnTo>
-                <a:lnTo>
-                  <a:pt x="4364229" y="1977381"/>
-                </a:lnTo>
-                <a:lnTo>
-                  <a:pt x="4368777" y="2109351"/>
-                </a:lnTo>
-                <a:lnTo>
-                  <a:pt x="4372697" y="2241321"/>
-                </a:lnTo>
-                <a:lnTo>
-                  <a:pt x="4376461" y="2372080"/>
-                </a:lnTo>
-                <a:lnTo>
-                  <a:pt x="4378186" y="2501023"/>
-                </a:lnTo>
-                <a:lnTo>
-                  <a:pt x="4380068" y="2629966"/>
-                </a:lnTo>
-                <a:lnTo>
-                  <a:pt x="4381009" y="2757093"/>
-                </a:lnTo>
-                <a:lnTo>
-                  <a:pt x="4380068" y="2883010"/>
-                </a:lnTo>
-                <a:lnTo>
-                  <a:pt x="4380068" y="3007715"/>
-                </a:lnTo>
-                <a:lnTo>
-                  <a:pt x="4378186" y="3131210"/>
-                </a:lnTo>
-                <a:lnTo>
-                  <a:pt x="4375363" y="3252283"/>
-                </a:lnTo>
-                <a:lnTo>
-                  <a:pt x="4372697" y="3372146"/>
-                </a:lnTo>
-                <a:lnTo>
-                  <a:pt x="4369718" y="3489587"/>
-                </a:lnTo>
-                <a:lnTo>
-                  <a:pt x="4365170" y="3606423"/>
-                </a:lnTo>
-                <a:lnTo>
-                  <a:pt x="4360309" y="3721443"/>
-                </a:lnTo>
-                <a:lnTo>
-                  <a:pt x="4355918" y="3834041"/>
-                </a:lnTo>
-                <a:lnTo>
-                  <a:pt x="4343529" y="4053789"/>
-                </a:lnTo>
-                <a:lnTo>
-                  <a:pt x="4330356" y="4264457"/>
-                </a:lnTo>
-                <a:lnTo>
-                  <a:pt x="4316556" y="4466650"/>
-                </a:lnTo>
-                <a:lnTo>
-                  <a:pt x="4301344" y="4657946"/>
-                </a:lnTo>
-                <a:lnTo>
-                  <a:pt x="4285506" y="4840767"/>
-                </a:lnTo>
-                <a:lnTo>
-                  <a:pt x="4268412" y="5010269"/>
-                </a:lnTo>
-                <a:lnTo>
-                  <a:pt x="4251633" y="5169481"/>
-                </a:lnTo>
-                <a:lnTo>
-                  <a:pt x="4234853" y="5315980"/>
-                </a:lnTo>
-                <a:lnTo>
-                  <a:pt x="4219014" y="5450371"/>
-                </a:lnTo>
-                <a:lnTo>
-                  <a:pt x="4203959" y="5569628"/>
-                </a:lnTo>
-                <a:lnTo>
-                  <a:pt x="4189689" y="5677384"/>
-                </a:lnTo>
-                <a:lnTo>
-                  <a:pt x="4177770" y="5768189"/>
-                </a:lnTo>
-                <a:lnTo>
-                  <a:pt x="4166479" y="5844465"/>
-                </a:lnTo>
-                <a:lnTo>
-                  <a:pt x="4159132" y="5892104"/>
-                </a:lnTo>
-                <a:lnTo>
-                  <a:pt x="0" y="5892104"/>
-                </a:lnTo>
-                <a:close/>
-              </a:path>
-            </a:pathLst>
-          </a:custGeom>
-          <a:solidFill>
-            <a:srgbClr val="404040"/>
-          </a:solidFill>
-          <a:ln>
-            <a:noFill/>
-          </a:ln>
-        </p:spPr>
-        <p:style>
-          <a:lnRef idx="2">
-            <a:schemeClr val="accent1">
-              <a:shade val="50000"/>
-            </a:schemeClr>
-          </a:lnRef>
-          <a:fillRef idx="1">
-            <a:schemeClr val="accent1"/>
-          </a:fillRef>
-          <a:effectRef idx="0">
-            <a:schemeClr val="accent1"/>
-          </a:effectRef>
-          <a:fontRef idx="minor">
-            <a:schemeClr val="lt1"/>
-          </a:fontRef>
-        </p:style>
-        <p:txBody>
-          <a:bodyPr wrap="square" rtlCol="0" anchor="ctr">
-            <a:noAutofit/>
-          </a:bodyPr>
-          <a:lstStyle/>
-          <a:p>
-            <a:pPr marL="0" marR="0" lvl="0" indent="0" algn="ctr" defTabSz="457200" rtl="0" eaLnBrk="1" fontAlgn="auto" latinLnBrk="0" hangingPunct="1">
-              <a:lnSpc>
-                <a:spcPct val="100000"/>
-              </a:lnSpc>
-              <a:spcBef>
-                <a:spcPts val="0"/>
-              </a:spcBef>
-              <a:spcAft>
-                <a:spcPts val="0"/>
-              </a:spcAft>
-              <a:buClrTx/>
-              <a:buSzTx/>
-              <a:buFontTx/>
-              <a:buNone/>
-              <a:tabLst/>
-              <a:defRPr/>
-            </a:pPr>
-            <a:endParaRPr kumimoji="0" lang="en-US" sz="1800" b="0" i="0" u="none" strike="noStrike" kern="1200" cap="none" spc="0" normalizeH="0" baseline="0" noProof="0">
-              <a:ln>
-                <a:noFill/>
-              </a:ln>
-              <a:solidFill>
-                <a:prstClr val="white"/>
-              </a:solidFill>
-              <a:effectLst/>
-              <a:uLnTx/>
-              <a:uFillTx/>
-              <a:latin typeface="Calibri" panose="020F0502020204030204"/>
-              <a:ea typeface="+mn-ea"/>
-              <a:cs typeface="+mn-cs"/>
-            </a:endParaRPr>
-          </a:p>
-        </p:txBody>
-      </p:sp>
-      <p:sp>
-        <p:nvSpPr>
-          <p:cNvPr id="2" name="Title 1">
-            <a:extLst>
-              <a:ext uri="{FF2B5EF4-FFF2-40B4-BE49-F238E27FC236}">
-                <a16:creationId xmlns:a16="http://schemas.microsoft.com/office/drawing/2014/main" id="{154B20ED-D2F8-4A55-8E20-330DFD1730EF}"/>
-              </a:ext>
-            </a:extLst>
-          </p:cNvPr>
-          <p:cNvSpPr>
-            <a:spLocks noGrp="1"/>
-          </p:cNvSpPr>
-          <p:nvPr>
-            <p:ph type="title"/>
-          </p:nvPr>
-        </p:nvSpPr>
-        <p:spPr>
-          <a:xfrm>
-            <a:off x="863029" y="1012004"/>
-            <a:ext cx="3416158" cy="4795408"/>
+            <a:off x="4865105" y="142062"/>
+            <a:ext cx="7088355" cy="6220967"/>
           </a:xfrm>
         </p:spPr>
         <p:txBody>
@@ -17307,50 +17265,6 @@
           </a:bodyPr>
           <a:lstStyle/>
           <a:p>
-            <a:r>
-              <a:rPr lang="en-GB" sz="4100" dirty="0">
-                <a:solidFill>
-                  <a:srgbClr val="FFFFFF"/>
-                </a:solidFill>
-              </a:rPr>
-              <a:t>We are better!</a:t>
-            </a:r>
-            <a:endParaRPr lang="fr-CH" sz="4100" dirty="0">
-              <a:solidFill>
-                <a:srgbClr val="FFFFFF"/>
-              </a:solidFill>
-            </a:endParaRPr>
-          </a:p>
-        </p:txBody>
-      </p:sp>
-      <p:sp>
-        <p:nvSpPr>
-          <p:cNvPr id="3" name="Content Placeholder 2">
-            <a:extLst>
-              <a:ext uri="{FF2B5EF4-FFF2-40B4-BE49-F238E27FC236}">
-                <a16:creationId xmlns:a16="http://schemas.microsoft.com/office/drawing/2014/main" id="{37F2B56A-5266-604D-B4BF-4BF60CA72690}"/>
-              </a:ext>
-            </a:extLst>
-          </p:cNvPr>
-          <p:cNvSpPr>
-            <a:spLocks noGrp="1"/>
-          </p:cNvSpPr>
-          <p:nvPr>
-            <p:ph idx="1"/>
-          </p:nvPr>
-        </p:nvSpPr>
-        <p:spPr>
-          <a:xfrm>
-            <a:off x="5117910" y="777922"/>
-            <a:ext cx="6235890" cy="5585107"/>
-          </a:xfrm>
-        </p:spPr>
-        <p:txBody>
-          <a:bodyPr>
-            <a:normAutofit/>
-          </a:bodyPr>
-          <a:lstStyle/>
-          <a:p>
             <a:pPr lvl="1"/>
             <a:endParaRPr lang="en-US" dirty="0"/>
           </a:p>
@@ -17359,8 +17273,8 @@
               <a:buNone/>
             </a:pPr>
             <a:r>
-              <a:rPr lang="en-US" b="1" dirty="0"/>
-              <a:t>Mortgage Happiness fulfils the </a:t>
+              <a:rPr lang="en-US" sz="3600" b="1" dirty="0"/>
+              <a:t>Mortgage Happiness fulfills the </a:t>
             </a:r>
           </a:p>
           <a:p>
@@ -17368,7 +17282,7 @@
               <a:buNone/>
             </a:pPr>
             <a:r>
-              <a:rPr lang="en-US" b="1" dirty="0">
+              <a:rPr lang="en-US" sz="3600" b="1" dirty="0">
                 <a:solidFill>
                   <a:schemeClr val="accent6"/>
                 </a:solidFill>
@@ -17376,8 +17290,8 @@
               <a:t>MISSING</a:t>
             </a:r>
             <a:r>
-              <a:rPr lang="en-US" b="1" dirty="0"/>
-              <a:t> elements:</a:t>
+              <a:rPr lang="en-US" sz="3600" b="1" dirty="0"/>
+              <a:t> elements</a:t>
             </a:r>
             <a:br>
               <a:rPr lang="en-US" dirty="0"/>
@@ -17407,6 +17321,9 @@
             </a:r>
           </a:p>
           <a:p>
+            <a:endParaRPr lang="en-US" dirty="0"/>
+          </a:p>
+          <a:p>
             <a:r>
               <a:rPr lang="en-US" b="1" dirty="0"/>
               <a:t>Trust from clients </a:t>
@@ -17415,6 +17332,9 @@
               <a:rPr lang="en-US" dirty="0"/>
               <a:t>– Clear and understandable communication! </a:t>
             </a:r>
+          </a:p>
+          <a:p>
+            <a:endParaRPr lang="en-US" dirty="0"/>
           </a:p>
           <a:p>
             <a:r>
@@ -18057,8 +17977,8 @@
         </p:nvSpPr>
         <p:spPr>
           <a:xfrm>
-            <a:off x="5117910" y="643172"/>
-            <a:ext cx="6235890" cy="5585107"/>
+            <a:off x="4865105" y="336176"/>
+            <a:ext cx="7326895" cy="5892104"/>
           </a:xfrm>
         </p:spPr>
         <p:txBody>
@@ -18075,16 +17995,18 @@
               <a:buNone/>
             </a:pPr>
             <a:r>
+              <a:rPr lang="en-US" b="1" dirty="0"/>
+              <a:t>The prototype was successful, but </a:t>
+            </a:r>
+            <a:r>
               <a:rPr lang="en-US" b="1" dirty="0">
                 <a:solidFill>
-                  <a:schemeClr val="accent6"/>
+                  <a:schemeClr val="accent6">
+                    <a:lumMod val="75000"/>
+                  </a:schemeClr>
                 </a:solidFill>
               </a:rPr>
-              <a:t>We proved our right</a:t>
-            </a:r>
-            <a:r>
-              <a:rPr lang="en-US" b="1" dirty="0"/>
-              <a:t>, the prototype was successful, but still lot to do!</a:t>
+              <a:t>still lot to do!</a:t>
             </a:r>
           </a:p>
           <a:p>
@@ -18112,37 +18034,46 @@
           </a:p>
           <a:p>
             <a:r>
-              <a:rPr lang="en-US" dirty="0" err="1"/>
+              <a:rPr lang="en-US" sz="2000" dirty="0" err="1"/>
               <a:t>PoC</a:t>
             </a:r>
             <a:r>
-              <a:rPr lang="en-US" dirty="0"/>
+              <a:rPr lang="en-US" sz="2000" dirty="0"/>
               <a:t> and new </a:t>
             </a:r>
             <a:r>
-              <a:rPr lang="en-US" dirty="0" err="1"/>
+              <a:rPr lang="en-US" sz="2000" dirty="0" err="1"/>
               <a:t>subcription</a:t>
             </a:r>
             <a:r>
-              <a:rPr lang="en-US" dirty="0"/>
+              <a:rPr lang="en-US" sz="2000" dirty="0"/>
               <a:t>-based business model</a:t>
             </a:r>
           </a:p>
           <a:p>
-            <a:r>
-              <a:rPr lang="en-US" dirty="0"/>
+            <a:endParaRPr lang="en-US" sz="2000" dirty="0"/>
+          </a:p>
+          <a:p>
+            <a:r>
+              <a:rPr lang="en-US" sz="2000" dirty="0"/>
               <a:t>Platform development</a:t>
             </a:r>
           </a:p>
           <a:p>
-            <a:r>
-              <a:rPr lang="en-US" dirty="0"/>
+            <a:endParaRPr lang="en-US" sz="2000" dirty="0"/>
+          </a:p>
+          <a:p>
+            <a:r>
+              <a:rPr lang="en-US" sz="2000" dirty="0"/>
               <a:t>Business case</a:t>
             </a:r>
           </a:p>
           <a:p>
-            <a:r>
-              <a:rPr lang="en-US" dirty="0"/>
+            <a:endParaRPr lang="en-US" sz="2000" dirty="0"/>
+          </a:p>
+          <a:p>
+            <a:r>
+              <a:rPr lang="en-US" sz="2000" dirty="0"/>
               <a:t>Detailed change strategy and transition management</a:t>
             </a:r>
           </a:p>
@@ -18190,7 +18121,7 @@
         </p:nvSpPr>
         <p:spPr>
           <a:xfrm>
-            <a:off x="5244038" y="5683014"/>
+            <a:off x="5791200" y="5226778"/>
             <a:ext cx="1087655" cy="680015"/>
           </a:xfrm>
           <a:prstGeom prst="rightArrow">
@@ -18230,7 +18161,7 @@
         </p:nvSpPr>
         <p:spPr>
           <a:xfrm>
-            <a:off x="6718434" y="5561356"/>
+            <a:off x="7265596" y="5105120"/>
             <a:ext cx="3436218" cy="923330"/>
           </a:xfrm>
           <a:prstGeom prst="rect">
